--- a/Tips & Hints.pptx
+++ b/Tips & Hints.pptx
@@ -1,23 +1,23 @@
 
 <file path=ppt/presentation.xml><?xml version="1.0" encoding="utf-8"?>
-<p:presentation xmlns:a="http://schemas.openxmlformats.org/drawingml/2006/main" xmlns:r="http://schemas.openxmlformats.org/officeDocument/2006/relationships" xmlns:mc="http://schemas.openxmlformats.org/markup-compatibility/2006" xmlns:mv="urn:schemas-microsoft-com:mac:vml" xmlns:p="http://schemas.openxmlformats.org/presentationml/2006/main" xmlns:c="http://schemas.openxmlformats.org/drawingml/2006/chart" xmlns:dgm="http://schemas.openxmlformats.org/drawingml/2006/diagram" xmlns:o="urn:schemas-microsoft-com:office:office" xmlns:v="urn:schemas-microsoft-com:vml" xmlns:pvml="urn:schemas-microsoft-com:office:powerpoint" xmlns:com="http://schemas.openxmlformats.org/drawingml/2006/compatibility" xmlns:p14="http://schemas.microsoft.com/office/powerpoint/2010/main" xmlns:p15="http://schemas.microsoft.com/office/powerpoint/2012/main" xmlns:ahyp="http://schemas.microsoft.com/office/drawing/2018/hyperlinkcolor" autoCompressPictures="0" strictFirstAndLastChars="0" saveSubsetFonts="1">
+<p:presentation xmlns:a="http://schemas.openxmlformats.org/drawingml/2006/main" xmlns:r="http://schemas.openxmlformats.org/officeDocument/2006/relationships" xmlns:p="http://schemas.openxmlformats.org/presentationml/2006/main" strictFirstAndLastChars="0" saveSubsetFonts="1" autoCompressPictures="0">
   <p:sldMasterIdLst>
-    <p:sldMasterId id="2147483659" r:id="rId4"/>
+    <p:sldMasterId id="2147483659" r:id="rId1"/>
   </p:sldMasterIdLst>
   <p:notesMasterIdLst>
-    <p:notesMasterId r:id="rId5"/>
+    <p:notesMasterId r:id="rId7"/>
   </p:notesMasterIdLst>
   <p:sldIdLst>
-    <p:sldId id="256" r:id="rId6"/>
-    <p:sldId id="257" r:id="rId7"/>
-    <p:sldId id="258" r:id="rId8"/>
-    <p:sldId id="259" r:id="rId9"/>
-    <p:sldId id="260" r:id="rId10"/>
+    <p:sldId id="256" r:id="rId2"/>
+    <p:sldId id="257" r:id="rId3"/>
+    <p:sldId id="258" r:id="rId4"/>
+    <p:sldId id="259" r:id="rId5"/>
+    <p:sldId id="260" r:id="rId6"/>
   </p:sldIdLst>
-  <p:sldSz cy="5143500" cx="9144000"/>
+  <p:sldSz cx="9144000" cy="5143500" type="screen16x9"/>
   <p:notesSz cx="6858000" cy="9144000"/>
   <p:defaultTextStyle>
-    <a:defPPr lvl="0" marR="0" rtl="0" algn="l">
+    <a:defPPr marR="0" lvl="0" algn="l" rtl="0">
       <a:lnSpc>
         <a:spcPct val="100000"/>
       </a:lnSpc>
@@ -28,7 +28,7 @@
         <a:spcPts val="0"/>
       </a:spcAft>
     </a:defPPr>
-    <a:lvl1pPr lvl="0" marR="0" rtl="0" algn="l">
+    <a:lvl1pPr marR="0" lvl="0" algn="l" rtl="0">
       <a:lnSpc>
         <a:spcPct val="100000"/>
       </a:lnSpc>
@@ -42,7 +42,7 @@
         <a:srgbClr val="000000"/>
       </a:buClr>
       <a:buFont typeface="Arial"/>
-      <a:defRPr b="0" i="0" sz="1400" u="none" cap="none" strike="noStrike">
+      <a:defRPr sz="1400" b="0" i="0" u="none" strike="noStrike" cap="none">
         <a:solidFill>
           <a:srgbClr val="000000"/>
         </a:solidFill>
@@ -52,7 +52,7 @@
         <a:sym typeface="Arial"/>
       </a:defRPr>
     </a:lvl1pPr>
-    <a:lvl2pPr lvl="1" marR="0" rtl="0" algn="l">
+    <a:lvl2pPr marR="0" lvl="1" algn="l" rtl="0">
       <a:lnSpc>
         <a:spcPct val="100000"/>
       </a:lnSpc>
@@ -66,7 +66,7 @@
         <a:srgbClr val="000000"/>
       </a:buClr>
       <a:buFont typeface="Arial"/>
-      <a:defRPr b="0" i="0" sz="1400" u="none" cap="none" strike="noStrike">
+      <a:defRPr sz="1400" b="0" i="0" u="none" strike="noStrike" cap="none">
         <a:solidFill>
           <a:srgbClr val="000000"/>
         </a:solidFill>
@@ -76,7 +76,7 @@
         <a:sym typeface="Arial"/>
       </a:defRPr>
     </a:lvl2pPr>
-    <a:lvl3pPr lvl="2" marR="0" rtl="0" algn="l">
+    <a:lvl3pPr marR="0" lvl="2" algn="l" rtl="0">
       <a:lnSpc>
         <a:spcPct val="100000"/>
       </a:lnSpc>
@@ -90,7 +90,7 @@
         <a:srgbClr val="000000"/>
       </a:buClr>
       <a:buFont typeface="Arial"/>
-      <a:defRPr b="0" i="0" sz="1400" u="none" cap="none" strike="noStrike">
+      <a:defRPr sz="1400" b="0" i="0" u="none" strike="noStrike" cap="none">
         <a:solidFill>
           <a:srgbClr val="000000"/>
         </a:solidFill>
@@ -100,7 +100,7 @@
         <a:sym typeface="Arial"/>
       </a:defRPr>
     </a:lvl3pPr>
-    <a:lvl4pPr lvl="3" marR="0" rtl="0" algn="l">
+    <a:lvl4pPr marR="0" lvl="3" algn="l" rtl="0">
       <a:lnSpc>
         <a:spcPct val="100000"/>
       </a:lnSpc>
@@ -114,7 +114,7 @@
         <a:srgbClr val="000000"/>
       </a:buClr>
       <a:buFont typeface="Arial"/>
-      <a:defRPr b="0" i="0" sz="1400" u="none" cap="none" strike="noStrike">
+      <a:defRPr sz="1400" b="0" i="0" u="none" strike="noStrike" cap="none">
         <a:solidFill>
           <a:srgbClr val="000000"/>
         </a:solidFill>
@@ -124,7 +124,7 @@
         <a:sym typeface="Arial"/>
       </a:defRPr>
     </a:lvl4pPr>
-    <a:lvl5pPr lvl="4" marR="0" rtl="0" algn="l">
+    <a:lvl5pPr marR="0" lvl="4" algn="l" rtl="0">
       <a:lnSpc>
         <a:spcPct val="100000"/>
       </a:lnSpc>
@@ -138,7 +138,7 @@
         <a:srgbClr val="000000"/>
       </a:buClr>
       <a:buFont typeface="Arial"/>
-      <a:defRPr b="0" i="0" sz="1400" u="none" cap="none" strike="noStrike">
+      <a:defRPr sz="1400" b="0" i="0" u="none" strike="noStrike" cap="none">
         <a:solidFill>
           <a:srgbClr val="000000"/>
         </a:solidFill>
@@ -148,7 +148,7 @@
         <a:sym typeface="Arial"/>
       </a:defRPr>
     </a:lvl5pPr>
-    <a:lvl6pPr lvl="5" marR="0" rtl="0" algn="l">
+    <a:lvl6pPr marR="0" lvl="5" algn="l" rtl="0">
       <a:lnSpc>
         <a:spcPct val="100000"/>
       </a:lnSpc>
@@ -162,7 +162,7 @@
         <a:srgbClr val="000000"/>
       </a:buClr>
       <a:buFont typeface="Arial"/>
-      <a:defRPr b="0" i="0" sz="1400" u="none" cap="none" strike="noStrike">
+      <a:defRPr sz="1400" b="0" i="0" u="none" strike="noStrike" cap="none">
         <a:solidFill>
           <a:srgbClr val="000000"/>
         </a:solidFill>
@@ -172,7 +172,7 @@
         <a:sym typeface="Arial"/>
       </a:defRPr>
     </a:lvl6pPr>
-    <a:lvl7pPr lvl="6" marR="0" rtl="0" algn="l">
+    <a:lvl7pPr marR="0" lvl="6" algn="l" rtl="0">
       <a:lnSpc>
         <a:spcPct val="100000"/>
       </a:lnSpc>
@@ -186,7 +186,7 @@
         <a:srgbClr val="000000"/>
       </a:buClr>
       <a:buFont typeface="Arial"/>
-      <a:defRPr b="0" i="0" sz="1400" u="none" cap="none" strike="noStrike">
+      <a:defRPr sz="1400" b="0" i="0" u="none" strike="noStrike" cap="none">
         <a:solidFill>
           <a:srgbClr val="000000"/>
         </a:solidFill>
@@ -196,7 +196,7 @@
         <a:sym typeface="Arial"/>
       </a:defRPr>
     </a:lvl7pPr>
-    <a:lvl8pPr lvl="7" marR="0" rtl="0" algn="l">
+    <a:lvl8pPr marR="0" lvl="7" algn="l" rtl="0">
       <a:lnSpc>
         <a:spcPct val="100000"/>
       </a:lnSpc>
@@ -210,7 +210,7 @@
         <a:srgbClr val="000000"/>
       </a:buClr>
       <a:buFont typeface="Arial"/>
-      <a:defRPr b="0" i="0" sz="1400" u="none" cap="none" strike="noStrike">
+      <a:defRPr sz="1400" b="0" i="0" u="none" strike="noStrike" cap="none">
         <a:solidFill>
           <a:srgbClr val="000000"/>
         </a:solidFill>
@@ -220,7 +220,7 @@
         <a:sym typeface="Arial"/>
       </a:defRPr>
     </a:lvl8pPr>
-    <a:lvl9pPr lvl="8" marR="0" rtl="0" algn="l">
+    <a:lvl9pPr marR="0" lvl="8" algn="l" rtl="0">
       <a:lnSpc>
         <a:spcPct val="100000"/>
       </a:lnSpc>
@@ -234,7 +234,7 @@
         <a:srgbClr val="000000"/>
       </a:buClr>
       <a:buFont typeface="Arial"/>
-      <a:defRPr b="0" i="0" sz="1400" u="none" cap="none" strike="noStrike">
+      <a:defRPr sz="1400" b="0" i="0" u="none" strike="noStrike" cap="none">
         <a:solidFill>
           <a:srgbClr val="000000"/>
         </a:solidFill>
@@ -247,7 +247,7 @@
   </p:defaultTextStyle>
   <p:extLst>
     <p:ext uri="{EFAFB233-063F-42B5-8137-9DF3F51BA10A}">
-      <p15:sldGuideLst>
+      <p15:sldGuideLst xmlns:p15="http://schemas.microsoft.com/office/powerpoint/2012/main">
         <p15:guide id="1" orient="horz" pos="1620">
           <p15:clr>
             <a:srgbClr val="A4A3A4"/>
@@ -265,11 +265,16 @@
 </file>
 
 <file path=ppt/notesMasters/notesMaster1.xml><?xml version="1.0" encoding="utf-8"?>
-<p:notesMaster xmlns:a="http://schemas.openxmlformats.org/drawingml/2006/main" xmlns:r="http://schemas.openxmlformats.org/officeDocument/2006/relationships" xmlns:mc="http://schemas.openxmlformats.org/markup-compatibility/2006" xmlns:mv="urn:schemas-microsoft-com:mac:vml" xmlns:p="http://schemas.openxmlformats.org/presentationml/2006/main" xmlns:c="http://schemas.openxmlformats.org/drawingml/2006/chart" xmlns:dgm="http://schemas.openxmlformats.org/drawingml/2006/diagram" xmlns:o="urn:schemas-microsoft-com:office:office" xmlns:v="urn:schemas-microsoft-com:vml" xmlns:pvml="urn:schemas-microsoft-com:office:powerpoint" xmlns:com="http://schemas.openxmlformats.org/drawingml/2006/compatibility" xmlns:p14="http://schemas.microsoft.com/office/powerpoint/2010/main" xmlns:p15="http://schemas.microsoft.com/office/powerpoint/2012/main" xmlns:ahyp="http://schemas.microsoft.com/office/drawing/2018/hyperlinkcolor">
+<p:notesMaster xmlns:a="http://schemas.openxmlformats.org/drawingml/2006/main" xmlns:r="http://schemas.openxmlformats.org/officeDocument/2006/relationships" xmlns:p="http://schemas.openxmlformats.org/presentationml/2006/main">
   <p:cSld>
+    <p:bg>
+      <p:bgRef idx="1001">
+        <a:schemeClr val="bg1"/>
+      </p:bgRef>
+    </p:bg>
     <p:spTree>
       <p:nvGrpSpPr>
-        <p:cNvPr id="2" name="Shape 2"/>
+        <p:cNvPr id="1" name="Shape 2"/>
         <p:cNvGrpSpPr/>
         <p:nvPr/>
       </p:nvGrpSpPr>
@@ -284,9 +289,11 @@
       <p:sp>
         <p:nvSpPr>
           <p:cNvPr id="3" name="Google Shape;3;n"/>
-          <p:cNvSpPr/>
+          <p:cNvSpPr>
+            <a:spLocks noGrp="1" noRot="1" noChangeAspect="1"/>
+          </p:cNvSpPr>
           <p:nvPr>
-            <p:ph idx="2" type="sldImg"/>
+            <p:ph type="sldImg" idx="2"/>
           </p:nvPr>
         </p:nvSpPr>
         <p:spPr>
@@ -295,9 +302,13 @@
             <a:ext cx="6096075" cy="3429000"/>
           </a:xfrm>
           <a:custGeom>
-            <a:rect b="b" l="l" r="r" t="t"/>
+            <a:avLst/>
+            <a:gdLst/>
+            <a:ahLst/>
+            <a:cxnLst/>
+            <a:rect l="l" t="t" r="r" b="b"/>
             <a:pathLst>
-              <a:path extrusionOk="0" h="120000" w="120000">
+              <a:path w="120000" h="120000" extrusionOk="0">
                 <a:moveTo>
                   <a:pt x="0" y="0"/>
                 </a:moveTo>
@@ -315,23 +326,25 @@
             </a:pathLst>
           </a:custGeom>
           <a:noFill/>
-          <a:ln cap="flat" cmpd="sng" w="9525">
+          <a:ln w="9525" cap="flat" cmpd="sng">
             <a:solidFill>
               <a:srgbClr val="000000"/>
             </a:solidFill>
             <a:prstDash val="solid"/>
             <a:round/>
-            <a:headEnd len="sm" w="sm" type="none"/>
-            <a:tailEnd len="sm" w="sm" type="none"/>
+            <a:headEnd type="none" w="sm" len="sm"/>
+            <a:tailEnd type="none" w="sm" len="sm"/>
           </a:ln>
         </p:spPr>
       </p:sp>
       <p:sp>
         <p:nvSpPr>
           <p:cNvPr id="4" name="Google Shape;4;n"/>
-          <p:cNvSpPr txBox="1"/>
+          <p:cNvSpPr txBox="1">
+            <a:spLocks noGrp="1"/>
+          </p:cNvSpPr>
           <p:nvPr>
-            <p:ph idx="1" type="body"/>
+            <p:ph type="body" idx="1"/>
           </p:nvPr>
         </p:nvSpPr>
         <p:spPr>
@@ -348,11 +361,11 @@
           </a:ln>
         </p:spPr>
         <p:txBody>
-          <a:bodyPr anchorCtr="0" anchor="t" bIns="91425" lIns="91425" spcFirstLastPara="1" rIns="91425" wrap="square" tIns="91425">
+          <a:bodyPr spcFirstLastPara="1" wrap="square" lIns="91425" tIns="91425" rIns="91425" bIns="91425" anchor="t" anchorCtr="0">
             <a:noAutofit/>
           </a:bodyPr>
           <a:lstStyle>
-            <a:lvl1pPr indent="-298450" lvl="0" marL="457200">
+            <a:lvl1pPr marL="457200" lvl="0" indent="-298450">
               <a:spcBef>
                 <a:spcPts val="0"/>
               </a:spcBef>
@@ -363,7 +376,7 @@
               <a:buChar char="●"/>
               <a:defRPr sz="1100"/>
             </a:lvl1pPr>
-            <a:lvl2pPr indent="-298450" lvl="1" marL="914400">
+            <a:lvl2pPr marL="914400" lvl="1" indent="-298450">
               <a:spcBef>
                 <a:spcPts val="0"/>
               </a:spcBef>
@@ -374,7 +387,7 @@
               <a:buChar char="○"/>
               <a:defRPr sz="1100"/>
             </a:lvl2pPr>
-            <a:lvl3pPr indent="-298450" lvl="2" marL="1371600">
+            <a:lvl3pPr marL="1371600" lvl="2" indent="-298450">
               <a:spcBef>
                 <a:spcPts val="0"/>
               </a:spcBef>
@@ -385,7 +398,7 @@
               <a:buChar char="■"/>
               <a:defRPr sz="1100"/>
             </a:lvl3pPr>
-            <a:lvl4pPr indent="-298450" lvl="3" marL="1828800">
+            <a:lvl4pPr marL="1828800" lvl="3" indent="-298450">
               <a:spcBef>
                 <a:spcPts val="0"/>
               </a:spcBef>
@@ -396,7 +409,7 @@
               <a:buChar char="●"/>
               <a:defRPr sz="1100"/>
             </a:lvl4pPr>
-            <a:lvl5pPr indent="-298450" lvl="4" marL="2286000">
+            <a:lvl5pPr marL="2286000" lvl="4" indent="-298450">
               <a:spcBef>
                 <a:spcPts val="0"/>
               </a:spcBef>
@@ -407,7 +420,7 @@
               <a:buChar char="○"/>
               <a:defRPr sz="1100"/>
             </a:lvl5pPr>
-            <a:lvl6pPr indent="-298450" lvl="5" marL="2743200">
+            <a:lvl6pPr marL="2743200" lvl="5" indent="-298450">
               <a:spcBef>
                 <a:spcPts val="0"/>
               </a:spcBef>
@@ -418,7 +431,7 @@
               <a:buChar char="■"/>
               <a:defRPr sz="1100"/>
             </a:lvl6pPr>
-            <a:lvl7pPr indent="-298450" lvl="6" marL="3200400">
+            <a:lvl7pPr marL="3200400" lvl="6" indent="-298450">
               <a:spcBef>
                 <a:spcPts val="0"/>
               </a:spcBef>
@@ -429,7 +442,7 @@
               <a:buChar char="●"/>
               <a:defRPr sz="1100"/>
             </a:lvl7pPr>
-            <a:lvl8pPr indent="-298450" lvl="7" marL="3657600">
+            <a:lvl8pPr marL="3657600" lvl="7" indent="-298450">
               <a:spcBef>
                 <a:spcPts val="0"/>
               </a:spcBef>
@@ -440,7 +453,7 @@
               <a:buChar char="○"/>
               <a:defRPr sz="1100"/>
             </a:lvl8pPr>
-            <a:lvl9pPr indent="-298450" lvl="8" marL="4114800">
+            <a:lvl9pPr marL="4114800" lvl="8" indent="-298450">
               <a:spcBef>
                 <a:spcPts val="0"/>
               </a:spcBef>
@@ -452,14 +465,16 @@
               <a:defRPr sz="1100"/>
             </a:lvl9pPr>
           </a:lstStyle>
-          <a:p/>
+          <a:p>
+            <a:endParaRPr/>
+          </a:p>
         </p:txBody>
       </p:sp>
     </p:spTree>
   </p:cSld>
-  <p:clrMap accent1="accent1" accent2="accent2" accent3="accent3" accent4="accent4" accent5="accent5" accent6="accent6" bg1="lt1" bg2="dk2" tx1="dk1" tx2="lt2" folHlink="folHlink" hlink="hlink"/>
+  <p:clrMap bg1="lt1" tx1="dk1" bg2="dk2" tx2="lt2" accent1="accent1" accent2="accent2" accent3="accent3" accent4="accent4" accent5="accent5" accent6="accent6" hlink="hlink" folHlink="folHlink"/>
   <p:notesStyle>
-    <a:defPPr lvl="0" marR="0" rtl="0" algn="l">
+    <a:defPPr marR="0" lvl="0" algn="l" rtl="0">
       <a:lnSpc>
         <a:spcPct val="100000"/>
       </a:lnSpc>
@@ -470,7 +485,7 @@
         <a:spcPts val="0"/>
       </a:spcAft>
     </a:defPPr>
-    <a:lvl1pPr lvl="0" marR="0" rtl="0" algn="l">
+    <a:lvl1pPr marR="0" lvl="0" algn="l" rtl="0">
       <a:lnSpc>
         <a:spcPct val="100000"/>
       </a:lnSpc>
@@ -484,7 +499,7 @@
         <a:srgbClr val="000000"/>
       </a:buClr>
       <a:buFont typeface="Arial"/>
-      <a:defRPr b="0" i="0" sz="1400" u="none" cap="none" strike="noStrike">
+      <a:defRPr sz="1400" b="0" i="0" u="none" strike="noStrike" cap="none">
         <a:solidFill>
           <a:srgbClr val="000000"/>
         </a:solidFill>
@@ -494,7 +509,7 @@
         <a:sym typeface="Arial"/>
       </a:defRPr>
     </a:lvl1pPr>
-    <a:lvl2pPr lvl="1" marR="0" rtl="0" algn="l">
+    <a:lvl2pPr marR="0" lvl="1" algn="l" rtl="0">
       <a:lnSpc>
         <a:spcPct val="100000"/>
       </a:lnSpc>
@@ -508,7 +523,7 @@
         <a:srgbClr val="000000"/>
       </a:buClr>
       <a:buFont typeface="Arial"/>
-      <a:defRPr b="0" i="0" sz="1400" u="none" cap="none" strike="noStrike">
+      <a:defRPr sz="1400" b="0" i="0" u="none" strike="noStrike" cap="none">
         <a:solidFill>
           <a:srgbClr val="000000"/>
         </a:solidFill>
@@ -518,7 +533,7 @@
         <a:sym typeface="Arial"/>
       </a:defRPr>
     </a:lvl2pPr>
-    <a:lvl3pPr lvl="2" marR="0" rtl="0" algn="l">
+    <a:lvl3pPr marR="0" lvl="2" algn="l" rtl="0">
       <a:lnSpc>
         <a:spcPct val="100000"/>
       </a:lnSpc>
@@ -532,7 +547,7 @@
         <a:srgbClr val="000000"/>
       </a:buClr>
       <a:buFont typeface="Arial"/>
-      <a:defRPr b="0" i="0" sz="1400" u="none" cap="none" strike="noStrike">
+      <a:defRPr sz="1400" b="0" i="0" u="none" strike="noStrike" cap="none">
         <a:solidFill>
           <a:srgbClr val="000000"/>
         </a:solidFill>
@@ -542,7 +557,7 @@
         <a:sym typeface="Arial"/>
       </a:defRPr>
     </a:lvl3pPr>
-    <a:lvl4pPr lvl="3" marR="0" rtl="0" algn="l">
+    <a:lvl4pPr marR="0" lvl="3" algn="l" rtl="0">
       <a:lnSpc>
         <a:spcPct val="100000"/>
       </a:lnSpc>
@@ -556,7 +571,7 @@
         <a:srgbClr val="000000"/>
       </a:buClr>
       <a:buFont typeface="Arial"/>
-      <a:defRPr b="0" i="0" sz="1400" u="none" cap="none" strike="noStrike">
+      <a:defRPr sz="1400" b="0" i="0" u="none" strike="noStrike" cap="none">
         <a:solidFill>
           <a:srgbClr val="000000"/>
         </a:solidFill>
@@ -566,7 +581,7 @@
         <a:sym typeface="Arial"/>
       </a:defRPr>
     </a:lvl4pPr>
-    <a:lvl5pPr lvl="4" marR="0" rtl="0" algn="l">
+    <a:lvl5pPr marR="0" lvl="4" algn="l" rtl="0">
       <a:lnSpc>
         <a:spcPct val="100000"/>
       </a:lnSpc>
@@ -580,7 +595,7 @@
         <a:srgbClr val="000000"/>
       </a:buClr>
       <a:buFont typeface="Arial"/>
-      <a:defRPr b="0" i="0" sz="1400" u="none" cap="none" strike="noStrike">
+      <a:defRPr sz="1400" b="0" i="0" u="none" strike="noStrike" cap="none">
         <a:solidFill>
           <a:srgbClr val="000000"/>
         </a:solidFill>
@@ -590,7 +605,7 @@
         <a:sym typeface="Arial"/>
       </a:defRPr>
     </a:lvl5pPr>
-    <a:lvl6pPr lvl="5" marR="0" rtl="0" algn="l">
+    <a:lvl6pPr marR="0" lvl="5" algn="l" rtl="0">
       <a:lnSpc>
         <a:spcPct val="100000"/>
       </a:lnSpc>
@@ -604,7 +619,7 @@
         <a:srgbClr val="000000"/>
       </a:buClr>
       <a:buFont typeface="Arial"/>
-      <a:defRPr b="0" i="0" sz="1400" u="none" cap="none" strike="noStrike">
+      <a:defRPr sz="1400" b="0" i="0" u="none" strike="noStrike" cap="none">
         <a:solidFill>
           <a:srgbClr val="000000"/>
         </a:solidFill>
@@ -614,7 +629,7 @@
         <a:sym typeface="Arial"/>
       </a:defRPr>
     </a:lvl6pPr>
-    <a:lvl7pPr lvl="6" marR="0" rtl="0" algn="l">
+    <a:lvl7pPr marR="0" lvl="6" algn="l" rtl="0">
       <a:lnSpc>
         <a:spcPct val="100000"/>
       </a:lnSpc>
@@ -628,7 +643,7 @@
         <a:srgbClr val="000000"/>
       </a:buClr>
       <a:buFont typeface="Arial"/>
-      <a:defRPr b="0" i="0" sz="1400" u="none" cap="none" strike="noStrike">
+      <a:defRPr sz="1400" b="0" i="0" u="none" strike="noStrike" cap="none">
         <a:solidFill>
           <a:srgbClr val="000000"/>
         </a:solidFill>
@@ -638,7 +653,7 @@
         <a:sym typeface="Arial"/>
       </a:defRPr>
     </a:lvl7pPr>
-    <a:lvl8pPr lvl="7" marR="0" rtl="0" algn="l">
+    <a:lvl8pPr marR="0" lvl="7" algn="l" rtl="0">
       <a:lnSpc>
         <a:spcPct val="100000"/>
       </a:lnSpc>
@@ -652,7 +667,7 @@
         <a:srgbClr val="000000"/>
       </a:buClr>
       <a:buFont typeface="Arial"/>
-      <a:defRPr b="0" i="0" sz="1400" u="none" cap="none" strike="noStrike">
+      <a:defRPr sz="1400" b="0" i="0" u="none" strike="noStrike" cap="none">
         <a:solidFill>
           <a:srgbClr val="000000"/>
         </a:solidFill>
@@ -662,7 +677,7 @@
         <a:sym typeface="Arial"/>
       </a:defRPr>
     </a:lvl8pPr>
-    <a:lvl9pPr lvl="8" marR="0" rtl="0" algn="l">
+    <a:lvl9pPr marR="0" lvl="8" algn="l" rtl="0">
       <a:lnSpc>
         <a:spcPct val="100000"/>
       </a:lnSpc>
@@ -676,7 +691,7 @@
         <a:srgbClr val="000000"/>
       </a:buClr>
       <a:buFont typeface="Arial"/>
-      <a:defRPr b="0" i="0" sz="1400" u="none" cap="none" strike="noStrike">
+      <a:defRPr sz="1400" b="0" i="0" u="none" strike="noStrike" cap="none">
         <a:solidFill>
           <a:srgbClr val="000000"/>
         </a:solidFill>
@@ -691,11 +706,11 @@
 </file>
 
 <file path=ppt/notesSlides/notesSlide1.xml><?xml version="1.0" encoding="utf-8"?>
-<p:notes xmlns:a="http://schemas.openxmlformats.org/drawingml/2006/main" xmlns:r="http://schemas.openxmlformats.org/officeDocument/2006/relationships" xmlns:mc="http://schemas.openxmlformats.org/markup-compatibility/2006" xmlns:mv="urn:schemas-microsoft-com:mac:vml" xmlns:p="http://schemas.openxmlformats.org/presentationml/2006/main" xmlns:c="http://schemas.openxmlformats.org/drawingml/2006/chart" xmlns:dgm="http://schemas.openxmlformats.org/drawingml/2006/diagram" xmlns:o="urn:schemas-microsoft-com:office:office" xmlns:v="urn:schemas-microsoft-com:vml" xmlns:pvml="urn:schemas-microsoft-com:office:powerpoint" xmlns:com="http://schemas.openxmlformats.org/drawingml/2006/compatibility" xmlns:p14="http://schemas.microsoft.com/office/powerpoint/2010/main" xmlns:p15="http://schemas.microsoft.com/office/powerpoint/2012/main" xmlns:ahyp="http://schemas.microsoft.com/office/drawing/2018/hyperlinkcolor" showMasterPhAnim="0" showMasterSp="0">
+<p:notes xmlns:a="http://schemas.openxmlformats.org/drawingml/2006/main" xmlns:r="http://schemas.openxmlformats.org/officeDocument/2006/relationships" xmlns:p="http://schemas.openxmlformats.org/presentationml/2006/main" showMasterSp="0" showMasterPhAnim="0">
   <p:cSld>
     <p:spTree>
       <p:nvGrpSpPr>
-        <p:cNvPr id="50" name="Shape 50"/>
+        <p:cNvPr id="1" name="Shape 50"/>
         <p:cNvGrpSpPr/>
         <p:nvPr/>
       </p:nvGrpSpPr>
@@ -710,9 +725,11 @@
       <p:sp>
         <p:nvSpPr>
           <p:cNvPr id="51" name="Google Shape;51;gfdddcced72_0_3:notes"/>
-          <p:cNvSpPr/>
+          <p:cNvSpPr>
+            <a:spLocks noGrp="1" noRot="1" noChangeAspect="1"/>
+          </p:cNvSpPr>
           <p:nvPr>
-            <p:ph idx="2" type="sldImg"/>
+            <p:ph type="sldImg" idx="2"/>
           </p:nvPr>
         </p:nvSpPr>
         <p:spPr>
@@ -721,9 +738,13 @@
             <a:ext cx="6096000" cy="3429000"/>
           </a:xfrm>
           <a:custGeom>
-            <a:rect b="b" l="l" r="r" t="t"/>
+            <a:avLst/>
+            <a:gdLst/>
+            <a:ahLst/>
+            <a:cxnLst/>
+            <a:rect l="l" t="t" r="r" b="b"/>
             <a:pathLst>
-              <a:path extrusionOk="0" h="120000" w="120000">
+              <a:path w="120000" h="120000" extrusionOk="0">
                 <a:moveTo>
                   <a:pt x="0" y="0"/>
                 </a:moveTo>
@@ -745,9 +766,11 @@
       <p:sp>
         <p:nvSpPr>
           <p:cNvPr id="52" name="Google Shape;52;gfdddcced72_0_3:notes"/>
-          <p:cNvSpPr txBox="1"/>
+          <p:cNvSpPr txBox="1">
+            <a:spLocks noGrp="1"/>
+          </p:cNvSpPr>
           <p:nvPr>
-            <p:ph idx="1" type="body"/>
+            <p:ph type="body" idx="1"/>
           </p:nvPr>
         </p:nvSpPr>
         <p:spPr>
@@ -760,12 +783,12 @@
           </a:prstGeom>
         </p:spPr>
         <p:txBody>
-          <a:bodyPr anchorCtr="0" anchor="t" bIns="91425" lIns="91425" spcFirstLastPara="1" rIns="91425" wrap="square" tIns="91425">
+          <a:bodyPr spcFirstLastPara="1" wrap="square" lIns="91425" tIns="91425" rIns="91425" bIns="91425" anchor="t" anchorCtr="0">
             <a:noAutofit/>
           </a:bodyPr>
           <a:lstStyle/>
           <a:p>
-            <a:pPr indent="0" lvl="0" marL="0" rtl="0" algn="l">
+            <a:pPr marL="0" lvl="0" indent="0" algn="l" rtl="0">
               <a:spcBef>
                 <a:spcPts val="0"/>
               </a:spcBef>
@@ -774,9 +797,6 @@
               </a:spcAft>
               <a:buNone/>
             </a:pPr>
-            <a:r>
-              <a:t/>
-            </a:r>
             <a:endParaRPr/>
           </a:p>
         </p:txBody>
@@ -790,11 +810,11 @@
 </file>
 
 <file path=ppt/notesSlides/notesSlide2.xml><?xml version="1.0" encoding="utf-8"?>
-<p:notes xmlns:a="http://schemas.openxmlformats.org/drawingml/2006/main" xmlns:r="http://schemas.openxmlformats.org/officeDocument/2006/relationships" xmlns:mc="http://schemas.openxmlformats.org/markup-compatibility/2006" xmlns:mv="urn:schemas-microsoft-com:mac:vml" xmlns:p="http://schemas.openxmlformats.org/presentationml/2006/main" xmlns:c="http://schemas.openxmlformats.org/drawingml/2006/chart" xmlns:dgm="http://schemas.openxmlformats.org/drawingml/2006/diagram" xmlns:o="urn:schemas-microsoft-com:office:office" xmlns:v="urn:schemas-microsoft-com:vml" xmlns:pvml="urn:schemas-microsoft-com:office:powerpoint" xmlns:com="http://schemas.openxmlformats.org/drawingml/2006/compatibility" xmlns:p14="http://schemas.microsoft.com/office/powerpoint/2010/main" xmlns:p15="http://schemas.microsoft.com/office/powerpoint/2012/main" xmlns:ahyp="http://schemas.microsoft.com/office/drawing/2018/hyperlinkcolor" showMasterPhAnim="0" showMasterSp="0">
+<p:notes xmlns:a="http://schemas.openxmlformats.org/drawingml/2006/main" xmlns:r="http://schemas.openxmlformats.org/officeDocument/2006/relationships" xmlns:p="http://schemas.openxmlformats.org/presentationml/2006/main" showMasterSp="0" showMasterPhAnim="0">
   <p:cSld>
     <p:spTree>
       <p:nvGrpSpPr>
-        <p:cNvPr id="65" name="Shape 65"/>
+        <p:cNvPr id="1" name="Shape 65"/>
         <p:cNvGrpSpPr/>
         <p:nvPr/>
       </p:nvGrpSpPr>
@@ -809,9 +829,11 @@
       <p:sp>
         <p:nvSpPr>
           <p:cNvPr id="66" name="Google Shape;66;gfdddcced72_0_17:notes"/>
-          <p:cNvSpPr/>
+          <p:cNvSpPr>
+            <a:spLocks noGrp="1" noRot="1" noChangeAspect="1"/>
+          </p:cNvSpPr>
           <p:nvPr>
-            <p:ph idx="2" type="sldImg"/>
+            <p:ph type="sldImg" idx="2"/>
           </p:nvPr>
         </p:nvSpPr>
         <p:spPr>
@@ -820,9 +842,13 @@
             <a:ext cx="6096000" cy="3429000"/>
           </a:xfrm>
           <a:custGeom>
-            <a:rect b="b" l="l" r="r" t="t"/>
+            <a:avLst/>
+            <a:gdLst/>
+            <a:ahLst/>
+            <a:cxnLst/>
+            <a:rect l="l" t="t" r="r" b="b"/>
             <a:pathLst>
-              <a:path extrusionOk="0" h="120000" w="120000">
+              <a:path w="120000" h="120000" extrusionOk="0">
                 <a:moveTo>
                   <a:pt x="0" y="0"/>
                 </a:moveTo>
@@ -844,9 +870,11 @@
       <p:sp>
         <p:nvSpPr>
           <p:cNvPr id="67" name="Google Shape;67;gfdddcced72_0_17:notes"/>
-          <p:cNvSpPr txBox="1"/>
+          <p:cNvSpPr txBox="1">
+            <a:spLocks noGrp="1"/>
+          </p:cNvSpPr>
           <p:nvPr>
-            <p:ph idx="1" type="body"/>
+            <p:ph type="body" idx="1"/>
           </p:nvPr>
         </p:nvSpPr>
         <p:spPr>
@@ -859,12 +887,12 @@
           </a:prstGeom>
         </p:spPr>
         <p:txBody>
-          <a:bodyPr anchorCtr="0" anchor="t" bIns="91425" lIns="91425" spcFirstLastPara="1" rIns="91425" wrap="square" tIns="91425">
+          <a:bodyPr spcFirstLastPara="1" wrap="square" lIns="91425" tIns="91425" rIns="91425" bIns="91425" anchor="t" anchorCtr="0">
             <a:noAutofit/>
           </a:bodyPr>
           <a:lstStyle/>
           <a:p>
-            <a:pPr indent="0" lvl="0" marL="0" rtl="0" algn="l">
+            <a:pPr marL="0" lvl="0" indent="0" algn="l" rtl="0">
               <a:spcBef>
                 <a:spcPts val="0"/>
               </a:spcBef>
@@ -873,9 +901,6 @@
               </a:spcAft>
               <a:buNone/>
             </a:pPr>
-            <a:r>
-              <a:t/>
-            </a:r>
             <a:endParaRPr/>
           </a:p>
         </p:txBody>
@@ -889,11 +914,11 @@
 </file>
 
 <file path=ppt/notesSlides/notesSlide3.xml><?xml version="1.0" encoding="utf-8"?>
-<p:notes xmlns:a="http://schemas.openxmlformats.org/drawingml/2006/main" xmlns:r="http://schemas.openxmlformats.org/officeDocument/2006/relationships" xmlns:mc="http://schemas.openxmlformats.org/markup-compatibility/2006" xmlns:mv="urn:schemas-microsoft-com:mac:vml" xmlns:p="http://schemas.openxmlformats.org/presentationml/2006/main" xmlns:c="http://schemas.openxmlformats.org/drawingml/2006/chart" xmlns:dgm="http://schemas.openxmlformats.org/drawingml/2006/diagram" xmlns:o="urn:schemas-microsoft-com:office:office" xmlns:v="urn:schemas-microsoft-com:vml" xmlns:pvml="urn:schemas-microsoft-com:office:powerpoint" xmlns:com="http://schemas.openxmlformats.org/drawingml/2006/compatibility" xmlns:p14="http://schemas.microsoft.com/office/powerpoint/2010/main" xmlns:p15="http://schemas.microsoft.com/office/powerpoint/2012/main" xmlns:ahyp="http://schemas.microsoft.com/office/drawing/2018/hyperlinkcolor" showMasterPhAnim="0" showMasterSp="0">
+<p:notes xmlns:a="http://schemas.openxmlformats.org/drawingml/2006/main" xmlns:r="http://schemas.openxmlformats.org/officeDocument/2006/relationships" xmlns:p="http://schemas.openxmlformats.org/presentationml/2006/main" showMasterSp="0" showMasterPhAnim="0">
   <p:cSld>
     <p:spTree>
       <p:nvGrpSpPr>
-        <p:cNvPr id="82" name="Shape 82"/>
+        <p:cNvPr id="1" name="Shape 82"/>
         <p:cNvGrpSpPr/>
         <p:nvPr/>
       </p:nvGrpSpPr>
@@ -908,20 +933,26 @@
       <p:sp>
         <p:nvSpPr>
           <p:cNvPr id="83" name="Google Shape;83;p:notes"/>
-          <p:cNvSpPr/>
+          <p:cNvSpPr>
+            <a:spLocks noGrp="1" noRot="1" noChangeAspect="1"/>
+          </p:cNvSpPr>
           <p:nvPr>
-            <p:ph idx="2" type="sldImg"/>
+            <p:ph type="sldImg" idx="2"/>
           </p:nvPr>
         </p:nvSpPr>
         <p:spPr>
           <a:xfrm>
-            <a:off x="381300" y="685800"/>
-            <a:ext cx="6096075" cy="3429000"/>
+            <a:off x="381000" y="685800"/>
+            <a:ext cx="6096000" cy="3429000"/>
           </a:xfrm>
           <a:custGeom>
-            <a:rect b="b" l="l" r="r" t="t"/>
+            <a:avLst/>
+            <a:gdLst/>
+            <a:ahLst/>
+            <a:cxnLst/>
+            <a:rect l="l" t="t" r="r" b="b"/>
             <a:pathLst>
-              <a:path extrusionOk="0" h="120000" w="120000">
+              <a:path w="120000" h="120000" extrusionOk="0">
                 <a:moveTo>
                   <a:pt x="0" y="0"/>
                 </a:moveTo>
@@ -943,9 +974,11 @@
       <p:sp>
         <p:nvSpPr>
           <p:cNvPr id="84" name="Google Shape;84;p:notes"/>
-          <p:cNvSpPr txBox="1"/>
+          <p:cNvSpPr txBox="1">
+            <a:spLocks noGrp="1"/>
+          </p:cNvSpPr>
           <p:nvPr>
-            <p:ph idx="1" type="body"/>
+            <p:ph type="body" idx="1"/>
           </p:nvPr>
         </p:nvSpPr>
         <p:spPr>
@@ -958,12 +991,12 @@
           </a:prstGeom>
         </p:spPr>
         <p:txBody>
-          <a:bodyPr anchorCtr="0" anchor="t" bIns="91425" lIns="91425" spcFirstLastPara="1" rIns="91425" wrap="square" tIns="91425">
+          <a:bodyPr spcFirstLastPara="1" wrap="square" lIns="91425" tIns="91425" rIns="91425" bIns="91425" anchor="t" anchorCtr="0">
             <a:noAutofit/>
           </a:bodyPr>
           <a:lstStyle/>
           <a:p>
-            <a:pPr indent="0" lvl="0" marL="0" rtl="0" algn="l">
+            <a:pPr marL="0" lvl="0" indent="0" algn="l" rtl="0">
               <a:spcBef>
                 <a:spcPts val="0"/>
               </a:spcBef>
@@ -972,9 +1005,6 @@
               </a:spcAft>
               <a:buNone/>
             </a:pPr>
-            <a:r>
-              <a:t/>
-            </a:r>
             <a:endParaRPr/>
           </a:p>
         </p:txBody>
@@ -988,11 +1018,11 @@
 </file>
 
 <file path=ppt/notesSlides/notesSlide4.xml><?xml version="1.0" encoding="utf-8"?>
-<p:notes xmlns:a="http://schemas.openxmlformats.org/drawingml/2006/main" xmlns:r="http://schemas.openxmlformats.org/officeDocument/2006/relationships" xmlns:mc="http://schemas.openxmlformats.org/markup-compatibility/2006" xmlns:mv="urn:schemas-microsoft-com:mac:vml" xmlns:p="http://schemas.openxmlformats.org/presentationml/2006/main" xmlns:c="http://schemas.openxmlformats.org/drawingml/2006/chart" xmlns:dgm="http://schemas.openxmlformats.org/drawingml/2006/diagram" xmlns:o="urn:schemas-microsoft-com:office:office" xmlns:v="urn:schemas-microsoft-com:vml" xmlns:pvml="urn:schemas-microsoft-com:office:powerpoint" xmlns:com="http://schemas.openxmlformats.org/drawingml/2006/compatibility" xmlns:p14="http://schemas.microsoft.com/office/powerpoint/2010/main" xmlns:p15="http://schemas.microsoft.com/office/powerpoint/2012/main" xmlns:ahyp="http://schemas.microsoft.com/office/drawing/2018/hyperlinkcolor" showMasterPhAnim="0" showMasterSp="0">
+<p:notes xmlns:a="http://schemas.openxmlformats.org/drawingml/2006/main" xmlns:r="http://schemas.openxmlformats.org/officeDocument/2006/relationships" xmlns:p="http://schemas.openxmlformats.org/presentationml/2006/main" showMasterSp="0" showMasterPhAnim="0">
   <p:cSld>
     <p:spTree>
       <p:nvGrpSpPr>
-        <p:cNvPr id="94" name="Shape 94"/>
+        <p:cNvPr id="1" name="Shape 94"/>
         <p:cNvGrpSpPr/>
         <p:nvPr/>
       </p:nvGrpSpPr>
@@ -1007,9 +1037,11 @@
       <p:sp>
         <p:nvSpPr>
           <p:cNvPr id="95" name="Google Shape;95;gfdddcced72_0_39:notes"/>
-          <p:cNvSpPr/>
+          <p:cNvSpPr>
+            <a:spLocks noGrp="1" noRot="1" noChangeAspect="1"/>
+          </p:cNvSpPr>
           <p:nvPr>
-            <p:ph idx="2" type="sldImg"/>
+            <p:ph type="sldImg" idx="2"/>
           </p:nvPr>
         </p:nvSpPr>
         <p:spPr>
@@ -1018,9 +1050,13 @@
             <a:ext cx="6096000" cy="3429000"/>
           </a:xfrm>
           <a:custGeom>
-            <a:rect b="b" l="l" r="r" t="t"/>
+            <a:avLst/>
+            <a:gdLst/>
+            <a:ahLst/>
+            <a:cxnLst/>
+            <a:rect l="l" t="t" r="r" b="b"/>
             <a:pathLst>
-              <a:path extrusionOk="0" h="120000" w="120000">
+              <a:path w="120000" h="120000" extrusionOk="0">
                 <a:moveTo>
                   <a:pt x="0" y="0"/>
                 </a:moveTo>
@@ -1042,9 +1078,11 @@
       <p:sp>
         <p:nvSpPr>
           <p:cNvPr id="96" name="Google Shape;96;gfdddcced72_0_39:notes"/>
-          <p:cNvSpPr txBox="1"/>
+          <p:cNvSpPr txBox="1">
+            <a:spLocks noGrp="1"/>
+          </p:cNvSpPr>
           <p:nvPr>
-            <p:ph idx="1" type="body"/>
+            <p:ph type="body" idx="1"/>
           </p:nvPr>
         </p:nvSpPr>
         <p:spPr>
@@ -1057,12 +1095,12 @@
           </a:prstGeom>
         </p:spPr>
         <p:txBody>
-          <a:bodyPr anchorCtr="0" anchor="t" bIns="91425" lIns="91425" spcFirstLastPara="1" rIns="91425" wrap="square" tIns="91425">
+          <a:bodyPr spcFirstLastPara="1" wrap="square" lIns="91425" tIns="91425" rIns="91425" bIns="91425" anchor="t" anchorCtr="0">
             <a:noAutofit/>
           </a:bodyPr>
           <a:lstStyle/>
           <a:p>
-            <a:pPr indent="0" lvl="0" marL="0" rtl="0" algn="l">
+            <a:pPr marL="0" lvl="0" indent="0" algn="l" rtl="0">
               <a:spcBef>
                 <a:spcPts val="0"/>
               </a:spcBef>
@@ -1071,9 +1109,6 @@
               </a:spcAft>
               <a:buNone/>
             </a:pPr>
-            <a:r>
-              <a:t/>
-            </a:r>
             <a:endParaRPr/>
           </a:p>
         </p:txBody>
@@ -1087,11 +1122,11 @@
 </file>
 
 <file path=ppt/notesSlides/notesSlide5.xml><?xml version="1.0" encoding="utf-8"?>
-<p:notes xmlns:a="http://schemas.openxmlformats.org/drawingml/2006/main" xmlns:r="http://schemas.openxmlformats.org/officeDocument/2006/relationships" xmlns:mc="http://schemas.openxmlformats.org/markup-compatibility/2006" xmlns:mv="urn:schemas-microsoft-com:mac:vml" xmlns:p="http://schemas.openxmlformats.org/presentationml/2006/main" xmlns:c="http://schemas.openxmlformats.org/drawingml/2006/chart" xmlns:dgm="http://schemas.openxmlformats.org/drawingml/2006/diagram" xmlns:o="urn:schemas-microsoft-com:office:office" xmlns:v="urn:schemas-microsoft-com:vml" xmlns:pvml="urn:schemas-microsoft-com:office:powerpoint" xmlns:com="http://schemas.openxmlformats.org/drawingml/2006/compatibility" xmlns:p14="http://schemas.microsoft.com/office/powerpoint/2010/main" xmlns:p15="http://schemas.microsoft.com/office/powerpoint/2012/main" xmlns:ahyp="http://schemas.microsoft.com/office/drawing/2018/hyperlinkcolor" showMasterPhAnim="0" showMasterSp="0">
+<p:notes xmlns:a="http://schemas.openxmlformats.org/drawingml/2006/main" xmlns:r="http://schemas.openxmlformats.org/officeDocument/2006/relationships" xmlns:p="http://schemas.openxmlformats.org/presentationml/2006/main" showMasterSp="0" showMasterPhAnim="0">
   <p:cSld>
     <p:spTree>
       <p:nvGrpSpPr>
-        <p:cNvPr id="101" name="Shape 101"/>
+        <p:cNvPr id="1" name="Shape 101"/>
         <p:cNvGrpSpPr/>
         <p:nvPr/>
       </p:nvGrpSpPr>
@@ -1106,20 +1141,26 @@
       <p:sp>
         <p:nvSpPr>
           <p:cNvPr id="102" name="Google Shape;102;gfdddcced72_0_45:notes"/>
-          <p:cNvSpPr/>
+          <p:cNvSpPr>
+            <a:spLocks noGrp="1" noRot="1" noChangeAspect="1"/>
+          </p:cNvSpPr>
           <p:nvPr>
-            <p:ph idx="2" type="sldImg"/>
+            <p:ph type="sldImg" idx="2"/>
           </p:nvPr>
         </p:nvSpPr>
         <p:spPr>
           <a:xfrm>
-            <a:off x="381300" y="685800"/>
+            <a:off x="381000" y="685800"/>
             <a:ext cx="6096000" cy="3429000"/>
           </a:xfrm>
           <a:custGeom>
-            <a:rect b="b" l="l" r="r" t="t"/>
+            <a:avLst/>
+            <a:gdLst/>
+            <a:ahLst/>
+            <a:cxnLst/>
+            <a:rect l="l" t="t" r="r" b="b"/>
             <a:pathLst>
-              <a:path extrusionOk="0" h="120000" w="120000">
+              <a:path w="120000" h="120000" extrusionOk="0">
                 <a:moveTo>
                   <a:pt x="0" y="0"/>
                 </a:moveTo>
@@ -1141,9 +1182,11 @@
       <p:sp>
         <p:nvSpPr>
           <p:cNvPr id="103" name="Google Shape;103;gfdddcced72_0_45:notes"/>
-          <p:cNvSpPr txBox="1"/>
+          <p:cNvSpPr txBox="1">
+            <a:spLocks noGrp="1"/>
+          </p:cNvSpPr>
           <p:nvPr>
-            <p:ph idx="1" type="body"/>
+            <p:ph type="body" idx="1"/>
           </p:nvPr>
         </p:nvSpPr>
         <p:spPr>
@@ -1156,12 +1199,12 @@
           </a:prstGeom>
         </p:spPr>
         <p:txBody>
-          <a:bodyPr anchorCtr="0" anchor="t" bIns="91425" lIns="91425" spcFirstLastPara="1" rIns="91425" wrap="square" tIns="91425">
+          <a:bodyPr spcFirstLastPara="1" wrap="square" lIns="91425" tIns="91425" rIns="91425" bIns="91425" anchor="t" anchorCtr="0">
             <a:noAutofit/>
           </a:bodyPr>
           <a:lstStyle/>
           <a:p>
-            <a:pPr indent="0" lvl="0" marL="0" rtl="0" algn="l">
+            <a:pPr marL="0" lvl="0" indent="0" algn="l" rtl="0">
               <a:spcBef>
                 <a:spcPts val="0"/>
               </a:spcBef>
@@ -1170,9 +1213,6 @@
               </a:spcAft>
               <a:buNone/>
             </a:pPr>
-            <a:r>
-              <a:t/>
-            </a:r>
             <a:endParaRPr/>
           </a:p>
         </p:txBody>
@@ -1186,11 +1226,11 @@
 </file>
 
 <file path=ppt/slideLayouts/slideLayout1.xml><?xml version="1.0" encoding="utf-8"?>
-<p:sldLayout xmlns:a="http://schemas.openxmlformats.org/drawingml/2006/main" xmlns:r="http://schemas.openxmlformats.org/officeDocument/2006/relationships" xmlns:mc="http://schemas.openxmlformats.org/markup-compatibility/2006" xmlns:mv="urn:schemas-microsoft-com:mac:vml" xmlns:p="http://schemas.openxmlformats.org/presentationml/2006/main" xmlns:c="http://schemas.openxmlformats.org/drawingml/2006/chart" xmlns:dgm="http://schemas.openxmlformats.org/drawingml/2006/diagram" xmlns:o="urn:schemas-microsoft-com:office:office" xmlns:v="urn:schemas-microsoft-com:vml" xmlns:pvml="urn:schemas-microsoft-com:office:powerpoint" xmlns:com="http://schemas.openxmlformats.org/drawingml/2006/compatibility" xmlns:p14="http://schemas.microsoft.com/office/powerpoint/2010/main" xmlns:p15="http://schemas.microsoft.com/office/powerpoint/2012/main" xmlns:ahyp="http://schemas.microsoft.com/office/drawing/2018/hyperlinkcolor" matchingName="Title slide" type="title">
+<p:sldLayout xmlns:a="http://schemas.openxmlformats.org/drawingml/2006/main" xmlns:r="http://schemas.openxmlformats.org/officeDocument/2006/relationships" xmlns:p="http://schemas.openxmlformats.org/presentationml/2006/main" matchingName="Title slide" type="title">
   <p:cSld name="TITLE">
     <p:spTree>
       <p:nvGrpSpPr>
-        <p:cNvPr id="9" name="Shape 9"/>
+        <p:cNvPr id="1" name="Shape 9"/>
         <p:cNvGrpSpPr/>
         <p:nvPr/>
       </p:nvGrpSpPr>
@@ -1205,7 +1245,9 @@
       <p:sp>
         <p:nvSpPr>
           <p:cNvPr id="10" name="Google Shape;10;p2"/>
-          <p:cNvSpPr txBox="1"/>
+          <p:cNvSpPr txBox="1">
+            <a:spLocks noGrp="1"/>
+          </p:cNvSpPr>
           <p:nvPr>
             <p:ph type="ctrTitle"/>
           </p:nvPr>
@@ -1220,7 +1262,7 @@
           </a:prstGeom>
         </p:spPr>
         <p:txBody>
-          <a:bodyPr anchorCtr="0" anchor="b" bIns="91425" lIns="91425" spcFirstLastPara="1" rIns="91425" wrap="square" tIns="91425">
+          <a:bodyPr spcFirstLastPara="1" wrap="square" lIns="91425" tIns="91425" rIns="91425" bIns="91425" anchor="b" anchorCtr="0">
             <a:normAutofit/>
           </a:bodyPr>
           <a:lstStyle>
@@ -1324,15 +1366,19 @@
               <a:defRPr sz="5200"/>
             </a:lvl9pPr>
           </a:lstStyle>
-          <a:p/>
+          <a:p>
+            <a:endParaRPr/>
+          </a:p>
         </p:txBody>
       </p:sp>
       <p:sp>
         <p:nvSpPr>
           <p:cNvPr id="11" name="Google Shape;11;p2"/>
-          <p:cNvSpPr txBox="1"/>
+          <p:cNvSpPr txBox="1">
+            <a:spLocks noGrp="1"/>
+          </p:cNvSpPr>
           <p:nvPr>
-            <p:ph idx="1" type="subTitle"/>
+            <p:ph type="subTitle" idx="1"/>
           </p:nvPr>
         </p:nvSpPr>
         <p:spPr>
@@ -1345,7 +1391,7 @@
           </a:prstGeom>
         </p:spPr>
         <p:txBody>
-          <a:bodyPr anchorCtr="0" anchor="t" bIns="91425" lIns="91425" spcFirstLastPara="1" rIns="91425" wrap="square" tIns="91425">
+          <a:bodyPr spcFirstLastPara="1" wrap="square" lIns="91425" tIns="91425" rIns="91425" bIns="91425" anchor="t" anchorCtr="0">
             <a:normAutofit/>
           </a:bodyPr>
           <a:lstStyle>
@@ -1476,15 +1522,19 @@
               <a:defRPr sz="2800"/>
             </a:lvl9pPr>
           </a:lstStyle>
-          <a:p/>
+          <a:p>
+            <a:endParaRPr/>
+          </a:p>
         </p:txBody>
       </p:sp>
       <p:sp>
         <p:nvSpPr>
           <p:cNvPr id="12" name="Google Shape;12;p2"/>
-          <p:cNvSpPr txBox="1"/>
+          <p:cNvSpPr txBox="1">
+            <a:spLocks noGrp="1"/>
+          </p:cNvSpPr>
           <p:nvPr>
-            <p:ph idx="12" type="sldNum"/>
+            <p:ph type="sldNum" idx="12"/>
           </p:nvPr>
         </p:nvSpPr>
         <p:spPr>
@@ -1497,7 +1547,7 @@
           </a:prstGeom>
         </p:spPr>
         <p:txBody>
-          <a:bodyPr anchorCtr="0" anchor="ctr" bIns="91425" lIns="91425" spcFirstLastPara="1" rIns="91425" wrap="square" tIns="91425">
+          <a:bodyPr spcFirstLastPara="1" wrap="square" lIns="91425" tIns="91425" rIns="91425" bIns="91425" anchor="ctr" anchorCtr="0">
             <a:normAutofit/>
           </a:bodyPr>
           <a:lstStyle>
@@ -1539,7 +1589,7 @@
             </a:lvl9pPr>
           </a:lstStyle>
           <a:p>
-            <a:pPr indent="0" lvl="0" marL="0" rtl="0" algn="r">
+            <a:pPr marL="0" lvl="0" indent="0" algn="r" rtl="0">
               <a:spcBef>
                 <a:spcPts val="0"/>
               </a:spcBef>
@@ -1565,11 +1615,11 @@
 </file>
 
 <file path=ppt/slideLayouts/slideLayout10.xml><?xml version="1.0" encoding="utf-8"?>
-<p:sldLayout xmlns:a="http://schemas.openxmlformats.org/drawingml/2006/main" xmlns:r="http://schemas.openxmlformats.org/officeDocument/2006/relationships" xmlns:mc="http://schemas.openxmlformats.org/markup-compatibility/2006" xmlns:mv="urn:schemas-microsoft-com:mac:vml" xmlns:p="http://schemas.openxmlformats.org/presentationml/2006/main" xmlns:c="http://schemas.openxmlformats.org/drawingml/2006/chart" xmlns:dgm="http://schemas.openxmlformats.org/drawingml/2006/diagram" xmlns:o="urn:schemas-microsoft-com:office:office" xmlns:v="urn:schemas-microsoft-com:vml" xmlns:pvml="urn:schemas-microsoft-com:office:powerpoint" xmlns:com="http://schemas.openxmlformats.org/drawingml/2006/compatibility" xmlns:p14="http://schemas.microsoft.com/office/powerpoint/2010/main" xmlns:p15="http://schemas.microsoft.com/office/powerpoint/2012/main" xmlns:ahyp="http://schemas.microsoft.com/office/drawing/2018/hyperlinkcolor" matchingName="Big number">
+<p:sldLayout xmlns:a="http://schemas.openxmlformats.org/drawingml/2006/main" xmlns:r="http://schemas.openxmlformats.org/officeDocument/2006/relationships" xmlns:p="http://schemas.openxmlformats.org/presentationml/2006/main" matchingName="Big number">
   <p:cSld name="BIG_NUMBER">
     <p:spTree>
       <p:nvGrpSpPr>
-        <p:cNvPr id="44" name="Shape 44"/>
+        <p:cNvPr id="1" name="Shape 44"/>
         <p:cNvGrpSpPr/>
         <p:nvPr/>
       </p:nvGrpSpPr>
@@ -1584,9 +1634,11 @@
       <p:sp>
         <p:nvSpPr>
           <p:cNvPr id="45" name="Google Shape;45;p11"/>
-          <p:cNvSpPr txBox="1"/>
+          <p:cNvSpPr txBox="1">
+            <a:spLocks noGrp="1"/>
+          </p:cNvSpPr>
           <p:nvPr>
-            <p:ph hasCustomPrompt="1" type="title"/>
+            <p:ph type="title" hasCustomPrompt="1"/>
           </p:nvPr>
         </p:nvSpPr>
         <p:spPr>
@@ -1599,7 +1651,7 @@
           </a:prstGeom>
         </p:spPr>
         <p:txBody>
-          <a:bodyPr anchorCtr="0" anchor="b" bIns="91425" lIns="91425" spcFirstLastPara="1" rIns="91425" wrap="square" tIns="91425">
+          <a:bodyPr spcFirstLastPara="1" wrap="square" lIns="91425" tIns="91425" rIns="91425" bIns="91425" anchor="b" anchorCtr="0">
             <a:normAutofit/>
           </a:bodyPr>
           <a:lstStyle>
@@ -1713,9 +1765,11 @@
       <p:sp>
         <p:nvSpPr>
           <p:cNvPr id="46" name="Google Shape;46;p11"/>
-          <p:cNvSpPr txBox="1"/>
+          <p:cNvSpPr txBox="1">
+            <a:spLocks noGrp="1"/>
+          </p:cNvSpPr>
           <p:nvPr>
-            <p:ph idx="1" type="body"/>
+            <p:ph type="body" idx="1"/>
           </p:nvPr>
         </p:nvSpPr>
         <p:spPr>
@@ -1728,11 +1782,11 @@
           </a:prstGeom>
         </p:spPr>
         <p:txBody>
-          <a:bodyPr anchorCtr="0" anchor="t" bIns="91425" lIns="91425" spcFirstLastPara="1" rIns="91425" wrap="square" tIns="91425">
+          <a:bodyPr spcFirstLastPara="1" wrap="square" lIns="91425" tIns="91425" rIns="91425" bIns="91425" anchor="t" anchorCtr="0">
             <a:normAutofit/>
           </a:bodyPr>
           <a:lstStyle>
-            <a:lvl1pPr indent="-342900" lvl="0" marL="457200" algn="ctr">
+            <a:lvl1pPr marL="457200" lvl="0" indent="-342900" algn="ctr">
               <a:spcBef>
                 <a:spcPts val="0"/>
               </a:spcBef>
@@ -1743,7 +1797,7 @@
               <a:buChar char="●"/>
               <a:defRPr/>
             </a:lvl1pPr>
-            <a:lvl2pPr indent="-317500" lvl="1" marL="914400" algn="ctr">
+            <a:lvl2pPr marL="914400" lvl="1" indent="-317500" algn="ctr">
               <a:spcBef>
                 <a:spcPts val="0"/>
               </a:spcBef>
@@ -1754,7 +1808,7 @@
               <a:buChar char="○"/>
               <a:defRPr/>
             </a:lvl2pPr>
-            <a:lvl3pPr indent="-317500" lvl="2" marL="1371600" algn="ctr">
+            <a:lvl3pPr marL="1371600" lvl="2" indent="-317500" algn="ctr">
               <a:spcBef>
                 <a:spcPts val="0"/>
               </a:spcBef>
@@ -1765,7 +1819,7 @@
               <a:buChar char="■"/>
               <a:defRPr/>
             </a:lvl3pPr>
-            <a:lvl4pPr indent="-317500" lvl="3" marL="1828800" algn="ctr">
+            <a:lvl4pPr marL="1828800" lvl="3" indent="-317500" algn="ctr">
               <a:spcBef>
                 <a:spcPts val="0"/>
               </a:spcBef>
@@ -1776,7 +1830,7 @@
               <a:buChar char="●"/>
               <a:defRPr/>
             </a:lvl4pPr>
-            <a:lvl5pPr indent="-317500" lvl="4" marL="2286000" algn="ctr">
+            <a:lvl5pPr marL="2286000" lvl="4" indent="-317500" algn="ctr">
               <a:spcBef>
                 <a:spcPts val="0"/>
               </a:spcBef>
@@ -1787,7 +1841,7 @@
               <a:buChar char="○"/>
               <a:defRPr/>
             </a:lvl5pPr>
-            <a:lvl6pPr indent="-317500" lvl="5" marL="2743200" algn="ctr">
+            <a:lvl6pPr marL="2743200" lvl="5" indent="-317500" algn="ctr">
               <a:spcBef>
                 <a:spcPts val="0"/>
               </a:spcBef>
@@ -1798,7 +1852,7 @@
               <a:buChar char="■"/>
               <a:defRPr/>
             </a:lvl6pPr>
-            <a:lvl7pPr indent="-317500" lvl="6" marL="3200400" algn="ctr">
+            <a:lvl7pPr marL="3200400" lvl="6" indent="-317500" algn="ctr">
               <a:spcBef>
                 <a:spcPts val="0"/>
               </a:spcBef>
@@ -1809,7 +1863,7 @@
               <a:buChar char="●"/>
               <a:defRPr/>
             </a:lvl7pPr>
-            <a:lvl8pPr indent="-317500" lvl="7" marL="3657600" algn="ctr">
+            <a:lvl8pPr marL="3657600" lvl="7" indent="-317500" algn="ctr">
               <a:spcBef>
                 <a:spcPts val="0"/>
               </a:spcBef>
@@ -1820,7 +1874,7 @@
               <a:buChar char="○"/>
               <a:defRPr/>
             </a:lvl8pPr>
-            <a:lvl9pPr indent="-317500" lvl="8" marL="4114800" algn="ctr">
+            <a:lvl9pPr marL="4114800" lvl="8" indent="-317500" algn="ctr">
               <a:spcBef>
                 <a:spcPts val="0"/>
               </a:spcBef>
@@ -1832,15 +1886,19 @@
               <a:defRPr/>
             </a:lvl9pPr>
           </a:lstStyle>
-          <a:p/>
+          <a:p>
+            <a:endParaRPr/>
+          </a:p>
         </p:txBody>
       </p:sp>
       <p:sp>
         <p:nvSpPr>
           <p:cNvPr id="47" name="Google Shape;47;p11"/>
-          <p:cNvSpPr txBox="1"/>
+          <p:cNvSpPr txBox="1">
+            <a:spLocks noGrp="1"/>
+          </p:cNvSpPr>
           <p:nvPr>
-            <p:ph idx="12" type="sldNum"/>
+            <p:ph type="sldNum" idx="12"/>
           </p:nvPr>
         </p:nvSpPr>
         <p:spPr>
@@ -1853,7 +1911,7 @@
           </a:prstGeom>
         </p:spPr>
         <p:txBody>
-          <a:bodyPr anchorCtr="0" anchor="ctr" bIns="91425" lIns="91425" spcFirstLastPara="1" rIns="91425" wrap="square" tIns="91425">
+          <a:bodyPr spcFirstLastPara="1" wrap="square" lIns="91425" tIns="91425" rIns="91425" bIns="91425" anchor="ctr" anchorCtr="0">
             <a:normAutofit/>
           </a:bodyPr>
           <a:lstStyle>
@@ -1895,7 +1953,7 @@
             </a:lvl9pPr>
           </a:lstStyle>
           <a:p>
-            <a:pPr indent="0" lvl="0" marL="0" rtl="0" algn="r">
+            <a:pPr marL="0" lvl="0" indent="0" algn="r" rtl="0">
               <a:spcBef>
                 <a:spcPts val="0"/>
               </a:spcBef>
@@ -1921,11 +1979,11 @@
 </file>
 
 <file path=ppt/slideLayouts/slideLayout11.xml><?xml version="1.0" encoding="utf-8"?>
-<p:sldLayout xmlns:a="http://schemas.openxmlformats.org/drawingml/2006/main" xmlns:r="http://schemas.openxmlformats.org/officeDocument/2006/relationships" xmlns:mc="http://schemas.openxmlformats.org/markup-compatibility/2006" xmlns:mv="urn:schemas-microsoft-com:mac:vml" xmlns:p="http://schemas.openxmlformats.org/presentationml/2006/main" xmlns:c="http://schemas.openxmlformats.org/drawingml/2006/chart" xmlns:dgm="http://schemas.openxmlformats.org/drawingml/2006/diagram" xmlns:o="urn:schemas-microsoft-com:office:office" xmlns:v="urn:schemas-microsoft-com:vml" xmlns:pvml="urn:schemas-microsoft-com:office:powerpoint" xmlns:com="http://schemas.openxmlformats.org/drawingml/2006/compatibility" xmlns:p14="http://schemas.microsoft.com/office/powerpoint/2010/main" xmlns:p15="http://schemas.microsoft.com/office/powerpoint/2012/main" xmlns:ahyp="http://schemas.microsoft.com/office/drawing/2018/hyperlinkcolor" matchingName="Blank" type="blank">
+<p:sldLayout xmlns:a="http://schemas.openxmlformats.org/drawingml/2006/main" xmlns:r="http://schemas.openxmlformats.org/officeDocument/2006/relationships" xmlns:p="http://schemas.openxmlformats.org/presentationml/2006/main" matchingName="Blank" type="blank">
   <p:cSld name="BLANK">
     <p:spTree>
       <p:nvGrpSpPr>
-        <p:cNvPr id="48" name="Shape 48"/>
+        <p:cNvPr id="1" name="Shape 48"/>
         <p:cNvGrpSpPr/>
         <p:nvPr/>
       </p:nvGrpSpPr>
@@ -1940,9 +1998,11 @@
       <p:sp>
         <p:nvSpPr>
           <p:cNvPr id="49" name="Google Shape;49;p12"/>
-          <p:cNvSpPr txBox="1"/>
+          <p:cNvSpPr txBox="1">
+            <a:spLocks noGrp="1"/>
+          </p:cNvSpPr>
           <p:nvPr>
-            <p:ph idx="12" type="sldNum"/>
+            <p:ph type="sldNum" idx="12"/>
           </p:nvPr>
         </p:nvSpPr>
         <p:spPr>
@@ -1955,7 +2015,7 @@
           </a:prstGeom>
         </p:spPr>
         <p:txBody>
-          <a:bodyPr anchorCtr="0" anchor="ctr" bIns="91425" lIns="91425" spcFirstLastPara="1" rIns="91425" wrap="square" tIns="91425">
+          <a:bodyPr spcFirstLastPara="1" wrap="square" lIns="91425" tIns="91425" rIns="91425" bIns="91425" anchor="ctr" anchorCtr="0">
             <a:normAutofit/>
           </a:bodyPr>
           <a:lstStyle>
@@ -1997,7 +2057,7 @@
             </a:lvl9pPr>
           </a:lstStyle>
           <a:p>
-            <a:pPr indent="0" lvl="0" marL="0" rtl="0" algn="r">
+            <a:pPr marL="0" lvl="0" indent="0" algn="r" rtl="0">
               <a:spcBef>
                 <a:spcPts val="0"/>
               </a:spcBef>
@@ -2023,11 +2083,11 @@
 </file>
 
 <file path=ppt/slideLayouts/slideLayout2.xml><?xml version="1.0" encoding="utf-8"?>
-<p:sldLayout xmlns:a="http://schemas.openxmlformats.org/drawingml/2006/main" xmlns:r="http://schemas.openxmlformats.org/officeDocument/2006/relationships" xmlns:mc="http://schemas.openxmlformats.org/markup-compatibility/2006" xmlns:mv="urn:schemas-microsoft-com:mac:vml" xmlns:p="http://schemas.openxmlformats.org/presentationml/2006/main" xmlns:c="http://schemas.openxmlformats.org/drawingml/2006/chart" xmlns:dgm="http://schemas.openxmlformats.org/drawingml/2006/diagram" xmlns:o="urn:schemas-microsoft-com:office:office" xmlns:v="urn:schemas-microsoft-com:vml" xmlns:pvml="urn:schemas-microsoft-com:office:powerpoint" xmlns:com="http://schemas.openxmlformats.org/drawingml/2006/compatibility" xmlns:p14="http://schemas.microsoft.com/office/powerpoint/2010/main" xmlns:p15="http://schemas.microsoft.com/office/powerpoint/2012/main" xmlns:ahyp="http://schemas.microsoft.com/office/drawing/2018/hyperlinkcolor" matchingName="Section header" type="secHead">
+<p:sldLayout xmlns:a="http://schemas.openxmlformats.org/drawingml/2006/main" xmlns:r="http://schemas.openxmlformats.org/officeDocument/2006/relationships" xmlns:p="http://schemas.openxmlformats.org/presentationml/2006/main" matchingName="Section header" type="secHead">
   <p:cSld name="SECTION_HEADER">
     <p:spTree>
       <p:nvGrpSpPr>
-        <p:cNvPr id="13" name="Shape 13"/>
+        <p:cNvPr id="1" name="Shape 13"/>
         <p:cNvGrpSpPr/>
         <p:nvPr/>
       </p:nvGrpSpPr>
@@ -2042,7 +2102,9 @@
       <p:sp>
         <p:nvSpPr>
           <p:cNvPr id="14" name="Google Shape;14;p3"/>
-          <p:cNvSpPr txBox="1"/>
+          <p:cNvSpPr txBox="1">
+            <a:spLocks noGrp="1"/>
+          </p:cNvSpPr>
           <p:nvPr>
             <p:ph type="title"/>
           </p:nvPr>
@@ -2057,7 +2119,7 @@
           </a:prstGeom>
         </p:spPr>
         <p:txBody>
-          <a:bodyPr anchorCtr="0" anchor="ctr" bIns="91425" lIns="91425" spcFirstLastPara="1" rIns="91425" wrap="square" tIns="91425">
+          <a:bodyPr spcFirstLastPara="1" wrap="square" lIns="91425" tIns="91425" rIns="91425" bIns="91425" anchor="ctr" anchorCtr="0">
             <a:normAutofit/>
           </a:bodyPr>
           <a:lstStyle>
@@ -2161,15 +2223,19 @@
               <a:defRPr sz="3600"/>
             </a:lvl9pPr>
           </a:lstStyle>
-          <a:p/>
+          <a:p>
+            <a:endParaRPr/>
+          </a:p>
         </p:txBody>
       </p:sp>
       <p:sp>
         <p:nvSpPr>
           <p:cNvPr id="15" name="Google Shape;15;p3"/>
-          <p:cNvSpPr txBox="1"/>
+          <p:cNvSpPr txBox="1">
+            <a:spLocks noGrp="1"/>
+          </p:cNvSpPr>
           <p:nvPr>
-            <p:ph idx="12" type="sldNum"/>
+            <p:ph type="sldNum" idx="12"/>
           </p:nvPr>
         </p:nvSpPr>
         <p:spPr>
@@ -2182,7 +2248,7 @@
           </a:prstGeom>
         </p:spPr>
         <p:txBody>
-          <a:bodyPr anchorCtr="0" anchor="ctr" bIns="91425" lIns="91425" spcFirstLastPara="1" rIns="91425" wrap="square" tIns="91425">
+          <a:bodyPr spcFirstLastPara="1" wrap="square" lIns="91425" tIns="91425" rIns="91425" bIns="91425" anchor="ctr" anchorCtr="0">
             <a:normAutofit/>
           </a:bodyPr>
           <a:lstStyle>
@@ -2224,7 +2290,7 @@
             </a:lvl9pPr>
           </a:lstStyle>
           <a:p>
-            <a:pPr indent="0" lvl="0" marL="0" rtl="0" algn="r">
+            <a:pPr marL="0" lvl="0" indent="0" algn="r" rtl="0">
               <a:spcBef>
                 <a:spcPts val="0"/>
               </a:spcBef>
@@ -2250,11 +2316,11 @@
 </file>
 
 <file path=ppt/slideLayouts/slideLayout3.xml><?xml version="1.0" encoding="utf-8"?>
-<p:sldLayout xmlns:a="http://schemas.openxmlformats.org/drawingml/2006/main" xmlns:r="http://schemas.openxmlformats.org/officeDocument/2006/relationships" xmlns:mc="http://schemas.openxmlformats.org/markup-compatibility/2006" xmlns:mv="urn:schemas-microsoft-com:mac:vml" xmlns:p="http://schemas.openxmlformats.org/presentationml/2006/main" xmlns:c="http://schemas.openxmlformats.org/drawingml/2006/chart" xmlns:dgm="http://schemas.openxmlformats.org/drawingml/2006/diagram" xmlns:o="urn:schemas-microsoft-com:office:office" xmlns:v="urn:schemas-microsoft-com:vml" xmlns:pvml="urn:schemas-microsoft-com:office:powerpoint" xmlns:com="http://schemas.openxmlformats.org/drawingml/2006/compatibility" xmlns:p14="http://schemas.microsoft.com/office/powerpoint/2010/main" xmlns:p15="http://schemas.microsoft.com/office/powerpoint/2012/main" xmlns:ahyp="http://schemas.microsoft.com/office/drawing/2018/hyperlinkcolor" matchingName="Title and body" type="tx">
+<p:sldLayout xmlns:a="http://schemas.openxmlformats.org/drawingml/2006/main" xmlns:r="http://schemas.openxmlformats.org/officeDocument/2006/relationships" xmlns:p="http://schemas.openxmlformats.org/presentationml/2006/main" matchingName="Title and body" type="tx">
   <p:cSld name="TITLE_AND_BODY">
     <p:spTree>
       <p:nvGrpSpPr>
-        <p:cNvPr id="16" name="Shape 16"/>
+        <p:cNvPr id="1" name="Shape 16"/>
         <p:cNvGrpSpPr/>
         <p:nvPr/>
       </p:nvGrpSpPr>
@@ -2269,7 +2335,9 @@
       <p:sp>
         <p:nvSpPr>
           <p:cNvPr id="17" name="Google Shape;17;p4"/>
-          <p:cNvSpPr txBox="1"/>
+          <p:cNvSpPr txBox="1">
+            <a:spLocks noGrp="1"/>
+          </p:cNvSpPr>
           <p:nvPr>
             <p:ph type="title"/>
           </p:nvPr>
@@ -2284,7 +2352,7 @@
           </a:prstGeom>
         </p:spPr>
         <p:txBody>
-          <a:bodyPr anchorCtr="0" anchor="t" bIns="91425" lIns="91425" spcFirstLastPara="1" rIns="91425" wrap="square" tIns="91425">
+          <a:bodyPr spcFirstLastPara="1" wrap="square" lIns="91425" tIns="91425" rIns="91425" bIns="91425" anchor="t" anchorCtr="0">
             <a:normAutofit/>
           </a:bodyPr>
           <a:lstStyle>
@@ -2388,15 +2456,19 @@
               <a:defRPr/>
             </a:lvl9pPr>
           </a:lstStyle>
-          <a:p/>
+          <a:p>
+            <a:endParaRPr/>
+          </a:p>
         </p:txBody>
       </p:sp>
       <p:sp>
         <p:nvSpPr>
           <p:cNvPr id="18" name="Google Shape;18;p4"/>
-          <p:cNvSpPr txBox="1"/>
+          <p:cNvSpPr txBox="1">
+            <a:spLocks noGrp="1"/>
+          </p:cNvSpPr>
           <p:nvPr>
-            <p:ph idx="1" type="body"/>
+            <p:ph type="body" idx="1"/>
           </p:nvPr>
         </p:nvSpPr>
         <p:spPr>
@@ -2409,11 +2481,11 @@
           </a:prstGeom>
         </p:spPr>
         <p:txBody>
-          <a:bodyPr anchorCtr="0" anchor="t" bIns="91425" lIns="91425" spcFirstLastPara="1" rIns="91425" wrap="square" tIns="91425">
+          <a:bodyPr spcFirstLastPara="1" wrap="square" lIns="91425" tIns="91425" rIns="91425" bIns="91425" anchor="t" anchorCtr="0">
             <a:normAutofit/>
           </a:bodyPr>
           <a:lstStyle>
-            <a:lvl1pPr indent="-342900" lvl="0" marL="457200">
+            <a:lvl1pPr marL="457200" lvl="0" indent="-342900">
               <a:spcBef>
                 <a:spcPts val="0"/>
               </a:spcBef>
@@ -2424,7 +2496,7 @@
               <a:buChar char="●"/>
               <a:defRPr/>
             </a:lvl1pPr>
-            <a:lvl2pPr indent="-317500" lvl="1" marL="914400">
+            <a:lvl2pPr marL="914400" lvl="1" indent="-317500">
               <a:spcBef>
                 <a:spcPts val="0"/>
               </a:spcBef>
@@ -2435,7 +2507,7 @@
               <a:buChar char="○"/>
               <a:defRPr/>
             </a:lvl2pPr>
-            <a:lvl3pPr indent="-317500" lvl="2" marL="1371600">
+            <a:lvl3pPr marL="1371600" lvl="2" indent="-317500">
               <a:spcBef>
                 <a:spcPts val="0"/>
               </a:spcBef>
@@ -2446,7 +2518,7 @@
               <a:buChar char="■"/>
               <a:defRPr/>
             </a:lvl3pPr>
-            <a:lvl4pPr indent="-317500" lvl="3" marL="1828800">
+            <a:lvl4pPr marL="1828800" lvl="3" indent="-317500">
               <a:spcBef>
                 <a:spcPts val="0"/>
               </a:spcBef>
@@ -2457,7 +2529,7 @@
               <a:buChar char="●"/>
               <a:defRPr/>
             </a:lvl4pPr>
-            <a:lvl5pPr indent="-317500" lvl="4" marL="2286000">
+            <a:lvl5pPr marL="2286000" lvl="4" indent="-317500">
               <a:spcBef>
                 <a:spcPts val="0"/>
               </a:spcBef>
@@ -2468,7 +2540,7 @@
               <a:buChar char="○"/>
               <a:defRPr/>
             </a:lvl5pPr>
-            <a:lvl6pPr indent="-317500" lvl="5" marL="2743200">
+            <a:lvl6pPr marL="2743200" lvl="5" indent="-317500">
               <a:spcBef>
                 <a:spcPts val="0"/>
               </a:spcBef>
@@ -2479,7 +2551,7 @@
               <a:buChar char="■"/>
               <a:defRPr/>
             </a:lvl6pPr>
-            <a:lvl7pPr indent="-317500" lvl="6" marL="3200400">
+            <a:lvl7pPr marL="3200400" lvl="6" indent="-317500">
               <a:spcBef>
                 <a:spcPts val="0"/>
               </a:spcBef>
@@ -2490,7 +2562,7 @@
               <a:buChar char="●"/>
               <a:defRPr/>
             </a:lvl7pPr>
-            <a:lvl8pPr indent="-317500" lvl="7" marL="3657600">
+            <a:lvl8pPr marL="3657600" lvl="7" indent="-317500">
               <a:spcBef>
                 <a:spcPts val="0"/>
               </a:spcBef>
@@ -2501,7 +2573,7 @@
               <a:buChar char="○"/>
               <a:defRPr/>
             </a:lvl8pPr>
-            <a:lvl9pPr indent="-317500" lvl="8" marL="4114800">
+            <a:lvl9pPr marL="4114800" lvl="8" indent="-317500">
               <a:spcBef>
                 <a:spcPts val="0"/>
               </a:spcBef>
@@ -2513,15 +2585,19 @@
               <a:defRPr/>
             </a:lvl9pPr>
           </a:lstStyle>
-          <a:p/>
+          <a:p>
+            <a:endParaRPr/>
+          </a:p>
         </p:txBody>
       </p:sp>
       <p:sp>
         <p:nvSpPr>
           <p:cNvPr id="19" name="Google Shape;19;p4"/>
-          <p:cNvSpPr txBox="1"/>
+          <p:cNvSpPr txBox="1">
+            <a:spLocks noGrp="1"/>
+          </p:cNvSpPr>
           <p:nvPr>
-            <p:ph idx="12" type="sldNum"/>
+            <p:ph type="sldNum" idx="12"/>
           </p:nvPr>
         </p:nvSpPr>
         <p:spPr>
@@ -2534,7 +2610,7 @@
           </a:prstGeom>
         </p:spPr>
         <p:txBody>
-          <a:bodyPr anchorCtr="0" anchor="ctr" bIns="91425" lIns="91425" spcFirstLastPara="1" rIns="91425" wrap="square" tIns="91425">
+          <a:bodyPr spcFirstLastPara="1" wrap="square" lIns="91425" tIns="91425" rIns="91425" bIns="91425" anchor="ctr" anchorCtr="0">
             <a:normAutofit/>
           </a:bodyPr>
           <a:lstStyle>
@@ -2576,7 +2652,7 @@
             </a:lvl9pPr>
           </a:lstStyle>
           <a:p>
-            <a:pPr indent="0" lvl="0" marL="0" rtl="0" algn="r">
+            <a:pPr marL="0" lvl="0" indent="0" algn="r" rtl="0">
               <a:spcBef>
                 <a:spcPts val="0"/>
               </a:spcBef>
@@ -2602,11 +2678,11 @@
 </file>
 
 <file path=ppt/slideLayouts/slideLayout4.xml><?xml version="1.0" encoding="utf-8"?>
-<p:sldLayout xmlns:a="http://schemas.openxmlformats.org/drawingml/2006/main" xmlns:r="http://schemas.openxmlformats.org/officeDocument/2006/relationships" xmlns:mc="http://schemas.openxmlformats.org/markup-compatibility/2006" xmlns:mv="urn:schemas-microsoft-com:mac:vml" xmlns:p="http://schemas.openxmlformats.org/presentationml/2006/main" xmlns:c="http://schemas.openxmlformats.org/drawingml/2006/chart" xmlns:dgm="http://schemas.openxmlformats.org/drawingml/2006/diagram" xmlns:o="urn:schemas-microsoft-com:office:office" xmlns:v="urn:schemas-microsoft-com:vml" xmlns:pvml="urn:schemas-microsoft-com:office:powerpoint" xmlns:com="http://schemas.openxmlformats.org/drawingml/2006/compatibility" xmlns:p14="http://schemas.microsoft.com/office/powerpoint/2010/main" xmlns:p15="http://schemas.microsoft.com/office/powerpoint/2012/main" xmlns:ahyp="http://schemas.microsoft.com/office/drawing/2018/hyperlinkcolor" matchingName="Title and two columns" type="twoColTx">
+<p:sldLayout xmlns:a="http://schemas.openxmlformats.org/drawingml/2006/main" xmlns:r="http://schemas.openxmlformats.org/officeDocument/2006/relationships" xmlns:p="http://schemas.openxmlformats.org/presentationml/2006/main" matchingName="Title and two columns" type="twoColTx">
   <p:cSld name="TITLE_AND_TWO_COLUMNS">
     <p:spTree>
       <p:nvGrpSpPr>
-        <p:cNvPr id="20" name="Shape 20"/>
+        <p:cNvPr id="1" name="Shape 20"/>
         <p:cNvGrpSpPr/>
         <p:nvPr/>
       </p:nvGrpSpPr>
@@ -2621,7 +2697,9 @@
       <p:sp>
         <p:nvSpPr>
           <p:cNvPr id="21" name="Google Shape;21;p5"/>
-          <p:cNvSpPr txBox="1"/>
+          <p:cNvSpPr txBox="1">
+            <a:spLocks noGrp="1"/>
+          </p:cNvSpPr>
           <p:nvPr>
             <p:ph type="title"/>
           </p:nvPr>
@@ -2636,7 +2714,7 @@
           </a:prstGeom>
         </p:spPr>
         <p:txBody>
-          <a:bodyPr anchorCtr="0" anchor="t" bIns="91425" lIns="91425" spcFirstLastPara="1" rIns="91425" wrap="square" tIns="91425">
+          <a:bodyPr spcFirstLastPara="1" wrap="square" lIns="91425" tIns="91425" rIns="91425" bIns="91425" anchor="t" anchorCtr="0">
             <a:normAutofit/>
           </a:bodyPr>
           <a:lstStyle>
@@ -2740,15 +2818,19 @@
               <a:defRPr/>
             </a:lvl9pPr>
           </a:lstStyle>
-          <a:p/>
+          <a:p>
+            <a:endParaRPr/>
+          </a:p>
         </p:txBody>
       </p:sp>
       <p:sp>
         <p:nvSpPr>
           <p:cNvPr id="22" name="Google Shape;22;p5"/>
-          <p:cNvSpPr txBox="1"/>
+          <p:cNvSpPr txBox="1">
+            <a:spLocks noGrp="1"/>
+          </p:cNvSpPr>
           <p:nvPr>
-            <p:ph idx="1" type="body"/>
+            <p:ph type="body" idx="1"/>
           </p:nvPr>
         </p:nvSpPr>
         <p:spPr>
@@ -2761,11 +2843,11 @@
           </a:prstGeom>
         </p:spPr>
         <p:txBody>
-          <a:bodyPr anchorCtr="0" anchor="t" bIns="91425" lIns="91425" spcFirstLastPara="1" rIns="91425" wrap="square" tIns="91425">
+          <a:bodyPr spcFirstLastPara="1" wrap="square" lIns="91425" tIns="91425" rIns="91425" bIns="91425" anchor="t" anchorCtr="0">
             <a:normAutofit/>
           </a:bodyPr>
           <a:lstStyle>
-            <a:lvl1pPr indent="-317500" lvl="0" marL="457200">
+            <a:lvl1pPr marL="457200" lvl="0" indent="-317500">
               <a:spcBef>
                 <a:spcPts val="0"/>
               </a:spcBef>
@@ -2776,7 +2858,7 @@
               <a:buChar char="●"/>
               <a:defRPr sz="1400"/>
             </a:lvl1pPr>
-            <a:lvl2pPr indent="-304800" lvl="1" marL="914400">
+            <a:lvl2pPr marL="914400" lvl="1" indent="-304800">
               <a:spcBef>
                 <a:spcPts val="0"/>
               </a:spcBef>
@@ -2787,7 +2869,7 @@
               <a:buChar char="○"/>
               <a:defRPr sz="1200"/>
             </a:lvl2pPr>
-            <a:lvl3pPr indent="-304800" lvl="2" marL="1371600">
+            <a:lvl3pPr marL="1371600" lvl="2" indent="-304800">
               <a:spcBef>
                 <a:spcPts val="0"/>
               </a:spcBef>
@@ -2798,7 +2880,7 @@
               <a:buChar char="■"/>
               <a:defRPr sz="1200"/>
             </a:lvl3pPr>
-            <a:lvl4pPr indent="-304800" lvl="3" marL="1828800">
+            <a:lvl4pPr marL="1828800" lvl="3" indent="-304800">
               <a:spcBef>
                 <a:spcPts val="0"/>
               </a:spcBef>
@@ -2809,7 +2891,7 @@
               <a:buChar char="●"/>
               <a:defRPr sz="1200"/>
             </a:lvl4pPr>
-            <a:lvl5pPr indent="-304800" lvl="4" marL="2286000">
+            <a:lvl5pPr marL="2286000" lvl="4" indent="-304800">
               <a:spcBef>
                 <a:spcPts val="0"/>
               </a:spcBef>
@@ -2820,7 +2902,7 @@
               <a:buChar char="○"/>
               <a:defRPr sz="1200"/>
             </a:lvl5pPr>
-            <a:lvl6pPr indent="-304800" lvl="5" marL="2743200">
+            <a:lvl6pPr marL="2743200" lvl="5" indent="-304800">
               <a:spcBef>
                 <a:spcPts val="0"/>
               </a:spcBef>
@@ -2831,7 +2913,7 @@
               <a:buChar char="■"/>
               <a:defRPr sz="1200"/>
             </a:lvl6pPr>
-            <a:lvl7pPr indent="-304800" lvl="6" marL="3200400">
+            <a:lvl7pPr marL="3200400" lvl="6" indent="-304800">
               <a:spcBef>
                 <a:spcPts val="0"/>
               </a:spcBef>
@@ -2842,7 +2924,7 @@
               <a:buChar char="●"/>
               <a:defRPr sz="1200"/>
             </a:lvl7pPr>
-            <a:lvl8pPr indent="-304800" lvl="7" marL="3657600">
+            <a:lvl8pPr marL="3657600" lvl="7" indent="-304800">
               <a:spcBef>
                 <a:spcPts val="0"/>
               </a:spcBef>
@@ -2853,7 +2935,7 @@
               <a:buChar char="○"/>
               <a:defRPr sz="1200"/>
             </a:lvl8pPr>
-            <a:lvl9pPr indent="-304800" lvl="8" marL="4114800">
+            <a:lvl9pPr marL="4114800" lvl="8" indent="-304800">
               <a:spcBef>
                 <a:spcPts val="0"/>
               </a:spcBef>
@@ -2865,15 +2947,19 @@
               <a:defRPr sz="1200"/>
             </a:lvl9pPr>
           </a:lstStyle>
-          <a:p/>
+          <a:p>
+            <a:endParaRPr/>
+          </a:p>
         </p:txBody>
       </p:sp>
       <p:sp>
         <p:nvSpPr>
           <p:cNvPr id="23" name="Google Shape;23;p5"/>
-          <p:cNvSpPr txBox="1"/>
+          <p:cNvSpPr txBox="1">
+            <a:spLocks noGrp="1"/>
+          </p:cNvSpPr>
           <p:nvPr>
-            <p:ph idx="2" type="body"/>
+            <p:ph type="body" idx="2"/>
           </p:nvPr>
         </p:nvSpPr>
         <p:spPr>
@@ -2886,11 +2972,11 @@
           </a:prstGeom>
         </p:spPr>
         <p:txBody>
-          <a:bodyPr anchorCtr="0" anchor="t" bIns="91425" lIns="91425" spcFirstLastPara="1" rIns="91425" wrap="square" tIns="91425">
+          <a:bodyPr spcFirstLastPara="1" wrap="square" lIns="91425" tIns="91425" rIns="91425" bIns="91425" anchor="t" anchorCtr="0">
             <a:normAutofit/>
           </a:bodyPr>
           <a:lstStyle>
-            <a:lvl1pPr indent="-317500" lvl="0" marL="457200">
+            <a:lvl1pPr marL="457200" lvl="0" indent="-317500">
               <a:spcBef>
                 <a:spcPts val="0"/>
               </a:spcBef>
@@ -2901,7 +2987,7 @@
               <a:buChar char="●"/>
               <a:defRPr sz="1400"/>
             </a:lvl1pPr>
-            <a:lvl2pPr indent="-304800" lvl="1" marL="914400">
+            <a:lvl2pPr marL="914400" lvl="1" indent="-304800">
               <a:spcBef>
                 <a:spcPts val="0"/>
               </a:spcBef>
@@ -2912,7 +2998,7 @@
               <a:buChar char="○"/>
               <a:defRPr sz="1200"/>
             </a:lvl2pPr>
-            <a:lvl3pPr indent="-304800" lvl="2" marL="1371600">
+            <a:lvl3pPr marL="1371600" lvl="2" indent="-304800">
               <a:spcBef>
                 <a:spcPts val="0"/>
               </a:spcBef>
@@ -2923,7 +3009,7 @@
               <a:buChar char="■"/>
               <a:defRPr sz="1200"/>
             </a:lvl3pPr>
-            <a:lvl4pPr indent="-304800" lvl="3" marL="1828800">
+            <a:lvl4pPr marL="1828800" lvl="3" indent="-304800">
               <a:spcBef>
                 <a:spcPts val="0"/>
               </a:spcBef>
@@ -2934,7 +3020,7 @@
               <a:buChar char="●"/>
               <a:defRPr sz="1200"/>
             </a:lvl4pPr>
-            <a:lvl5pPr indent="-304800" lvl="4" marL="2286000">
+            <a:lvl5pPr marL="2286000" lvl="4" indent="-304800">
               <a:spcBef>
                 <a:spcPts val="0"/>
               </a:spcBef>
@@ -2945,7 +3031,7 @@
               <a:buChar char="○"/>
               <a:defRPr sz="1200"/>
             </a:lvl5pPr>
-            <a:lvl6pPr indent="-304800" lvl="5" marL="2743200">
+            <a:lvl6pPr marL="2743200" lvl="5" indent="-304800">
               <a:spcBef>
                 <a:spcPts val="0"/>
               </a:spcBef>
@@ -2956,7 +3042,7 @@
               <a:buChar char="■"/>
               <a:defRPr sz="1200"/>
             </a:lvl6pPr>
-            <a:lvl7pPr indent="-304800" lvl="6" marL="3200400">
+            <a:lvl7pPr marL="3200400" lvl="6" indent="-304800">
               <a:spcBef>
                 <a:spcPts val="0"/>
               </a:spcBef>
@@ -2967,7 +3053,7 @@
               <a:buChar char="●"/>
               <a:defRPr sz="1200"/>
             </a:lvl7pPr>
-            <a:lvl8pPr indent="-304800" lvl="7" marL="3657600">
+            <a:lvl8pPr marL="3657600" lvl="7" indent="-304800">
               <a:spcBef>
                 <a:spcPts val="0"/>
               </a:spcBef>
@@ -2978,7 +3064,7 @@
               <a:buChar char="○"/>
               <a:defRPr sz="1200"/>
             </a:lvl8pPr>
-            <a:lvl9pPr indent="-304800" lvl="8" marL="4114800">
+            <a:lvl9pPr marL="4114800" lvl="8" indent="-304800">
               <a:spcBef>
                 <a:spcPts val="0"/>
               </a:spcBef>
@@ -2990,15 +3076,19 @@
               <a:defRPr sz="1200"/>
             </a:lvl9pPr>
           </a:lstStyle>
-          <a:p/>
+          <a:p>
+            <a:endParaRPr/>
+          </a:p>
         </p:txBody>
       </p:sp>
       <p:sp>
         <p:nvSpPr>
           <p:cNvPr id="24" name="Google Shape;24;p5"/>
-          <p:cNvSpPr txBox="1"/>
+          <p:cNvSpPr txBox="1">
+            <a:spLocks noGrp="1"/>
+          </p:cNvSpPr>
           <p:nvPr>
-            <p:ph idx="12" type="sldNum"/>
+            <p:ph type="sldNum" idx="12"/>
           </p:nvPr>
         </p:nvSpPr>
         <p:spPr>
@@ -3011,7 +3101,7 @@
           </a:prstGeom>
         </p:spPr>
         <p:txBody>
-          <a:bodyPr anchorCtr="0" anchor="ctr" bIns="91425" lIns="91425" spcFirstLastPara="1" rIns="91425" wrap="square" tIns="91425">
+          <a:bodyPr spcFirstLastPara="1" wrap="square" lIns="91425" tIns="91425" rIns="91425" bIns="91425" anchor="ctr" anchorCtr="0">
             <a:normAutofit/>
           </a:bodyPr>
           <a:lstStyle>
@@ -3053,7 +3143,7 @@
             </a:lvl9pPr>
           </a:lstStyle>
           <a:p>
-            <a:pPr indent="0" lvl="0" marL="0" rtl="0" algn="r">
+            <a:pPr marL="0" lvl="0" indent="0" algn="r" rtl="0">
               <a:spcBef>
                 <a:spcPts val="0"/>
               </a:spcBef>
@@ -3079,11 +3169,11 @@
 </file>
 
 <file path=ppt/slideLayouts/slideLayout5.xml><?xml version="1.0" encoding="utf-8"?>
-<p:sldLayout xmlns:a="http://schemas.openxmlformats.org/drawingml/2006/main" xmlns:r="http://schemas.openxmlformats.org/officeDocument/2006/relationships" xmlns:mc="http://schemas.openxmlformats.org/markup-compatibility/2006" xmlns:mv="urn:schemas-microsoft-com:mac:vml" xmlns:p="http://schemas.openxmlformats.org/presentationml/2006/main" xmlns:c="http://schemas.openxmlformats.org/drawingml/2006/chart" xmlns:dgm="http://schemas.openxmlformats.org/drawingml/2006/diagram" xmlns:o="urn:schemas-microsoft-com:office:office" xmlns:v="urn:schemas-microsoft-com:vml" xmlns:pvml="urn:schemas-microsoft-com:office:powerpoint" xmlns:com="http://schemas.openxmlformats.org/drawingml/2006/compatibility" xmlns:p14="http://schemas.microsoft.com/office/powerpoint/2010/main" xmlns:p15="http://schemas.microsoft.com/office/powerpoint/2012/main" xmlns:ahyp="http://schemas.microsoft.com/office/drawing/2018/hyperlinkcolor" matchingName="Title only" type="titleOnly">
+<p:sldLayout xmlns:a="http://schemas.openxmlformats.org/drawingml/2006/main" xmlns:r="http://schemas.openxmlformats.org/officeDocument/2006/relationships" xmlns:p="http://schemas.openxmlformats.org/presentationml/2006/main" matchingName="Title only" type="titleOnly">
   <p:cSld name="TITLE_ONLY">
     <p:spTree>
       <p:nvGrpSpPr>
-        <p:cNvPr id="25" name="Shape 25"/>
+        <p:cNvPr id="1" name="Shape 25"/>
         <p:cNvGrpSpPr/>
         <p:nvPr/>
       </p:nvGrpSpPr>
@@ -3098,7 +3188,9 @@
       <p:sp>
         <p:nvSpPr>
           <p:cNvPr id="26" name="Google Shape;26;p6"/>
-          <p:cNvSpPr txBox="1"/>
+          <p:cNvSpPr txBox="1">
+            <a:spLocks noGrp="1"/>
+          </p:cNvSpPr>
           <p:nvPr>
             <p:ph type="title"/>
           </p:nvPr>
@@ -3113,7 +3205,7 @@
           </a:prstGeom>
         </p:spPr>
         <p:txBody>
-          <a:bodyPr anchorCtr="0" anchor="t" bIns="91425" lIns="91425" spcFirstLastPara="1" rIns="91425" wrap="square" tIns="91425">
+          <a:bodyPr spcFirstLastPara="1" wrap="square" lIns="91425" tIns="91425" rIns="91425" bIns="91425" anchor="t" anchorCtr="0">
             <a:normAutofit/>
           </a:bodyPr>
           <a:lstStyle>
@@ -3217,15 +3309,19 @@
               <a:defRPr/>
             </a:lvl9pPr>
           </a:lstStyle>
-          <a:p/>
+          <a:p>
+            <a:endParaRPr/>
+          </a:p>
         </p:txBody>
       </p:sp>
       <p:sp>
         <p:nvSpPr>
           <p:cNvPr id="27" name="Google Shape;27;p6"/>
-          <p:cNvSpPr txBox="1"/>
+          <p:cNvSpPr txBox="1">
+            <a:spLocks noGrp="1"/>
+          </p:cNvSpPr>
           <p:nvPr>
-            <p:ph idx="12" type="sldNum"/>
+            <p:ph type="sldNum" idx="12"/>
           </p:nvPr>
         </p:nvSpPr>
         <p:spPr>
@@ -3238,7 +3334,7 @@
           </a:prstGeom>
         </p:spPr>
         <p:txBody>
-          <a:bodyPr anchorCtr="0" anchor="ctr" bIns="91425" lIns="91425" spcFirstLastPara="1" rIns="91425" wrap="square" tIns="91425">
+          <a:bodyPr spcFirstLastPara="1" wrap="square" lIns="91425" tIns="91425" rIns="91425" bIns="91425" anchor="ctr" anchorCtr="0">
             <a:normAutofit/>
           </a:bodyPr>
           <a:lstStyle>
@@ -3280,7 +3376,7 @@
             </a:lvl9pPr>
           </a:lstStyle>
           <a:p>
-            <a:pPr indent="0" lvl="0" marL="0" rtl="0" algn="r">
+            <a:pPr marL="0" lvl="0" indent="0" algn="r" rtl="0">
               <a:spcBef>
                 <a:spcPts val="0"/>
               </a:spcBef>
@@ -3306,11 +3402,11 @@
 </file>
 
 <file path=ppt/slideLayouts/slideLayout6.xml><?xml version="1.0" encoding="utf-8"?>
-<p:sldLayout xmlns:a="http://schemas.openxmlformats.org/drawingml/2006/main" xmlns:r="http://schemas.openxmlformats.org/officeDocument/2006/relationships" xmlns:mc="http://schemas.openxmlformats.org/markup-compatibility/2006" xmlns:mv="urn:schemas-microsoft-com:mac:vml" xmlns:p="http://schemas.openxmlformats.org/presentationml/2006/main" xmlns:c="http://schemas.openxmlformats.org/drawingml/2006/chart" xmlns:dgm="http://schemas.openxmlformats.org/drawingml/2006/diagram" xmlns:o="urn:schemas-microsoft-com:office:office" xmlns:v="urn:schemas-microsoft-com:vml" xmlns:pvml="urn:schemas-microsoft-com:office:powerpoint" xmlns:com="http://schemas.openxmlformats.org/drawingml/2006/compatibility" xmlns:p14="http://schemas.microsoft.com/office/powerpoint/2010/main" xmlns:p15="http://schemas.microsoft.com/office/powerpoint/2012/main" xmlns:ahyp="http://schemas.microsoft.com/office/drawing/2018/hyperlinkcolor" matchingName="One column text">
+<p:sldLayout xmlns:a="http://schemas.openxmlformats.org/drawingml/2006/main" xmlns:r="http://schemas.openxmlformats.org/officeDocument/2006/relationships" xmlns:p="http://schemas.openxmlformats.org/presentationml/2006/main" matchingName="One column text">
   <p:cSld name="ONE_COLUMN_TEXT">
     <p:spTree>
       <p:nvGrpSpPr>
-        <p:cNvPr id="28" name="Shape 28"/>
+        <p:cNvPr id="1" name="Shape 28"/>
         <p:cNvGrpSpPr/>
         <p:nvPr/>
       </p:nvGrpSpPr>
@@ -3325,7 +3421,9 @@
       <p:sp>
         <p:nvSpPr>
           <p:cNvPr id="29" name="Google Shape;29;p7"/>
-          <p:cNvSpPr txBox="1"/>
+          <p:cNvSpPr txBox="1">
+            <a:spLocks noGrp="1"/>
+          </p:cNvSpPr>
           <p:nvPr>
             <p:ph type="title"/>
           </p:nvPr>
@@ -3340,7 +3438,7 @@
           </a:prstGeom>
         </p:spPr>
         <p:txBody>
-          <a:bodyPr anchorCtr="0" anchor="b" bIns="91425" lIns="91425" spcFirstLastPara="1" rIns="91425" wrap="square" tIns="91425">
+          <a:bodyPr spcFirstLastPara="1" wrap="square" lIns="91425" tIns="91425" rIns="91425" bIns="91425" anchor="b" anchorCtr="0">
             <a:normAutofit/>
           </a:bodyPr>
           <a:lstStyle>
@@ -3444,15 +3542,19 @@
               <a:defRPr sz="2400"/>
             </a:lvl9pPr>
           </a:lstStyle>
-          <a:p/>
+          <a:p>
+            <a:endParaRPr/>
+          </a:p>
         </p:txBody>
       </p:sp>
       <p:sp>
         <p:nvSpPr>
           <p:cNvPr id="30" name="Google Shape;30;p7"/>
-          <p:cNvSpPr txBox="1"/>
+          <p:cNvSpPr txBox="1">
+            <a:spLocks noGrp="1"/>
+          </p:cNvSpPr>
           <p:nvPr>
-            <p:ph idx="1" type="body"/>
+            <p:ph type="body" idx="1"/>
           </p:nvPr>
         </p:nvSpPr>
         <p:spPr>
@@ -3465,11 +3567,11 @@
           </a:prstGeom>
         </p:spPr>
         <p:txBody>
-          <a:bodyPr anchorCtr="0" anchor="t" bIns="91425" lIns="91425" spcFirstLastPara="1" rIns="91425" wrap="square" tIns="91425">
+          <a:bodyPr spcFirstLastPara="1" wrap="square" lIns="91425" tIns="91425" rIns="91425" bIns="91425" anchor="t" anchorCtr="0">
             <a:normAutofit/>
           </a:bodyPr>
           <a:lstStyle>
-            <a:lvl1pPr indent="-304800" lvl="0" marL="457200">
+            <a:lvl1pPr marL="457200" lvl="0" indent="-304800">
               <a:spcBef>
                 <a:spcPts val="0"/>
               </a:spcBef>
@@ -3480,7 +3582,7 @@
               <a:buChar char="●"/>
               <a:defRPr sz="1200"/>
             </a:lvl1pPr>
-            <a:lvl2pPr indent="-304800" lvl="1" marL="914400">
+            <a:lvl2pPr marL="914400" lvl="1" indent="-304800">
               <a:spcBef>
                 <a:spcPts val="0"/>
               </a:spcBef>
@@ -3491,7 +3593,7 @@
               <a:buChar char="○"/>
               <a:defRPr sz="1200"/>
             </a:lvl2pPr>
-            <a:lvl3pPr indent="-304800" lvl="2" marL="1371600">
+            <a:lvl3pPr marL="1371600" lvl="2" indent="-304800">
               <a:spcBef>
                 <a:spcPts val="0"/>
               </a:spcBef>
@@ -3502,7 +3604,7 @@
               <a:buChar char="■"/>
               <a:defRPr sz="1200"/>
             </a:lvl3pPr>
-            <a:lvl4pPr indent="-304800" lvl="3" marL="1828800">
+            <a:lvl4pPr marL="1828800" lvl="3" indent="-304800">
               <a:spcBef>
                 <a:spcPts val="0"/>
               </a:spcBef>
@@ -3513,7 +3615,7 @@
               <a:buChar char="●"/>
               <a:defRPr sz="1200"/>
             </a:lvl4pPr>
-            <a:lvl5pPr indent="-304800" lvl="4" marL="2286000">
+            <a:lvl5pPr marL="2286000" lvl="4" indent="-304800">
               <a:spcBef>
                 <a:spcPts val="0"/>
               </a:spcBef>
@@ -3524,7 +3626,7 @@
               <a:buChar char="○"/>
               <a:defRPr sz="1200"/>
             </a:lvl5pPr>
-            <a:lvl6pPr indent="-304800" lvl="5" marL="2743200">
+            <a:lvl6pPr marL="2743200" lvl="5" indent="-304800">
               <a:spcBef>
                 <a:spcPts val="0"/>
               </a:spcBef>
@@ -3535,7 +3637,7 @@
               <a:buChar char="■"/>
               <a:defRPr sz="1200"/>
             </a:lvl6pPr>
-            <a:lvl7pPr indent="-304800" lvl="6" marL="3200400">
+            <a:lvl7pPr marL="3200400" lvl="6" indent="-304800">
               <a:spcBef>
                 <a:spcPts val="0"/>
               </a:spcBef>
@@ -3546,7 +3648,7 @@
               <a:buChar char="●"/>
               <a:defRPr sz="1200"/>
             </a:lvl7pPr>
-            <a:lvl8pPr indent="-304800" lvl="7" marL="3657600">
+            <a:lvl8pPr marL="3657600" lvl="7" indent="-304800">
               <a:spcBef>
                 <a:spcPts val="0"/>
               </a:spcBef>
@@ -3557,7 +3659,7 @@
               <a:buChar char="○"/>
               <a:defRPr sz="1200"/>
             </a:lvl8pPr>
-            <a:lvl9pPr indent="-304800" lvl="8" marL="4114800">
+            <a:lvl9pPr marL="4114800" lvl="8" indent="-304800">
               <a:spcBef>
                 <a:spcPts val="0"/>
               </a:spcBef>
@@ -3569,15 +3671,19 @@
               <a:defRPr sz="1200"/>
             </a:lvl9pPr>
           </a:lstStyle>
-          <a:p/>
+          <a:p>
+            <a:endParaRPr/>
+          </a:p>
         </p:txBody>
       </p:sp>
       <p:sp>
         <p:nvSpPr>
           <p:cNvPr id="31" name="Google Shape;31;p7"/>
-          <p:cNvSpPr txBox="1"/>
+          <p:cNvSpPr txBox="1">
+            <a:spLocks noGrp="1"/>
+          </p:cNvSpPr>
           <p:nvPr>
-            <p:ph idx="12" type="sldNum"/>
+            <p:ph type="sldNum" idx="12"/>
           </p:nvPr>
         </p:nvSpPr>
         <p:spPr>
@@ -3590,7 +3696,7 @@
           </a:prstGeom>
         </p:spPr>
         <p:txBody>
-          <a:bodyPr anchorCtr="0" anchor="ctr" bIns="91425" lIns="91425" spcFirstLastPara="1" rIns="91425" wrap="square" tIns="91425">
+          <a:bodyPr spcFirstLastPara="1" wrap="square" lIns="91425" tIns="91425" rIns="91425" bIns="91425" anchor="ctr" anchorCtr="0">
             <a:normAutofit/>
           </a:bodyPr>
           <a:lstStyle>
@@ -3632,7 +3738,7 @@
             </a:lvl9pPr>
           </a:lstStyle>
           <a:p>
-            <a:pPr indent="0" lvl="0" marL="0" rtl="0" algn="r">
+            <a:pPr marL="0" lvl="0" indent="0" algn="r" rtl="0">
               <a:spcBef>
                 <a:spcPts val="0"/>
               </a:spcBef>
@@ -3658,11 +3764,11 @@
 </file>
 
 <file path=ppt/slideLayouts/slideLayout7.xml><?xml version="1.0" encoding="utf-8"?>
-<p:sldLayout xmlns:a="http://schemas.openxmlformats.org/drawingml/2006/main" xmlns:r="http://schemas.openxmlformats.org/officeDocument/2006/relationships" xmlns:mc="http://schemas.openxmlformats.org/markup-compatibility/2006" xmlns:mv="urn:schemas-microsoft-com:mac:vml" xmlns:p="http://schemas.openxmlformats.org/presentationml/2006/main" xmlns:c="http://schemas.openxmlformats.org/drawingml/2006/chart" xmlns:dgm="http://schemas.openxmlformats.org/drawingml/2006/diagram" xmlns:o="urn:schemas-microsoft-com:office:office" xmlns:v="urn:schemas-microsoft-com:vml" xmlns:pvml="urn:schemas-microsoft-com:office:powerpoint" xmlns:com="http://schemas.openxmlformats.org/drawingml/2006/compatibility" xmlns:p14="http://schemas.microsoft.com/office/powerpoint/2010/main" xmlns:p15="http://schemas.microsoft.com/office/powerpoint/2012/main" xmlns:ahyp="http://schemas.microsoft.com/office/drawing/2018/hyperlinkcolor" matchingName="Main point">
+<p:sldLayout xmlns:a="http://schemas.openxmlformats.org/drawingml/2006/main" xmlns:r="http://schemas.openxmlformats.org/officeDocument/2006/relationships" xmlns:p="http://schemas.openxmlformats.org/presentationml/2006/main" matchingName="Main point">
   <p:cSld name="MAIN_POINT">
     <p:spTree>
       <p:nvGrpSpPr>
-        <p:cNvPr id="32" name="Shape 32"/>
+        <p:cNvPr id="1" name="Shape 32"/>
         <p:cNvGrpSpPr/>
         <p:nvPr/>
       </p:nvGrpSpPr>
@@ -3677,7 +3783,9 @@
       <p:sp>
         <p:nvSpPr>
           <p:cNvPr id="33" name="Google Shape;33;p8"/>
-          <p:cNvSpPr txBox="1"/>
+          <p:cNvSpPr txBox="1">
+            <a:spLocks noGrp="1"/>
+          </p:cNvSpPr>
           <p:nvPr>
             <p:ph type="title"/>
           </p:nvPr>
@@ -3692,7 +3800,7 @@
           </a:prstGeom>
         </p:spPr>
         <p:txBody>
-          <a:bodyPr anchorCtr="0" anchor="ctr" bIns="91425" lIns="91425" spcFirstLastPara="1" rIns="91425" wrap="square" tIns="91425">
+          <a:bodyPr spcFirstLastPara="1" wrap="square" lIns="91425" tIns="91425" rIns="91425" bIns="91425" anchor="ctr" anchorCtr="0">
             <a:normAutofit/>
           </a:bodyPr>
           <a:lstStyle>
@@ -3796,15 +3904,19 @@
               <a:defRPr sz="4800"/>
             </a:lvl9pPr>
           </a:lstStyle>
-          <a:p/>
+          <a:p>
+            <a:endParaRPr/>
+          </a:p>
         </p:txBody>
       </p:sp>
       <p:sp>
         <p:nvSpPr>
           <p:cNvPr id="34" name="Google Shape;34;p8"/>
-          <p:cNvSpPr txBox="1"/>
+          <p:cNvSpPr txBox="1">
+            <a:spLocks noGrp="1"/>
+          </p:cNvSpPr>
           <p:nvPr>
-            <p:ph idx="12" type="sldNum"/>
+            <p:ph type="sldNum" idx="12"/>
           </p:nvPr>
         </p:nvSpPr>
         <p:spPr>
@@ -3817,7 +3929,7 @@
           </a:prstGeom>
         </p:spPr>
         <p:txBody>
-          <a:bodyPr anchorCtr="0" anchor="ctr" bIns="91425" lIns="91425" spcFirstLastPara="1" rIns="91425" wrap="square" tIns="91425">
+          <a:bodyPr spcFirstLastPara="1" wrap="square" lIns="91425" tIns="91425" rIns="91425" bIns="91425" anchor="ctr" anchorCtr="0">
             <a:normAutofit/>
           </a:bodyPr>
           <a:lstStyle>
@@ -3859,7 +3971,7 @@
             </a:lvl9pPr>
           </a:lstStyle>
           <a:p>
-            <a:pPr indent="0" lvl="0" marL="0" rtl="0" algn="r">
+            <a:pPr marL="0" lvl="0" indent="0" algn="r" rtl="0">
               <a:spcBef>
                 <a:spcPts val="0"/>
               </a:spcBef>
@@ -3885,11 +3997,11 @@
 </file>
 
 <file path=ppt/slideLayouts/slideLayout8.xml><?xml version="1.0" encoding="utf-8"?>
-<p:sldLayout xmlns:a="http://schemas.openxmlformats.org/drawingml/2006/main" xmlns:r="http://schemas.openxmlformats.org/officeDocument/2006/relationships" xmlns:mc="http://schemas.openxmlformats.org/markup-compatibility/2006" xmlns:mv="urn:schemas-microsoft-com:mac:vml" xmlns:p="http://schemas.openxmlformats.org/presentationml/2006/main" xmlns:c="http://schemas.openxmlformats.org/drawingml/2006/chart" xmlns:dgm="http://schemas.openxmlformats.org/drawingml/2006/diagram" xmlns:o="urn:schemas-microsoft-com:office:office" xmlns:v="urn:schemas-microsoft-com:vml" xmlns:pvml="urn:schemas-microsoft-com:office:powerpoint" xmlns:com="http://schemas.openxmlformats.org/drawingml/2006/compatibility" xmlns:p14="http://schemas.microsoft.com/office/powerpoint/2010/main" xmlns:p15="http://schemas.microsoft.com/office/powerpoint/2012/main" xmlns:ahyp="http://schemas.microsoft.com/office/drawing/2018/hyperlinkcolor" matchingName="Section title and description">
+<p:sldLayout xmlns:a="http://schemas.openxmlformats.org/drawingml/2006/main" xmlns:r="http://schemas.openxmlformats.org/officeDocument/2006/relationships" xmlns:p="http://schemas.openxmlformats.org/presentationml/2006/main" matchingName="Section title and description">
   <p:cSld name="SECTION_TITLE_AND_DESCRIPTION">
     <p:spTree>
       <p:nvGrpSpPr>
-        <p:cNvPr id="35" name="Shape 35"/>
+        <p:cNvPr id="1" name="Shape 35"/>
         <p:cNvGrpSpPr/>
         <p:nvPr/>
       </p:nvGrpSpPr>
@@ -3923,12 +4035,12 @@
           </a:ln>
         </p:spPr>
         <p:txBody>
-          <a:bodyPr anchorCtr="0" anchor="ctr" bIns="91425" lIns="91425" spcFirstLastPara="1" rIns="91425" wrap="square" tIns="91425">
+          <a:bodyPr spcFirstLastPara="1" wrap="square" lIns="91425" tIns="91425" rIns="91425" bIns="91425" anchor="ctr" anchorCtr="0">
             <a:noAutofit/>
           </a:bodyPr>
           <a:lstStyle/>
           <a:p>
-            <a:pPr indent="0" lvl="0" marL="0" rtl="0" algn="l">
+            <a:pPr marL="0" lvl="0" indent="0" algn="l" rtl="0">
               <a:spcBef>
                 <a:spcPts val="0"/>
               </a:spcBef>
@@ -3937,9 +4049,6 @@
               </a:spcAft>
               <a:buNone/>
             </a:pPr>
-            <a:r>
-              <a:t/>
-            </a:r>
             <a:endParaRPr/>
           </a:p>
         </p:txBody>
@@ -3947,7 +4056,9 @@
       <p:sp>
         <p:nvSpPr>
           <p:cNvPr id="37" name="Google Shape;37;p9"/>
-          <p:cNvSpPr txBox="1"/>
+          <p:cNvSpPr txBox="1">
+            <a:spLocks noGrp="1"/>
+          </p:cNvSpPr>
           <p:nvPr>
             <p:ph type="title"/>
           </p:nvPr>
@@ -3962,7 +4073,7 @@
           </a:prstGeom>
         </p:spPr>
         <p:txBody>
-          <a:bodyPr anchorCtr="0" anchor="b" bIns="91425" lIns="91425" spcFirstLastPara="1" rIns="91425" wrap="square" tIns="91425">
+          <a:bodyPr spcFirstLastPara="1" wrap="square" lIns="91425" tIns="91425" rIns="91425" bIns="91425" anchor="b" anchorCtr="0">
             <a:normAutofit/>
           </a:bodyPr>
           <a:lstStyle>
@@ -4066,15 +4177,19 @@
               <a:defRPr sz="4200"/>
             </a:lvl9pPr>
           </a:lstStyle>
-          <a:p/>
+          <a:p>
+            <a:endParaRPr/>
+          </a:p>
         </p:txBody>
       </p:sp>
       <p:sp>
         <p:nvSpPr>
           <p:cNvPr id="38" name="Google Shape;38;p9"/>
-          <p:cNvSpPr txBox="1"/>
+          <p:cNvSpPr txBox="1">
+            <a:spLocks noGrp="1"/>
+          </p:cNvSpPr>
           <p:nvPr>
-            <p:ph idx="1" type="subTitle"/>
+            <p:ph type="subTitle" idx="1"/>
           </p:nvPr>
         </p:nvSpPr>
         <p:spPr>
@@ -4087,7 +4202,7 @@
           </a:prstGeom>
         </p:spPr>
         <p:txBody>
-          <a:bodyPr anchorCtr="0" anchor="t" bIns="91425" lIns="91425" spcFirstLastPara="1" rIns="91425" wrap="square" tIns="91425">
+          <a:bodyPr spcFirstLastPara="1" wrap="square" lIns="91425" tIns="91425" rIns="91425" bIns="91425" anchor="t" anchorCtr="0">
             <a:normAutofit/>
           </a:bodyPr>
           <a:lstStyle>
@@ -4218,15 +4333,19 @@
               <a:defRPr sz="2100"/>
             </a:lvl9pPr>
           </a:lstStyle>
-          <a:p/>
+          <a:p>
+            <a:endParaRPr/>
+          </a:p>
         </p:txBody>
       </p:sp>
       <p:sp>
         <p:nvSpPr>
           <p:cNvPr id="39" name="Google Shape;39;p9"/>
-          <p:cNvSpPr txBox="1"/>
+          <p:cNvSpPr txBox="1">
+            <a:spLocks noGrp="1"/>
+          </p:cNvSpPr>
           <p:nvPr>
-            <p:ph idx="2" type="body"/>
+            <p:ph type="body" idx="2"/>
           </p:nvPr>
         </p:nvSpPr>
         <p:spPr>
@@ -4239,11 +4358,11 @@
           </a:prstGeom>
         </p:spPr>
         <p:txBody>
-          <a:bodyPr anchorCtr="0" anchor="ctr" bIns="91425" lIns="91425" spcFirstLastPara="1" rIns="91425" wrap="square" tIns="91425">
+          <a:bodyPr spcFirstLastPara="1" wrap="square" lIns="91425" tIns="91425" rIns="91425" bIns="91425" anchor="ctr" anchorCtr="0">
             <a:normAutofit/>
           </a:bodyPr>
           <a:lstStyle>
-            <a:lvl1pPr indent="-342900" lvl="0" marL="457200">
+            <a:lvl1pPr marL="457200" lvl="0" indent="-342900">
               <a:spcBef>
                 <a:spcPts val="0"/>
               </a:spcBef>
@@ -4254,7 +4373,7 @@
               <a:buChar char="●"/>
               <a:defRPr/>
             </a:lvl1pPr>
-            <a:lvl2pPr indent="-317500" lvl="1" marL="914400">
+            <a:lvl2pPr marL="914400" lvl="1" indent="-317500">
               <a:spcBef>
                 <a:spcPts val="0"/>
               </a:spcBef>
@@ -4265,7 +4384,7 @@
               <a:buChar char="○"/>
               <a:defRPr/>
             </a:lvl2pPr>
-            <a:lvl3pPr indent="-317500" lvl="2" marL="1371600">
+            <a:lvl3pPr marL="1371600" lvl="2" indent="-317500">
               <a:spcBef>
                 <a:spcPts val="0"/>
               </a:spcBef>
@@ -4276,7 +4395,7 @@
               <a:buChar char="■"/>
               <a:defRPr/>
             </a:lvl3pPr>
-            <a:lvl4pPr indent="-317500" lvl="3" marL="1828800">
+            <a:lvl4pPr marL="1828800" lvl="3" indent="-317500">
               <a:spcBef>
                 <a:spcPts val="0"/>
               </a:spcBef>
@@ -4287,7 +4406,7 @@
               <a:buChar char="●"/>
               <a:defRPr/>
             </a:lvl4pPr>
-            <a:lvl5pPr indent="-317500" lvl="4" marL="2286000">
+            <a:lvl5pPr marL="2286000" lvl="4" indent="-317500">
               <a:spcBef>
                 <a:spcPts val="0"/>
               </a:spcBef>
@@ -4298,7 +4417,7 @@
               <a:buChar char="○"/>
               <a:defRPr/>
             </a:lvl5pPr>
-            <a:lvl6pPr indent="-317500" lvl="5" marL="2743200">
+            <a:lvl6pPr marL="2743200" lvl="5" indent="-317500">
               <a:spcBef>
                 <a:spcPts val="0"/>
               </a:spcBef>
@@ -4309,7 +4428,7 @@
               <a:buChar char="■"/>
               <a:defRPr/>
             </a:lvl6pPr>
-            <a:lvl7pPr indent="-317500" lvl="6" marL="3200400">
+            <a:lvl7pPr marL="3200400" lvl="6" indent="-317500">
               <a:spcBef>
                 <a:spcPts val="0"/>
               </a:spcBef>
@@ -4320,7 +4439,7 @@
               <a:buChar char="●"/>
               <a:defRPr/>
             </a:lvl7pPr>
-            <a:lvl8pPr indent="-317500" lvl="7" marL="3657600">
+            <a:lvl8pPr marL="3657600" lvl="7" indent="-317500">
               <a:spcBef>
                 <a:spcPts val="0"/>
               </a:spcBef>
@@ -4331,7 +4450,7 @@
               <a:buChar char="○"/>
               <a:defRPr/>
             </a:lvl8pPr>
-            <a:lvl9pPr indent="-317500" lvl="8" marL="4114800">
+            <a:lvl9pPr marL="4114800" lvl="8" indent="-317500">
               <a:spcBef>
                 <a:spcPts val="0"/>
               </a:spcBef>
@@ -4343,15 +4462,19 @@
               <a:defRPr/>
             </a:lvl9pPr>
           </a:lstStyle>
-          <a:p/>
+          <a:p>
+            <a:endParaRPr/>
+          </a:p>
         </p:txBody>
       </p:sp>
       <p:sp>
         <p:nvSpPr>
           <p:cNvPr id="40" name="Google Shape;40;p9"/>
-          <p:cNvSpPr txBox="1"/>
+          <p:cNvSpPr txBox="1">
+            <a:spLocks noGrp="1"/>
+          </p:cNvSpPr>
           <p:nvPr>
-            <p:ph idx="12" type="sldNum"/>
+            <p:ph type="sldNum" idx="12"/>
           </p:nvPr>
         </p:nvSpPr>
         <p:spPr>
@@ -4364,7 +4487,7 @@
           </a:prstGeom>
         </p:spPr>
         <p:txBody>
-          <a:bodyPr anchorCtr="0" anchor="ctr" bIns="91425" lIns="91425" spcFirstLastPara="1" rIns="91425" wrap="square" tIns="91425">
+          <a:bodyPr spcFirstLastPara="1" wrap="square" lIns="91425" tIns="91425" rIns="91425" bIns="91425" anchor="ctr" anchorCtr="0">
             <a:normAutofit/>
           </a:bodyPr>
           <a:lstStyle>
@@ -4406,7 +4529,7 @@
             </a:lvl9pPr>
           </a:lstStyle>
           <a:p>
-            <a:pPr indent="0" lvl="0" marL="0" rtl="0" algn="r">
+            <a:pPr marL="0" lvl="0" indent="0" algn="r" rtl="0">
               <a:spcBef>
                 <a:spcPts val="0"/>
               </a:spcBef>
@@ -4432,11 +4555,11 @@
 </file>
 
 <file path=ppt/slideLayouts/slideLayout9.xml><?xml version="1.0" encoding="utf-8"?>
-<p:sldLayout xmlns:a="http://schemas.openxmlformats.org/drawingml/2006/main" xmlns:r="http://schemas.openxmlformats.org/officeDocument/2006/relationships" xmlns:mc="http://schemas.openxmlformats.org/markup-compatibility/2006" xmlns:mv="urn:schemas-microsoft-com:mac:vml" xmlns:p="http://schemas.openxmlformats.org/presentationml/2006/main" xmlns:c="http://schemas.openxmlformats.org/drawingml/2006/chart" xmlns:dgm="http://schemas.openxmlformats.org/drawingml/2006/diagram" xmlns:o="urn:schemas-microsoft-com:office:office" xmlns:v="urn:schemas-microsoft-com:vml" xmlns:pvml="urn:schemas-microsoft-com:office:powerpoint" xmlns:com="http://schemas.openxmlformats.org/drawingml/2006/compatibility" xmlns:p14="http://schemas.microsoft.com/office/powerpoint/2010/main" xmlns:p15="http://schemas.microsoft.com/office/powerpoint/2012/main" xmlns:ahyp="http://schemas.microsoft.com/office/drawing/2018/hyperlinkcolor" matchingName="Caption">
+<p:sldLayout xmlns:a="http://schemas.openxmlformats.org/drawingml/2006/main" xmlns:r="http://schemas.openxmlformats.org/officeDocument/2006/relationships" xmlns:p="http://schemas.openxmlformats.org/presentationml/2006/main" matchingName="Caption">
   <p:cSld name="CAPTION_ONLY">
     <p:spTree>
       <p:nvGrpSpPr>
-        <p:cNvPr id="41" name="Shape 41"/>
+        <p:cNvPr id="1" name="Shape 41"/>
         <p:cNvGrpSpPr/>
         <p:nvPr/>
       </p:nvGrpSpPr>
@@ -4451,9 +4574,11 @@
       <p:sp>
         <p:nvSpPr>
           <p:cNvPr id="42" name="Google Shape;42;p10"/>
-          <p:cNvSpPr txBox="1"/>
+          <p:cNvSpPr txBox="1">
+            <a:spLocks noGrp="1"/>
+          </p:cNvSpPr>
           <p:nvPr>
-            <p:ph idx="1" type="body"/>
+            <p:ph type="body" idx="1"/>
           </p:nvPr>
         </p:nvSpPr>
         <p:spPr>
@@ -4466,11 +4591,11 @@
           </a:prstGeom>
         </p:spPr>
         <p:txBody>
-          <a:bodyPr anchorCtr="0" anchor="ctr" bIns="91425" lIns="91425" spcFirstLastPara="1" rIns="91425" wrap="square" tIns="91425">
+          <a:bodyPr spcFirstLastPara="1" wrap="square" lIns="91425" tIns="91425" rIns="91425" bIns="91425" anchor="ctr" anchorCtr="0">
             <a:normAutofit/>
           </a:bodyPr>
           <a:lstStyle>
-            <a:lvl1pPr indent="-228600" lvl="0" marL="457200">
+            <a:lvl1pPr marL="457200" lvl="0" indent="-228600">
               <a:lnSpc>
                 <a:spcPct val="100000"/>
               </a:lnSpc>
@@ -4485,15 +4610,19 @@
               <a:defRPr/>
             </a:lvl1pPr>
           </a:lstStyle>
-          <a:p/>
+          <a:p>
+            <a:endParaRPr/>
+          </a:p>
         </p:txBody>
       </p:sp>
       <p:sp>
         <p:nvSpPr>
           <p:cNvPr id="43" name="Google Shape;43;p10"/>
-          <p:cNvSpPr txBox="1"/>
+          <p:cNvSpPr txBox="1">
+            <a:spLocks noGrp="1"/>
+          </p:cNvSpPr>
           <p:nvPr>
-            <p:ph idx="12" type="sldNum"/>
+            <p:ph type="sldNum" idx="12"/>
           </p:nvPr>
         </p:nvSpPr>
         <p:spPr>
@@ -4506,7 +4635,7 @@
           </a:prstGeom>
         </p:spPr>
         <p:txBody>
-          <a:bodyPr anchorCtr="0" anchor="ctr" bIns="91425" lIns="91425" spcFirstLastPara="1" rIns="91425" wrap="square" tIns="91425">
+          <a:bodyPr spcFirstLastPara="1" wrap="square" lIns="91425" tIns="91425" rIns="91425" bIns="91425" anchor="ctr" anchorCtr="0">
             <a:normAutofit/>
           </a:bodyPr>
           <a:lstStyle>
@@ -4548,7 +4677,7 @@
             </a:lvl9pPr>
           </a:lstStyle>
           <a:p>
-            <a:pPr indent="0" lvl="0" marL="0" rtl="0" algn="r">
+            <a:pPr marL="0" lvl="0" indent="0" algn="r" rtl="0">
               <a:spcBef>
                 <a:spcPts val="0"/>
               </a:spcBef>
@@ -4574,18 +4703,19 @@
 </file>
 
 <file path=ppt/slideMasters/slideMaster1.xml><?xml version="1.0" encoding="utf-8"?>
-<p:sldMaster xmlns:a="http://schemas.openxmlformats.org/drawingml/2006/main" xmlns:r="http://schemas.openxmlformats.org/officeDocument/2006/relationships" xmlns:mc="http://schemas.openxmlformats.org/markup-compatibility/2006" xmlns:mv="urn:schemas-microsoft-com:mac:vml" xmlns:p="http://schemas.openxmlformats.org/presentationml/2006/main" xmlns:c="http://schemas.openxmlformats.org/drawingml/2006/chart" xmlns:dgm="http://schemas.openxmlformats.org/drawingml/2006/diagram" xmlns:o="urn:schemas-microsoft-com:office:office" xmlns:v="urn:schemas-microsoft-com:vml" xmlns:pvml="urn:schemas-microsoft-com:office:powerpoint" xmlns:com="http://schemas.openxmlformats.org/drawingml/2006/compatibility" xmlns:p14="http://schemas.microsoft.com/office/powerpoint/2010/main" xmlns:p15="http://schemas.microsoft.com/office/powerpoint/2012/main" xmlns:ahyp="http://schemas.microsoft.com/office/drawing/2018/hyperlinkcolor">
+<p:sldMaster xmlns:a="http://schemas.openxmlformats.org/drawingml/2006/main" xmlns:r="http://schemas.openxmlformats.org/officeDocument/2006/relationships" xmlns:p="http://schemas.openxmlformats.org/presentationml/2006/main">
   <p:cSld name="simple-light-2">
     <p:bg>
       <p:bgPr>
         <a:solidFill>
           <a:schemeClr val="lt1"/>
         </a:solidFill>
+        <a:effectLst/>
       </p:bgPr>
     </p:bg>
     <p:spTree>
       <p:nvGrpSpPr>
-        <p:cNvPr id="5" name="Shape 5"/>
+        <p:cNvPr id="1" name="Shape 5"/>
         <p:cNvGrpSpPr/>
         <p:nvPr/>
       </p:nvGrpSpPr>
@@ -4600,7 +4730,9 @@
       <p:sp>
         <p:nvSpPr>
           <p:cNvPr id="6" name="Google Shape;6;p1"/>
-          <p:cNvSpPr txBox="1"/>
+          <p:cNvSpPr txBox="1">
+            <a:spLocks noGrp="1"/>
+          </p:cNvSpPr>
           <p:nvPr>
             <p:ph type="title"/>
           </p:nvPr>
@@ -4619,7 +4751,7 @@
           </a:ln>
         </p:spPr>
         <p:txBody>
-          <a:bodyPr anchorCtr="0" anchor="t" bIns="91425" lIns="91425" spcFirstLastPara="1" rIns="91425" wrap="square" tIns="91425">
+          <a:bodyPr spcFirstLastPara="1" wrap="square" lIns="91425" tIns="91425" rIns="91425" bIns="91425" anchor="t" anchorCtr="0">
             <a:normAutofit/>
           </a:bodyPr>
           <a:lstStyle>
@@ -4786,15 +4918,19 @@
               </a:defRPr>
             </a:lvl9pPr>
           </a:lstStyle>
-          <a:p/>
+          <a:p>
+            <a:endParaRPr/>
+          </a:p>
         </p:txBody>
       </p:sp>
       <p:sp>
         <p:nvSpPr>
           <p:cNvPr id="7" name="Google Shape;7;p1"/>
-          <p:cNvSpPr txBox="1"/>
+          <p:cNvSpPr txBox="1">
+            <a:spLocks noGrp="1"/>
+          </p:cNvSpPr>
           <p:nvPr>
-            <p:ph idx="1" type="body"/>
+            <p:ph type="body" idx="1"/>
           </p:nvPr>
         </p:nvSpPr>
         <p:spPr>
@@ -4811,11 +4947,11 @@
           </a:ln>
         </p:spPr>
         <p:txBody>
-          <a:bodyPr anchorCtr="0" anchor="t" bIns="91425" lIns="91425" spcFirstLastPara="1" rIns="91425" wrap="square" tIns="91425">
+          <a:bodyPr spcFirstLastPara="1" wrap="square" lIns="91425" tIns="91425" rIns="91425" bIns="91425" anchor="t" anchorCtr="0">
             <a:normAutofit/>
           </a:bodyPr>
           <a:lstStyle>
-            <a:lvl1pPr indent="-342900" lvl="0" marL="457200">
+            <a:lvl1pPr marL="457200" lvl="0" indent="-342900">
               <a:lnSpc>
                 <a:spcPct val="115000"/>
               </a:lnSpc>
@@ -4836,7 +4972,7 @@
                 </a:solidFill>
               </a:defRPr>
             </a:lvl1pPr>
-            <a:lvl2pPr indent="-317500" lvl="1" marL="914400">
+            <a:lvl2pPr marL="914400" lvl="1" indent="-317500">
               <a:lnSpc>
                 <a:spcPct val="115000"/>
               </a:lnSpc>
@@ -4857,7 +4993,7 @@
                 </a:solidFill>
               </a:defRPr>
             </a:lvl2pPr>
-            <a:lvl3pPr indent="-317500" lvl="2" marL="1371600">
+            <a:lvl3pPr marL="1371600" lvl="2" indent="-317500">
               <a:lnSpc>
                 <a:spcPct val="115000"/>
               </a:lnSpc>
@@ -4878,7 +5014,7 @@
                 </a:solidFill>
               </a:defRPr>
             </a:lvl3pPr>
-            <a:lvl4pPr indent="-317500" lvl="3" marL="1828800">
+            <a:lvl4pPr marL="1828800" lvl="3" indent="-317500">
               <a:lnSpc>
                 <a:spcPct val="115000"/>
               </a:lnSpc>
@@ -4899,7 +5035,7 @@
                 </a:solidFill>
               </a:defRPr>
             </a:lvl4pPr>
-            <a:lvl5pPr indent="-317500" lvl="4" marL="2286000">
+            <a:lvl5pPr marL="2286000" lvl="4" indent="-317500">
               <a:lnSpc>
                 <a:spcPct val="115000"/>
               </a:lnSpc>
@@ -4920,7 +5056,7 @@
                 </a:solidFill>
               </a:defRPr>
             </a:lvl5pPr>
-            <a:lvl6pPr indent="-317500" lvl="5" marL="2743200">
+            <a:lvl6pPr marL="2743200" lvl="5" indent="-317500">
               <a:lnSpc>
                 <a:spcPct val="115000"/>
               </a:lnSpc>
@@ -4941,7 +5077,7 @@
                 </a:solidFill>
               </a:defRPr>
             </a:lvl6pPr>
-            <a:lvl7pPr indent="-317500" lvl="6" marL="3200400">
+            <a:lvl7pPr marL="3200400" lvl="6" indent="-317500">
               <a:lnSpc>
                 <a:spcPct val="115000"/>
               </a:lnSpc>
@@ -4962,7 +5098,7 @@
                 </a:solidFill>
               </a:defRPr>
             </a:lvl7pPr>
-            <a:lvl8pPr indent="-317500" lvl="7" marL="3657600">
+            <a:lvl8pPr marL="3657600" lvl="7" indent="-317500">
               <a:lnSpc>
                 <a:spcPct val="115000"/>
               </a:lnSpc>
@@ -4983,7 +5119,7 @@
                 </a:solidFill>
               </a:defRPr>
             </a:lvl8pPr>
-            <a:lvl9pPr indent="-317500" lvl="8" marL="4114800">
+            <a:lvl9pPr marL="4114800" lvl="8" indent="-317500">
               <a:lnSpc>
                 <a:spcPct val="115000"/>
               </a:lnSpc>
@@ -5005,15 +5141,19 @@
               </a:defRPr>
             </a:lvl9pPr>
           </a:lstStyle>
-          <a:p/>
+          <a:p>
+            <a:endParaRPr/>
+          </a:p>
         </p:txBody>
       </p:sp>
       <p:sp>
         <p:nvSpPr>
           <p:cNvPr id="8" name="Google Shape;8;p1"/>
-          <p:cNvSpPr txBox="1"/>
+          <p:cNvSpPr txBox="1">
+            <a:spLocks noGrp="1"/>
+          </p:cNvSpPr>
           <p:nvPr>
-            <p:ph idx="12" type="sldNum"/>
+            <p:ph type="sldNum" idx="12"/>
           </p:nvPr>
         </p:nvSpPr>
         <p:spPr>
@@ -5030,7 +5170,7 @@
           </a:ln>
         </p:spPr>
         <p:txBody>
-          <a:bodyPr anchorCtr="0" anchor="ctr" bIns="91425" lIns="91425" spcFirstLastPara="1" rIns="91425" wrap="square" tIns="91425">
+          <a:bodyPr spcFirstLastPara="1" wrap="square" lIns="91425" tIns="91425" rIns="91425" bIns="91425" anchor="ctr" anchorCtr="0">
             <a:normAutofit/>
           </a:bodyPr>
           <a:lstStyle>
@@ -5108,7 +5248,7 @@
             </a:lvl9pPr>
           </a:lstStyle>
           <a:p>
-            <a:pPr indent="0" lvl="0" marL="0" rtl="0" algn="r">
+            <a:pPr marL="0" lvl="0" indent="0" algn="r" rtl="0">
               <a:spcBef>
                 <a:spcPts val="0"/>
               </a:spcBef>
@@ -5127,7 +5267,7 @@
       </p:sp>
     </p:spTree>
   </p:cSld>
-  <p:clrMap accent1="accent1" accent2="accent2" accent3="accent3" accent4="accent4" accent5="accent5" accent6="accent6" bg1="lt1" bg2="dk2" tx1="dk1" tx2="lt2" folHlink="folHlink" hlink="hlink"/>
+  <p:clrMap bg1="lt1" tx1="dk1" bg2="dk2" tx2="lt2" accent1="accent1" accent2="accent2" accent3="accent3" accent4="accent4" accent5="accent5" accent6="accent6" hlink="hlink" folHlink="folHlink"/>
   <p:sldLayoutIdLst>
     <p:sldLayoutId id="2147483648" r:id="rId1"/>
     <p:sldLayoutId id="2147483649" r:id="rId2"/>
@@ -5141,10 +5281,10 @@
     <p:sldLayoutId id="2147483657" r:id="rId10"/>
     <p:sldLayoutId id="2147483658" r:id="rId11"/>
   </p:sldLayoutIdLst>
-  <p:hf dt="0" ftr="0" hdr="0" sldNum="0"/>
+  <p:hf sldNum="0" hdr="0" ftr="0" dt="0"/>
   <p:txStyles>
     <p:titleStyle>
-      <a:defPPr lvl="0" marR="0" rtl="0" algn="l">
+      <a:defPPr marR="0" lvl="0" algn="l" rtl="0">
         <a:lnSpc>
           <a:spcPct val="100000"/>
         </a:lnSpc>
@@ -5155,7 +5295,7 @@
           <a:spcPts val="0"/>
         </a:spcAft>
       </a:defPPr>
-      <a:lvl1pPr lvl="0" marR="0" rtl="0" algn="l">
+      <a:lvl1pPr marR="0" lvl="0" algn="l" rtl="0">
         <a:lnSpc>
           <a:spcPct val="100000"/>
         </a:lnSpc>
@@ -5169,7 +5309,7 @@
           <a:srgbClr val="000000"/>
         </a:buClr>
         <a:buFont typeface="Arial"/>
-        <a:defRPr b="0" i="0" sz="1400" u="none" cap="none" strike="noStrike">
+        <a:defRPr sz="1400" b="0" i="0" u="none" strike="noStrike" cap="none">
           <a:solidFill>
             <a:srgbClr val="000000"/>
           </a:solidFill>
@@ -5179,7 +5319,7 @@
           <a:sym typeface="Arial"/>
         </a:defRPr>
       </a:lvl1pPr>
-      <a:lvl2pPr lvl="1" marR="0" rtl="0" algn="l">
+      <a:lvl2pPr marR="0" lvl="1" algn="l" rtl="0">
         <a:lnSpc>
           <a:spcPct val="100000"/>
         </a:lnSpc>
@@ -5193,7 +5333,7 @@
           <a:srgbClr val="000000"/>
         </a:buClr>
         <a:buFont typeface="Arial"/>
-        <a:defRPr b="0" i="0" sz="1400" u="none" cap="none" strike="noStrike">
+        <a:defRPr sz="1400" b="0" i="0" u="none" strike="noStrike" cap="none">
           <a:solidFill>
             <a:srgbClr val="000000"/>
           </a:solidFill>
@@ -5203,7 +5343,7 @@
           <a:sym typeface="Arial"/>
         </a:defRPr>
       </a:lvl2pPr>
-      <a:lvl3pPr lvl="2" marR="0" rtl="0" algn="l">
+      <a:lvl3pPr marR="0" lvl="2" algn="l" rtl="0">
         <a:lnSpc>
           <a:spcPct val="100000"/>
         </a:lnSpc>
@@ -5217,7 +5357,7 @@
           <a:srgbClr val="000000"/>
         </a:buClr>
         <a:buFont typeface="Arial"/>
-        <a:defRPr b="0" i="0" sz="1400" u="none" cap="none" strike="noStrike">
+        <a:defRPr sz="1400" b="0" i="0" u="none" strike="noStrike" cap="none">
           <a:solidFill>
             <a:srgbClr val="000000"/>
           </a:solidFill>
@@ -5227,7 +5367,7 @@
           <a:sym typeface="Arial"/>
         </a:defRPr>
       </a:lvl3pPr>
-      <a:lvl4pPr lvl="3" marR="0" rtl="0" algn="l">
+      <a:lvl4pPr marR="0" lvl="3" algn="l" rtl="0">
         <a:lnSpc>
           <a:spcPct val="100000"/>
         </a:lnSpc>
@@ -5241,7 +5381,7 @@
           <a:srgbClr val="000000"/>
         </a:buClr>
         <a:buFont typeface="Arial"/>
-        <a:defRPr b="0" i="0" sz="1400" u="none" cap="none" strike="noStrike">
+        <a:defRPr sz="1400" b="0" i="0" u="none" strike="noStrike" cap="none">
           <a:solidFill>
             <a:srgbClr val="000000"/>
           </a:solidFill>
@@ -5251,7 +5391,7 @@
           <a:sym typeface="Arial"/>
         </a:defRPr>
       </a:lvl4pPr>
-      <a:lvl5pPr lvl="4" marR="0" rtl="0" algn="l">
+      <a:lvl5pPr marR="0" lvl="4" algn="l" rtl="0">
         <a:lnSpc>
           <a:spcPct val="100000"/>
         </a:lnSpc>
@@ -5265,7 +5405,7 @@
           <a:srgbClr val="000000"/>
         </a:buClr>
         <a:buFont typeface="Arial"/>
-        <a:defRPr b="0" i="0" sz="1400" u="none" cap="none" strike="noStrike">
+        <a:defRPr sz="1400" b="0" i="0" u="none" strike="noStrike" cap="none">
           <a:solidFill>
             <a:srgbClr val="000000"/>
           </a:solidFill>
@@ -5275,7 +5415,7 @@
           <a:sym typeface="Arial"/>
         </a:defRPr>
       </a:lvl5pPr>
-      <a:lvl6pPr lvl="5" marR="0" rtl="0" algn="l">
+      <a:lvl6pPr marR="0" lvl="5" algn="l" rtl="0">
         <a:lnSpc>
           <a:spcPct val="100000"/>
         </a:lnSpc>
@@ -5289,7 +5429,7 @@
           <a:srgbClr val="000000"/>
         </a:buClr>
         <a:buFont typeface="Arial"/>
-        <a:defRPr b="0" i="0" sz="1400" u="none" cap="none" strike="noStrike">
+        <a:defRPr sz="1400" b="0" i="0" u="none" strike="noStrike" cap="none">
           <a:solidFill>
             <a:srgbClr val="000000"/>
           </a:solidFill>
@@ -5299,7 +5439,7 @@
           <a:sym typeface="Arial"/>
         </a:defRPr>
       </a:lvl6pPr>
-      <a:lvl7pPr lvl="6" marR="0" rtl="0" algn="l">
+      <a:lvl7pPr marR="0" lvl="6" algn="l" rtl="0">
         <a:lnSpc>
           <a:spcPct val="100000"/>
         </a:lnSpc>
@@ -5313,7 +5453,7 @@
           <a:srgbClr val="000000"/>
         </a:buClr>
         <a:buFont typeface="Arial"/>
-        <a:defRPr b="0" i="0" sz="1400" u="none" cap="none" strike="noStrike">
+        <a:defRPr sz="1400" b="0" i="0" u="none" strike="noStrike" cap="none">
           <a:solidFill>
             <a:srgbClr val="000000"/>
           </a:solidFill>
@@ -5323,7 +5463,7 @@
           <a:sym typeface="Arial"/>
         </a:defRPr>
       </a:lvl7pPr>
-      <a:lvl8pPr lvl="7" marR="0" rtl="0" algn="l">
+      <a:lvl8pPr marR="0" lvl="7" algn="l" rtl="0">
         <a:lnSpc>
           <a:spcPct val="100000"/>
         </a:lnSpc>
@@ -5337,7 +5477,7 @@
           <a:srgbClr val="000000"/>
         </a:buClr>
         <a:buFont typeface="Arial"/>
-        <a:defRPr b="0" i="0" sz="1400" u="none" cap="none" strike="noStrike">
+        <a:defRPr sz="1400" b="0" i="0" u="none" strike="noStrike" cap="none">
           <a:solidFill>
             <a:srgbClr val="000000"/>
           </a:solidFill>
@@ -5347,7 +5487,7 @@
           <a:sym typeface="Arial"/>
         </a:defRPr>
       </a:lvl8pPr>
-      <a:lvl9pPr lvl="8" marR="0" rtl="0" algn="l">
+      <a:lvl9pPr marR="0" lvl="8" algn="l" rtl="0">
         <a:lnSpc>
           <a:spcPct val="100000"/>
         </a:lnSpc>
@@ -5361,7 +5501,7 @@
           <a:srgbClr val="000000"/>
         </a:buClr>
         <a:buFont typeface="Arial"/>
-        <a:defRPr b="0" i="0" sz="1400" u="none" cap="none" strike="noStrike">
+        <a:defRPr sz="1400" b="0" i="0" u="none" strike="noStrike" cap="none">
           <a:solidFill>
             <a:srgbClr val="000000"/>
           </a:solidFill>
@@ -5373,7 +5513,7 @@
       </a:lvl9pPr>
     </p:titleStyle>
     <p:bodyStyle>
-      <a:defPPr lvl="0" marR="0" rtl="0" algn="l">
+      <a:defPPr marR="0" lvl="0" algn="l" rtl="0">
         <a:lnSpc>
           <a:spcPct val="100000"/>
         </a:lnSpc>
@@ -5384,7 +5524,7 @@
           <a:spcPts val="0"/>
         </a:spcAft>
       </a:defPPr>
-      <a:lvl1pPr lvl="0" marR="0" rtl="0" algn="l">
+      <a:lvl1pPr marR="0" lvl="0" algn="l" rtl="0">
         <a:lnSpc>
           <a:spcPct val="100000"/>
         </a:lnSpc>
@@ -5398,7 +5538,7 @@
           <a:srgbClr val="000000"/>
         </a:buClr>
         <a:buFont typeface="Arial"/>
-        <a:defRPr b="0" i="0" sz="1400" u="none" cap="none" strike="noStrike">
+        <a:defRPr sz="1400" b="0" i="0" u="none" strike="noStrike" cap="none">
           <a:solidFill>
             <a:srgbClr val="000000"/>
           </a:solidFill>
@@ -5408,7 +5548,7 @@
           <a:sym typeface="Arial"/>
         </a:defRPr>
       </a:lvl1pPr>
-      <a:lvl2pPr lvl="1" marR="0" rtl="0" algn="l">
+      <a:lvl2pPr marR="0" lvl="1" algn="l" rtl="0">
         <a:lnSpc>
           <a:spcPct val="100000"/>
         </a:lnSpc>
@@ -5422,7 +5562,7 @@
           <a:srgbClr val="000000"/>
         </a:buClr>
         <a:buFont typeface="Arial"/>
-        <a:defRPr b="0" i="0" sz="1400" u="none" cap="none" strike="noStrike">
+        <a:defRPr sz="1400" b="0" i="0" u="none" strike="noStrike" cap="none">
           <a:solidFill>
             <a:srgbClr val="000000"/>
           </a:solidFill>
@@ -5432,7 +5572,7 @@
           <a:sym typeface="Arial"/>
         </a:defRPr>
       </a:lvl2pPr>
-      <a:lvl3pPr lvl="2" marR="0" rtl="0" algn="l">
+      <a:lvl3pPr marR="0" lvl="2" algn="l" rtl="0">
         <a:lnSpc>
           <a:spcPct val="100000"/>
         </a:lnSpc>
@@ -5446,7 +5586,7 @@
           <a:srgbClr val="000000"/>
         </a:buClr>
         <a:buFont typeface="Arial"/>
-        <a:defRPr b="0" i="0" sz="1400" u="none" cap="none" strike="noStrike">
+        <a:defRPr sz="1400" b="0" i="0" u="none" strike="noStrike" cap="none">
           <a:solidFill>
             <a:srgbClr val="000000"/>
           </a:solidFill>
@@ -5456,7 +5596,7 @@
           <a:sym typeface="Arial"/>
         </a:defRPr>
       </a:lvl3pPr>
-      <a:lvl4pPr lvl="3" marR="0" rtl="0" algn="l">
+      <a:lvl4pPr marR="0" lvl="3" algn="l" rtl="0">
         <a:lnSpc>
           <a:spcPct val="100000"/>
         </a:lnSpc>
@@ -5470,7 +5610,7 @@
           <a:srgbClr val="000000"/>
         </a:buClr>
         <a:buFont typeface="Arial"/>
-        <a:defRPr b="0" i="0" sz="1400" u="none" cap="none" strike="noStrike">
+        <a:defRPr sz="1400" b="0" i="0" u="none" strike="noStrike" cap="none">
           <a:solidFill>
             <a:srgbClr val="000000"/>
           </a:solidFill>
@@ -5480,7 +5620,7 @@
           <a:sym typeface="Arial"/>
         </a:defRPr>
       </a:lvl4pPr>
-      <a:lvl5pPr lvl="4" marR="0" rtl="0" algn="l">
+      <a:lvl5pPr marR="0" lvl="4" algn="l" rtl="0">
         <a:lnSpc>
           <a:spcPct val="100000"/>
         </a:lnSpc>
@@ -5494,7 +5634,7 @@
           <a:srgbClr val="000000"/>
         </a:buClr>
         <a:buFont typeface="Arial"/>
-        <a:defRPr b="0" i="0" sz="1400" u="none" cap="none" strike="noStrike">
+        <a:defRPr sz="1400" b="0" i="0" u="none" strike="noStrike" cap="none">
           <a:solidFill>
             <a:srgbClr val="000000"/>
           </a:solidFill>
@@ -5504,7 +5644,7 @@
           <a:sym typeface="Arial"/>
         </a:defRPr>
       </a:lvl5pPr>
-      <a:lvl6pPr lvl="5" marR="0" rtl="0" algn="l">
+      <a:lvl6pPr marR="0" lvl="5" algn="l" rtl="0">
         <a:lnSpc>
           <a:spcPct val="100000"/>
         </a:lnSpc>
@@ -5518,7 +5658,7 @@
           <a:srgbClr val="000000"/>
         </a:buClr>
         <a:buFont typeface="Arial"/>
-        <a:defRPr b="0" i="0" sz="1400" u="none" cap="none" strike="noStrike">
+        <a:defRPr sz="1400" b="0" i="0" u="none" strike="noStrike" cap="none">
           <a:solidFill>
             <a:srgbClr val="000000"/>
           </a:solidFill>
@@ -5528,7 +5668,7 @@
           <a:sym typeface="Arial"/>
         </a:defRPr>
       </a:lvl6pPr>
-      <a:lvl7pPr lvl="6" marR="0" rtl="0" algn="l">
+      <a:lvl7pPr marR="0" lvl="6" algn="l" rtl="0">
         <a:lnSpc>
           <a:spcPct val="100000"/>
         </a:lnSpc>
@@ -5542,7 +5682,7 @@
           <a:srgbClr val="000000"/>
         </a:buClr>
         <a:buFont typeface="Arial"/>
-        <a:defRPr b="0" i="0" sz="1400" u="none" cap="none" strike="noStrike">
+        <a:defRPr sz="1400" b="0" i="0" u="none" strike="noStrike" cap="none">
           <a:solidFill>
             <a:srgbClr val="000000"/>
           </a:solidFill>
@@ -5552,7 +5692,7 @@
           <a:sym typeface="Arial"/>
         </a:defRPr>
       </a:lvl7pPr>
-      <a:lvl8pPr lvl="7" marR="0" rtl="0" algn="l">
+      <a:lvl8pPr marR="0" lvl="7" algn="l" rtl="0">
         <a:lnSpc>
           <a:spcPct val="100000"/>
         </a:lnSpc>
@@ -5566,7 +5706,7 @@
           <a:srgbClr val="000000"/>
         </a:buClr>
         <a:buFont typeface="Arial"/>
-        <a:defRPr b="0" i="0" sz="1400" u="none" cap="none" strike="noStrike">
+        <a:defRPr sz="1400" b="0" i="0" u="none" strike="noStrike" cap="none">
           <a:solidFill>
             <a:srgbClr val="000000"/>
           </a:solidFill>
@@ -5576,7 +5716,7 @@
           <a:sym typeface="Arial"/>
         </a:defRPr>
       </a:lvl8pPr>
-      <a:lvl9pPr lvl="8" marR="0" rtl="0" algn="l">
+      <a:lvl9pPr marR="0" lvl="8" algn="l" rtl="0">
         <a:lnSpc>
           <a:spcPct val="100000"/>
         </a:lnSpc>
@@ -5590,7 +5730,7 @@
           <a:srgbClr val="000000"/>
         </a:buClr>
         <a:buFont typeface="Arial"/>
-        <a:defRPr b="0" i="0" sz="1400" u="none" cap="none" strike="noStrike">
+        <a:defRPr sz="1400" b="0" i="0" u="none" strike="noStrike" cap="none">
           <a:solidFill>
             <a:srgbClr val="000000"/>
           </a:solidFill>
@@ -5602,7 +5742,7 @@
       </a:lvl9pPr>
     </p:bodyStyle>
     <p:otherStyle>
-      <a:defPPr lvl="0" marR="0" rtl="0" algn="l">
+      <a:defPPr marR="0" lvl="0" algn="l" rtl="0">
         <a:lnSpc>
           <a:spcPct val="100000"/>
         </a:lnSpc>
@@ -5613,7 +5753,7 @@
           <a:spcPts val="0"/>
         </a:spcAft>
       </a:defPPr>
-      <a:lvl1pPr lvl="0" marR="0" rtl="0" algn="l">
+      <a:lvl1pPr marR="0" lvl="0" algn="l" rtl="0">
         <a:lnSpc>
           <a:spcPct val="100000"/>
         </a:lnSpc>
@@ -5627,7 +5767,7 @@
           <a:srgbClr val="000000"/>
         </a:buClr>
         <a:buFont typeface="Arial"/>
-        <a:defRPr b="0" i="0" sz="1400" u="none" cap="none" strike="noStrike">
+        <a:defRPr sz="1400" b="0" i="0" u="none" strike="noStrike" cap="none">
           <a:solidFill>
             <a:srgbClr val="000000"/>
           </a:solidFill>
@@ -5637,7 +5777,7 @@
           <a:sym typeface="Arial"/>
         </a:defRPr>
       </a:lvl1pPr>
-      <a:lvl2pPr lvl="1" marR="0" rtl="0" algn="l">
+      <a:lvl2pPr marR="0" lvl="1" algn="l" rtl="0">
         <a:lnSpc>
           <a:spcPct val="100000"/>
         </a:lnSpc>
@@ -5651,7 +5791,7 @@
           <a:srgbClr val="000000"/>
         </a:buClr>
         <a:buFont typeface="Arial"/>
-        <a:defRPr b="0" i="0" sz="1400" u="none" cap="none" strike="noStrike">
+        <a:defRPr sz="1400" b="0" i="0" u="none" strike="noStrike" cap="none">
           <a:solidFill>
             <a:srgbClr val="000000"/>
           </a:solidFill>
@@ -5661,7 +5801,7 @@
           <a:sym typeface="Arial"/>
         </a:defRPr>
       </a:lvl2pPr>
-      <a:lvl3pPr lvl="2" marR="0" rtl="0" algn="l">
+      <a:lvl3pPr marR="0" lvl="2" algn="l" rtl="0">
         <a:lnSpc>
           <a:spcPct val="100000"/>
         </a:lnSpc>
@@ -5675,7 +5815,7 @@
           <a:srgbClr val="000000"/>
         </a:buClr>
         <a:buFont typeface="Arial"/>
-        <a:defRPr b="0" i="0" sz="1400" u="none" cap="none" strike="noStrike">
+        <a:defRPr sz="1400" b="0" i="0" u="none" strike="noStrike" cap="none">
           <a:solidFill>
             <a:srgbClr val="000000"/>
           </a:solidFill>
@@ -5685,7 +5825,7 @@
           <a:sym typeface="Arial"/>
         </a:defRPr>
       </a:lvl3pPr>
-      <a:lvl4pPr lvl="3" marR="0" rtl="0" algn="l">
+      <a:lvl4pPr marR="0" lvl="3" algn="l" rtl="0">
         <a:lnSpc>
           <a:spcPct val="100000"/>
         </a:lnSpc>
@@ -5699,7 +5839,7 @@
           <a:srgbClr val="000000"/>
         </a:buClr>
         <a:buFont typeface="Arial"/>
-        <a:defRPr b="0" i="0" sz="1400" u="none" cap="none" strike="noStrike">
+        <a:defRPr sz="1400" b="0" i="0" u="none" strike="noStrike" cap="none">
           <a:solidFill>
             <a:srgbClr val="000000"/>
           </a:solidFill>
@@ -5709,7 +5849,7 @@
           <a:sym typeface="Arial"/>
         </a:defRPr>
       </a:lvl4pPr>
-      <a:lvl5pPr lvl="4" marR="0" rtl="0" algn="l">
+      <a:lvl5pPr marR="0" lvl="4" algn="l" rtl="0">
         <a:lnSpc>
           <a:spcPct val="100000"/>
         </a:lnSpc>
@@ -5723,7 +5863,7 @@
           <a:srgbClr val="000000"/>
         </a:buClr>
         <a:buFont typeface="Arial"/>
-        <a:defRPr b="0" i="0" sz="1400" u="none" cap="none" strike="noStrike">
+        <a:defRPr sz="1400" b="0" i="0" u="none" strike="noStrike" cap="none">
           <a:solidFill>
             <a:srgbClr val="000000"/>
           </a:solidFill>
@@ -5733,7 +5873,7 @@
           <a:sym typeface="Arial"/>
         </a:defRPr>
       </a:lvl5pPr>
-      <a:lvl6pPr lvl="5" marR="0" rtl="0" algn="l">
+      <a:lvl6pPr marR="0" lvl="5" algn="l" rtl="0">
         <a:lnSpc>
           <a:spcPct val="100000"/>
         </a:lnSpc>
@@ -5747,7 +5887,7 @@
           <a:srgbClr val="000000"/>
         </a:buClr>
         <a:buFont typeface="Arial"/>
-        <a:defRPr b="0" i="0" sz="1400" u="none" cap="none" strike="noStrike">
+        <a:defRPr sz="1400" b="0" i="0" u="none" strike="noStrike" cap="none">
           <a:solidFill>
             <a:srgbClr val="000000"/>
           </a:solidFill>
@@ -5757,7 +5897,7 @@
           <a:sym typeface="Arial"/>
         </a:defRPr>
       </a:lvl6pPr>
-      <a:lvl7pPr lvl="6" marR="0" rtl="0" algn="l">
+      <a:lvl7pPr marR="0" lvl="6" algn="l" rtl="0">
         <a:lnSpc>
           <a:spcPct val="100000"/>
         </a:lnSpc>
@@ -5771,7 +5911,7 @@
           <a:srgbClr val="000000"/>
         </a:buClr>
         <a:buFont typeface="Arial"/>
-        <a:defRPr b="0" i="0" sz="1400" u="none" cap="none" strike="noStrike">
+        <a:defRPr sz="1400" b="0" i="0" u="none" strike="noStrike" cap="none">
           <a:solidFill>
             <a:srgbClr val="000000"/>
           </a:solidFill>
@@ -5781,7 +5921,7 @@
           <a:sym typeface="Arial"/>
         </a:defRPr>
       </a:lvl7pPr>
-      <a:lvl8pPr lvl="7" marR="0" rtl="0" algn="l">
+      <a:lvl8pPr marR="0" lvl="7" algn="l" rtl="0">
         <a:lnSpc>
           <a:spcPct val="100000"/>
         </a:lnSpc>
@@ -5795,7 +5935,7 @@
           <a:srgbClr val="000000"/>
         </a:buClr>
         <a:buFont typeface="Arial"/>
-        <a:defRPr b="0" i="0" sz="1400" u="none" cap="none" strike="noStrike">
+        <a:defRPr sz="1400" b="0" i="0" u="none" strike="noStrike" cap="none">
           <a:solidFill>
             <a:srgbClr val="000000"/>
           </a:solidFill>
@@ -5805,7 +5945,7 @@
           <a:sym typeface="Arial"/>
         </a:defRPr>
       </a:lvl8pPr>
-      <a:lvl9pPr lvl="8" marR="0" rtl="0" algn="l">
+      <a:lvl9pPr marR="0" lvl="8" algn="l" rtl="0">
         <a:lnSpc>
           <a:spcPct val="100000"/>
         </a:lnSpc>
@@ -5819,7 +5959,7 @@
           <a:srgbClr val="000000"/>
         </a:buClr>
         <a:buFont typeface="Arial"/>
-        <a:defRPr b="0" i="0" sz="1400" u="none" cap="none" strike="noStrike">
+        <a:defRPr sz="1400" b="0" i="0" u="none" strike="noStrike" cap="none">
           <a:solidFill>
             <a:srgbClr val="000000"/>
           </a:solidFill>
@@ -5835,11 +5975,11 @@
 </file>
 
 <file path=ppt/slides/slide1.xml><?xml version="1.0" encoding="utf-8"?>
-<p:sld xmlns:a="http://schemas.openxmlformats.org/drawingml/2006/main" xmlns:r="http://schemas.openxmlformats.org/officeDocument/2006/relationships" xmlns:mc="http://schemas.openxmlformats.org/markup-compatibility/2006" xmlns:mv="urn:schemas-microsoft-com:mac:vml" xmlns:p="http://schemas.openxmlformats.org/presentationml/2006/main" xmlns:c="http://schemas.openxmlformats.org/drawingml/2006/chart" xmlns:dgm="http://schemas.openxmlformats.org/drawingml/2006/diagram" xmlns:o="urn:schemas-microsoft-com:office:office" xmlns:v="urn:schemas-microsoft-com:vml" xmlns:pvml="urn:schemas-microsoft-com:office:powerpoint" xmlns:com="http://schemas.openxmlformats.org/drawingml/2006/compatibility" xmlns:p14="http://schemas.microsoft.com/office/powerpoint/2010/main" xmlns:p15="http://schemas.microsoft.com/office/powerpoint/2012/main" xmlns:ahyp="http://schemas.microsoft.com/office/drawing/2018/hyperlinkcolor">
+<p:sld xmlns:a="http://schemas.openxmlformats.org/drawingml/2006/main" xmlns:r="http://schemas.openxmlformats.org/officeDocument/2006/relationships" xmlns:p="http://schemas.openxmlformats.org/presentationml/2006/main">
   <p:cSld>
     <p:spTree>
       <p:nvGrpSpPr>
-        <p:cNvPr id="53" name="Shape 53"/>
+        <p:cNvPr id="1" name="Shape 53"/>
         <p:cNvGrpSpPr/>
         <p:nvPr/>
       </p:nvGrpSpPr>
@@ -5854,7 +5994,9 @@
       <p:sp>
         <p:nvSpPr>
           <p:cNvPr id="54" name="Google Shape;54;p13"/>
-          <p:cNvSpPr txBox="1"/>
+          <p:cNvSpPr txBox="1">
+            <a:spLocks noGrp="1"/>
+          </p:cNvSpPr>
           <p:nvPr>
             <p:ph type="title"/>
           </p:nvPr>
@@ -5869,12 +6011,12 @@
           </a:prstGeom>
         </p:spPr>
         <p:txBody>
-          <a:bodyPr anchorCtr="0" anchor="t" bIns="91425" lIns="91425" spcFirstLastPara="1" rIns="91425" wrap="square" tIns="91425">
+          <a:bodyPr spcFirstLastPara="1" wrap="square" lIns="91425" tIns="91425" rIns="91425" bIns="91425" anchor="t" anchorCtr="0">
             <a:normAutofit fontScale="90000"/>
           </a:bodyPr>
           <a:lstStyle/>
           <a:p>
-            <a:pPr indent="0" lvl="0" marL="0" rtl="0" algn="l">
+            <a:pPr marL="0" lvl="0" indent="0" algn="l" rtl="0">
               <a:spcBef>
                 <a:spcPts val="0"/>
               </a:spcBef>
@@ -5913,12 +6055,12 @@
           </a:ln>
         </p:spPr>
         <p:txBody>
-          <a:bodyPr anchorCtr="0" anchor="ctr" bIns="91425" lIns="91425" spcFirstLastPara="1" rIns="91425" wrap="square" tIns="91425">
+          <a:bodyPr spcFirstLastPara="1" wrap="square" lIns="91425" tIns="91425" rIns="91425" bIns="91425" anchor="ctr" anchorCtr="0">
             <a:noAutofit/>
           </a:bodyPr>
           <a:lstStyle/>
           <a:p>
-            <a:pPr indent="0" lvl="0" marL="0" rtl="0" algn="l">
+            <a:pPr marL="0" lvl="0" indent="0" algn="l" rtl="0">
               <a:spcBef>
                 <a:spcPts val="0"/>
               </a:spcBef>
@@ -5927,9 +6069,6 @@
               </a:spcAft>
               <a:buNone/>
             </a:pPr>
-            <a:r>
-              <a:t/>
-            </a:r>
             <a:endParaRPr/>
           </a:p>
         </p:txBody>
@@ -5956,12 +6095,12 @@
           </a:ln>
         </p:spPr>
         <p:txBody>
-          <a:bodyPr anchorCtr="0" anchor="ctr" bIns="91425" lIns="91425" spcFirstLastPara="1" rIns="91425" wrap="square" tIns="91425">
+          <a:bodyPr spcFirstLastPara="1" wrap="square" lIns="91425" tIns="91425" rIns="91425" bIns="91425" anchor="ctr" anchorCtr="0">
             <a:noAutofit/>
           </a:bodyPr>
           <a:lstStyle/>
           <a:p>
-            <a:pPr indent="0" lvl="0" marL="0" rtl="0" algn="l">
+            <a:pPr marL="0" lvl="0" indent="0" algn="l" rtl="0">
               <a:spcBef>
                 <a:spcPts val="0"/>
               </a:spcBef>
@@ -5970,9 +6109,6 @@
               </a:spcAft>
               <a:buNone/>
             </a:pPr>
-            <a:r>
-              <a:t/>
-            </a:r>
             <a:endParaRPr/>
           </a:p>
         </p:txBody>
@@ -5999,12 +6135,12 @@
           </a:ln>
         </p:spPr>
         <p:txBody>
-          <a:bodyPr anchorCtr="0" anchor="ctr" bIns="91425" lIns="91425" spcFirstLastPara="1" rIns="91425" wrap="square" tIns="91425">
+          <a:bodyPr spcFirstLastPara="1" wrap="square" lIns="91425" tIns="91425" rIns="91425" bIns="91425" anchor="ctr" anchorCtr="0">
             <a:noAutofit/>
           </a:bodyPr>
           <a:lstStyle/>
           <a:p>
-            <a:pPr indent="0" lvl="0" marL="0" rtl="0" algn="l">
+            <a:pPr marL="0" lvl="0" indent="0" algn="l" rtl="0">
               <a:spcBef>
                 <a:spcPts val="0"/>
               </a:spcBef>
@@ -6013,9 +6149,6 @@
               </a:spcAft>
               <a:buNone/>
             </a:pPr>
-            <a:r>
-              <a:t/>
-            </a:r>
             <a:endParaRPr/>
           </a:p>
         </p:txBody>
@@ -6042,12 +6175,12 @@
           </a:ln>
         </p:spPr>
         <p:txBody>
-          <a:bodyPr anchorCtr="0" anchor="ctr" bIns="91425" lIns="91425" spcFirstLastPara="1" rIns="91425" wrap="square" tIns="91425">
+          <a:bodyPr spcFirstLastPara="1" wrap="square" lIns="91425" tIns="91425" rIns="91425" bIns="91425" anchor="ctr" anchorCtr="0">
             <a:noAutofit/>
           </a:bodyPr>
           <a:lstStyle/>
           <a:p>
-            <a:pPr indent="0" lvl="0" marL="0" rtl="0" algn="l">
+            <a:pPr marL="0" lvl="0" indent="0" algn="l" rtl="0">
               <a:spcBef>
                 <a:spcPts val="0"/>
               </a:spcBef>
@@ -6056,9 +6189,6 @@
               </a:spcAft>
               <a:buNone/>
             </a:pPr>
-            <a:r>
-              <a:t/>
-            </a:r>
             <a:endParaRPr/>
           </a:p>
         </p:txBody>
@@ -6083,12 +6213,12 @@
           </a:ln>
         </p:spPr>
         <p:txBody>
-          <a:bodyPr anchorCtr="0" anchor="t" bIns="91425" lIns="91425" spcFirstLastPara="1" rIns="91425" wrap="square" tIns="91425">
+          <a:bodyPr spcFirstLastPara="1" wrap="square" lIns="91425" tIns="91425" rIns="91425" bIns="91425" anchor="t" anchorCtr="0">
             <a:spAutoFit/>
           </a:bodyPr>
           <a:lstStyle/>
           <a:p>
-            <a:pPr indent="0" lvl="0" marL="0" rtl="0" algn="l">
+            <a:pPr marL="0" lvl="0" indent="0" algn="l" rtl="0">
               <a:spcBef>
                 <a:spcPts val="0"/>
               </a:spcBef>
@@ -6125,12 +6255,12 @@
           </a:ln>
         </p:spPr>
         <p:txBody>
-          <a:bodyPr anchorCtr="0" anchor="t" bIns="91425" lIns="91425" spcFirstLastPara="1" rIns="91425" wrap="square" tIns="91425">
+          <a:bodyPr spcFirstLastPara="1" wrap="square" lIns="91425" tIns="91425" rIns="91425" bIns="91425" anchor="t" anchorCtr="0">
             <a:spAutoFit/>
           </a:bodyPr>
           <a:lstStyle/>
           <a:p>
-            <a:pPr indent="0" lvl="0" marL="0" rtl="0" algn="l">
+            <a:pPr marL="0" lvl="0" indent="0" algn="l" rtl="0">
               <a:spcBef>
                 <a:spcPts val="0"/>
               </a:spcBef>
@@ -6140,10 +6270,10 @@
               <a:buNone/>
             </a:pPr>
             <a:r>
-              <a:rPr lang="en"/>
+              <a:rPr lang="en" dirty="0"/>
               <a:t>#F2F2F2</a:t>
             </a:r>
-            <a:endParaRPr/>
+            <a:endParaRPr dirty="0"/>
           </a:p>
         </p:txBody>
       </p:sp>
@@ -6167,12 +6297,12 @@
           </a:ln>
         </p:spPr>
         <p:txBody>
-          <a:bodyPr anchorCtr="0" anchor="t" bIns="91425" lIns="91425" spcFirstLastPara="1" rIns="91425" wrap="square" tIns="91425">
+          <a:bodyPr spcFirstLastPara="1" wrap="square" lIns="91425" tIns="91425" rIns="91425" bIns="91425" anchor="t" anchorCtr="0">
             <a:spAutoFit/>
           </a:bodyPr>
           <a:lstStyle/>
           <a:p>
-            <a:pPr indent="0" lvl="0" marL="0" rtl="0" algn="l">
+            <a:pPr marL="0" lvl="0" indent="0" algn="l" rtl="0">
               <a:spcBef>
                 <a:spcPts val="0"/>
               </a:spcBef>
@@ -6209,12 +6339,12 @@
           </a:ln>
         </p:spPr>
         <p:txBody>
-          <a:bodyPr anchorCtr="0" anchor="t" bIns="91425" lIns="91425" spcFirstLastPara="1" rIns="91425" wrap="square" tIns="91425">
+          <a:bodyPr spcFirstLastPara="1" wrap="square" lIns="91425" tIns="91425" rIns="91425" bIns="91425" anchor="t" anchorCtr="0">
             <a:spAutoFit/>
           </a:bodyPr>
           <a:lstStyle/>
           <a:p>
-            <a:pPr indent="0" lvl="0" marL="0" rtl="0" algn="l">
+            <a:pPr marL="0" lvl="0" indent="0" algn="l" rtl="0">
               <a:spcBef>
                 <a:spcPts val="0"/>
               </a:spcBef>
@@ -6251,12 +6381,12 @@
           </a:ln>
         </p:spPr>
         <p:txBody>
-          <a:bodyPr anchorCtr="0" anchor="t" bIns="91425" lIns="91425" spcFirstLastPara="1" rIns="91425" wrap="square" tIns="91425">
+          <a:bodyPr spcFirstLastPara="1" wrap="square" lIns="91425" tIns="91425" rIns="91425" bIns="91425" anchor="t" anchorCtr="0">
             <a:spAutoFit/>
           </a:bodyPr>
           <a:lstStyle/>
           <a:p>
-            <a:pPr indent="0" lvl="0" marL="0" rtl="0" algn="l">
+            <a:pPr marL="0" lvl="0" indent="0" algn="l" rtl="0">
               <a:lnSpc>
                 <a:spcPct val="150000"/>
               </a:lnSpc>
@@ -6269,14 +6399,22 @@
               <a:buNone/>
             </a:pPr>
             <a:r>
-              <a:rPr lang="en">
+              <a:rPr lang="en" dirty="0" err="1">
                 <a:solidFill>
                   <a:schemeClr val="dk1"/>
                 </a:solidFill>
               </a:rPr>
-              <a:t>rgba(122, 191, 191, .5)</a:t>
+              <a:t>rgba</a:t>
             </a:r>
-            <a:endParaRPr>
+            <a:r>
+              <a:rPr lang="en" dirty="0">
+                <a:solidFill>
+                  <a:schemeClr val="dk1"/>
+                </a:solidFill>
+              </a:rPr>
+              <a:t>(122, 191, 191, .5)</a:t>
+            </a:r>
+            <a:endParaRPr dirty="0">
               <a:solidFill>
                 <a:schemeClr val="dk1"/>
               </a:solidFill>
@@ -6308,12 +6446,12 @@
           </a:ln>
         </p:spPr>
         <p:txBody>
-          <a:bodyPr anchorCtr="0" anchor="ctr" bIns="91425" lIns="91425" spcFirstLastPara="1" rIns="91425" wrap="square" tIns="91425">
+          <a:bodyPr spcFirstLastPara="1" wrap="square" lIns="91425" tIns="91425" rIns="91425" bIns="91425" anchor="ctr" anchorCtr="0">
             <a:noAutofit/>
           </a:bodyPr>
           <a:lstStyle/>
           <a:p>
-            <a:pPr indent="0" lvl="0" marL="0" rtl="0" algn="l">
+            <a:pPr marL="0" lvl="0" indent="0" algn="l" rtl="0">
               <a:spcBef>
                 <a:spcPts val="0"/>
               </a:spcBef>
@@ -6322,9 +6460,6 @@
               </a:spcAft>
               <a:buNone/>
             </a:pPr>
-            <a:r>
-              <a:t/>
-            </a:r>
             <a:endParaRPr/>
           </a:p>
         </p:txBody>
@@ -6338,11 +6473,11 @@
 </file>
 
 <file path=ppt/slides/slide2.xml><?xml version="1.0" encoding="utf-8"?>
-<p:sld xmlns:a="http://schemas.openxmlformats.org/drawingml/2006/main" xmlns:r="http://schemas.openxmlformats.org/officeDocument/2006/relationships" xmlns:mc="http://schemas.openxmlformats.org/markup-compatibility/2006" xmlns:mv="urn:schemas-microsoft-com:mac:vml" xmlns:p="http://schemas.openxmlformats.org/presentationml/2006/main" xmlns:c="http://schemas.openxmlformats.org/drawingml/2006/chart" xmlns:dgm="http://schemas.openxmlformats.org/drawingml/2006/diagram" xmlns:o="urn:schemas-microsoft-com:office:office" xmlns:v="urn:schemas-microsoft-com:vml" xmlns:pvml="urn:schemas-microsoft-com:office:powerpoint" xmlns:com="http://schemas.openxmlformats.org/drawingml/2006/compatibility" xmlns:p14="http://schemas.microsoft.com/office/powerpoint/2010/main" xmlns:p15="http://schemas.microsoft.com/office/powerpoint/2012/main" xmlns:ahyp="http://schemas.microsoft.com/office/drawing/2018/hyperlinkcolor">
+<p:sld xmlns:a="http://schemas.openxmlformats.org/drawingml/2006/main" xmlns:r="http://schemas.openxmlformats.org/officeDocument/2006/relationships" xmlns:p="http://schemas.openxmlformats.org/presentationml/2006/main">
   <p:cSld>
     <p:spTree>
       <p:nvGrpSpPr>
-        <p:cNvPr id="68" name="Shape 68"/>
+        <p:cNvPr id="1" name="Shape 68"/>
         <p:cNvGrpSpPr/>
         <p:nvPr/>
       </p:nvGrpSpPr>
@@ -6357,7 +6492,9 @@
       <p:sp>
         <p:nvSpPr>
           <p:cNvPr id="69" name="Google Shape;69;p14"/>
-          <p:cNvSpPr txBox="1"/>
+          <p:cNvSpPr txBox="1">
+            <a:spLocks noGrp="1"/>
+          </p:cNvSpPr>
           <p:nvPr>
             <p:ph type="title"/>
           </p:nvPr>
@@ -6372,12 +6509,12 @@
           </a:prstGeom>
         </p:spPr>
         <p:txBody>
-          <a:bodyPr anchorCtr="0" anchor="t" bIns="91425" lIns="91425" spcFirstLastPara="1" rIns="91425" wrap="square" tIns="91425">
+          <a:bodyPr spcFirstLastPara="1" wrap="square" lIns="91425" tIns="91425" rIns="91425" bIns="91425" anchor="t" anchorCtr="0">
             <a:normAutofit fontScale="90000"/>
           </a:bodyPr>
           <a:lstStyle/>
           <a:p>
-            <a:pPr indent="0" lvl="0" marL="0" rtl="0" algn="l">
+            <a:pPr marL="0" lvl="0" indent="0" algn="l" rtl="0">
               <a:spcBef>
                 <a:spcPts val="0"/>
               </a:spcBef>
@@ -6404,7 +6541,7 @@
           <a:blip r:embed="rId3">
             <a:alphaModFix/>
           </a:blip>
-          <a:srcRect b="22311" l="0" r="0" t="0"/>
+          <a:srcRect b="22311"/>
           <a:stretch/>
         </p:blipFill>
         <p:spPr>
@@ -6441,12 +6578,12 @@
           </a:ln>
         </p:spPr>
         <p:txBody>
-          <a:bodyPr anchorCtr="0" anchor="t" bIns="91425" lIns="91425" spcFirstLastPara="1" rIns="91425" wrap="square" tIns="91425">
+          <a:bodyPr spcFirstLastPara="1" wrap="square" lIns="91425" tIns="91425" rIns="91425" bIns="91425" anchor="t" anchorCtr="0">
             <a:spAutoFit/>
           </a:bodyPr>
           <a:lstStyle/>
           <a:p>
-            <a:pPr indent="0" lvl="0" marL="0" rtl="0" algn="l">
+            <a:pPr marL="0" lvl="0" indent="0" algn="l" rtl="0">
               <a:spcBef>
                 <a:spcPts val="0"/>
               </a:spcBef>
@@ -6456,7 +6593,7 @@
               <a:buNone/>
             </a:pPr>
             <a:r>
-              <a:rPr lang="en" sz="900" u="sng">
+              <a:rPr lang="en" sz="900" u="sng" dirty="0">
                 <a:solidFill>
                   <a:schemeClr val="hlink"/>
                 </a:solidFill>
@@ -6465,10 +6602,10 @@
               <a:t>https://fonts.google.com/share?selection.family=Bebas%20Neue%7CMontserrat:ital,wght@0,400;0,700;1,400</a:t>
             </a:r>
             <a:r>
-              <a:rPr lang="en" sz="900"/>
+              <a:rPr lang="en" sz="900" dirty="0"/>
               <a:t> </a:t>
             </a:r>
-            <a:endParaRPr sz="900"/>
+            <a:endParaRPr sz="900" dirty="0"/>
           </a:p>
         </p:txBody>
       </p:sp>
@@ -6492,12 +6629,12 @@
           </a:ln>
         </p:spPr>
         <p:txBody>
-          <a:bodyPr anchorCtr="0" anchor="t" bIns="91425" lIns="91425" spcFirstLastPara="1" rIns="91425" wrap="square" tIns="91425">
+          <a:bodyPr spcFirstLastPara="1" wrap="square" lIns="91425" tIns="91425" rIns="91425" bIns="91425" anchor="t" anchorCtr="0">
             <a:spAutoFit/>
           </a:bodyPr>
           <a:lstStyle/>
           <a:p>
-            <a:pPr indent="0" lvl="0" marL="0" rtl="0" algn="l">
+            <a:pPr marL="0" lvl="0" indent="0" algn="l" rtl="0">
               <a:spcBef>
                 <a:spcPts val="0"/>
               </a:spcBef>
@@ -6507,21 +6644,21 @@
               <a:buNone/>
             </a:pPr>
             <a:r>
-              <a:rPr lang="en">
+              <a:rPr lang="en" dirty="0">
                 <a:highlight>
                   <a:schemeClr val="accent6"/>
                 </a:highlight>
               </a:rPr>
               <a:t>H1- 40px</a:t>
             </a:r>
-            <a:endParaRPr>
+            <a:endParaRPr dirty="0">
               <a:highlight>
                 <a:schemeClr val="accent6"/>
               </a:highlight>
             </a:endParaRPr>
           </a:p>
           <a:p>
-            <a:pPr indent="0" lvl="0" marL="0" rtl="0" algn="l">
+            <a:pPr marL="0" lvl="0" indent="0" algn="l" rtl="0">
               <a:spcBef>
                 <a:spcPts val="0"/>
               </a:spcBef>
@@ -6531,21 +6668,21 @@
               <a:buNone/>
             </a:pPr>
             <a:r>
-              <a:rPr lang="en">
+              <a:rPr lang="en" dirty="0">
                 <a:highlight>
                   <a:schemeClr val="accent6"/>
                 </a:highlight>
               </a:rPr>
               <a:t>H2- 30px</a:t>
             </a:r>
-            <a:endParaRPr>
+            <a:endParaRPr dirty="0">
               <a:highlight>
                 <a:schemeClr val="accent6"/>
               </a:highlight>
             </a:endParaRPr>
           </a:p>
           <a:p>
-            <a:pPr indent="0" lvl="0" marL="0" rtl="0" algn="l">
+            <a:pPr marL="0" lvl="0" indent="0" algn="l" rtl="0">
               <a:spcBef>
                 <a:spcPts val="0"/>
               </a:spcBef>
@@ -6555,14 +6692,14 @@
               <a:buNone/>
             </a:pPr>
             <a:r>
-              <a:rPr lang="en">
+              <a:rPr lang="en" dirty="0">
                 <a:highlight>
                   <a:schemeClr val="accent6"/>
                 </a:highlight>
               </a:rPr>
               <a:t>H3- 25px</a:t>
             </a:r>
-            <a:endParaRPr>
+            <a:endParaRPr dirty="0">
               <a:highlight>
                 <a:schemeClr val="accent6"/>
               </a:highlight>
@@ -6590,12 +6727,12 @@
           </a:ln>
         </p:spPr>
         <p:txBody>
-          <a:bodyPr anchorCtr="0" anchor="t" bIns="91425" lIns="91425" spcFirstLastPara="1" rIns="91425" wrap="square" tIns="91425">
+          <a:bodyPr spcFirstLastPara="1" wrap="square" lIns="91425" tIns="91425" rIns="91425" bIns="91425" anchor="t" anchorCtr="0">
             <a:spAutoFit/>
           </a:bodyPr>
           <a:lstStyle/>
           <a:p>
-            <a:pPr indent="0" lvl="0" marL="0" rtl="0" algn="l">
+            <a:pPr marL="0" lvl="0" indent="0" algn="l" rtl="0">
               <a:spcBef>
                 <a:spcPts val="0"/>
               </a:spcBef>
@@ -6619,7 +6756,7 @@
             </a:endParaRPr>
           </a:p>
           <a:p>
-            <a:pPr indent="0" lvl="0" marL="0" rtl="0" algn="l">
+            <a:pPr marL="0" lvl="0" indent="0" algn="l" rtl="0">
               <a:spcBef>
                 <a:spcPts val="0"/>
               </a:spcBef>
@@ -6664,12 +6801,12 @@
           </a:ln>
         </p:spPr>
         <p:txBody>
-          <a:bodyPr anchorCtr="0" anchor="t" bIns="91425" lIns="91425" spcFirstLastPara="1" rIns="91425" wrap="square" tIns="91425">
+          <a:bodyPr spcFirstLastPara="1" wrap="square" lIns="91425" tIns="91425" rIns="91425" bIns="91425" anchor="t" anchorCtr="0">
             <a:spAutoFit/>
           </a:bodyPr>
           <a:lstStyle/>
           <a:p>
-            <a:pPr indent="0" lvl="0" marL="0" rtl="0" algn="l">
+            <a:pPr marL="0" lvl="0" indent="0" algn="l" rtl="0">
               <a:spcBef>
                 <a:spcPts val="0"/>
               </a:spcBef>
@@ -6693,7 +6830,7 @@
             </a:endParaRPr>
           </a:p>
           <a:p>
-            <a:pPr indent="0" lvl="0" marL="0" rtl="0" algn="l">
+            <a:pPr marL="0" lvl="0" indent="0" algn="l" rtl="0">
               <a:spcBef>
                 <a:spcPts val="0"/>
               </a:spcBef>
@@ -6717,7 +6854,7 @@
             </a:endParaRPr>
           </a:p>
           <a:p>
-            <a:pPr indent="0" lvl="0" marL="0" rtl="0" algn="l">
+            <a:pPr marL="0" lvl="0" indent="0" algn="l" rtl="0">
               <a:spcBef>
                 <a:spcPts val="0"/>
               </a:spcBef>
@@ -6762,12 +6899,12 @@
           </a:ln>
         </p:spPr>
         <p:txBody>
-          <a:bodyPr anchorCtr="0" anchor="t" bIns="91425" lIns="91425" spcFirstLastPara="1" rIns="91425" wrap="square" tIns="91425">
+          <a:bodyPr spcFirstLastPara="1" wrap="square" lIns="91425" tIns="91425" rIns="91425" bIns="91425" anchor="t" anchorCtr="0">
             <a:spAutoFit/>
           </a:bodyPr>
           <a:lstStyle/>
           <a:p>
-            <a:pPr indent="0" lvl="0" marL="0" rtl="0" algn="l">
+            <a:pPr marL="0" lvl="0" indent="0" algn="l" rtl="0">
               <a:spcBef>
                 <a:spcPts val="0"/>
               </a:spcBef>
@@ -6791,7 +6928,7 @@
             </a:endParaRPr>
           </a:p>
           <a:p>
-            <a:pPr indent="0" lvl="0" marL="0" rtl="0" algn="l">
+            <a:pPr marL="0" lvl="0" indent="0" algn="l" rtl="0">
               <a:spcBef>
                 <a:spcPts val="0"/>
               </a:spcBef>
@@ -6831,14 +6968,14 @@
             <a:avLst/>
           </a:prstGeom>
           <a:noFill/>
-          <a:ln cap="flat" cmpd="sng" w="9525">
+          <a:ln w="9525" cap="flat" cmpd="sng">
             <a:solidFill>
               <a:schemeClr val="dk2"/>
             </a:solidFill>
             <a:prstDash val="solid"/>
             <a:round/>
-            <a:headEnd len="med" w="med" type="none"/>
-            <a:tailEnd len="med" w="med" type="none"/>
+            <a:headEnd type="none" w="med" len="med"/>
+            <a:tailEnd type="none" w="med" len="med"/>
           </a:ln>
         </p:spPr>
       </p:cxnSp>
@@ -6857,14 +6994,14 @@
             <a:avLst/>
           </a:prstGeom>
           <a:noFill/>
-          <a:ln cap="flat" cmpd="sng" w="9525">
+          <a:ln w="9525" cap="flat" cmpd="sng">
             <a:solidFill>
               <a:schemeClr val="dk2"/>
             </a:solidFill>
             <a:prstDash val="solid"/>
             <a:round/>
-            <a:headEnd len="med" w="med" type="none"/>
-            <a:tailEnd len="med" w="med" type="none"/>
+            <a:headEnd type="none" w="med" len="med"/>
+            <a:tailEnd type="none" w="med" len="med"/>
           </a:ln>
         </p:spPr>
       </p:cxnSp>
@@ -6883,14 +7020,14 @@
             <a:avLst/>
           </a:prstGeom>
           <a:noFill/>
-          <a:ln cap="flat" cmpd="sng" w="9525">
+          <a:ln w="9525" cap="flat" cmpd="sng">
             <a:solidFill>
               <a:schemeClr val="dk2"/>
             </a:solidFill>
             <a:prstDash val="solid"/>
             <a:round/>
-            <a:headEnd len="med" w="med" type="none"/>
-            <a:tailEnd len="med" w="med" type="none"/>
+            <a:headEnd type="none" w="med" len="med"/>
+            <a:tailEnd type="none" w="med" len="med"/>
           </a:ln>
         </p:spPr>
       </p:cxnSp>
@@ -6909,14 +7046,14 @@
             <a:avLst/>
           </a:prstGeom>
           <a:noFill/>
-          <a:ln cap="flat" cmpd="sng" w="9525">
+          <a:ln w="9525" cap="flat" cmpd="sng">
             <a:solidFill>
               <a:schemeClr val="dk2"/>
             </a:solidFill>
             <a:prstDash val="solid"/>
             <a:round/>
-            <a:headEnd len="med" w="med" type="none"/>
-            <a:tailEnd len="med" w="med" type="none"/>
+            <a:headEnd type="none" w="med" len="med"/>
+            <a:tailEnd type="none" w="med" len="med"/>
           </a:ln>
         </p:spPr>
       </p:cxnSp>
@@ -6940,12 +7077,12 @@
           </a:ln>
         </p:spPr>
         <p:txBody>
-          <a:bodyPr anchorCtr="0" anchor="t" bIns="91425" lIns="91425" spcFirstLastPara="1" rIns="91425" wrap="square" tIns="91425">
+          <a:bodyPr spcFirstLastPara="1" wrap="square" lIns="91425" tIns="91425" rIns="91425" bIns="91425" anchor="t" anchorCtr="0">
             <a:spAutoFit/>
           </a:bodyPr>
           <a:lstStyle/>
           <a:p>
-            <a:pPr indent="0" lvl="0" marL="0" rtl="0" algn="l">
+            <a:pPr marL="0" lvl="0" indent="0" algn="l" rtl="0">
               <a:spcBef>
                 <a:spcPts val="0"/>
               </a:spcBef>
@@ -6960,15 +7097,7 @@
                   <a:schemeClr val="accent6"/>
                 </a:highlight>
               </a:rPr>
-              <a:t>LI</a:t>
-            </a:r>
-            <a:r>
-              <a:rPr lang="en">
-                <a:highlight>
-                  <a:schemeClr val="accent6"/>
-                </a:highlight>
-              </a:rPr>
-              <a:t>- 16PX</a:t>
+              <a:t>LI- 16PX</a:t>
             </a:r>
             <a:endParaRPr>
               <a:highlight>
@@ -6977,7 +7106,7 @@
             </a:endParaRPr>
           </a:p>
           <a:p>
-            <a:pPr indent="0" lvl="0" marL="0" rtl="0" algn="l">
+            <a:pPr marL="0" lvl="0" indent="0" algn="l" rtl="0">
               <a:spcBef>
                 <a:spcPts val="0"/>
               </a:spcBef>
@@ -7022,12 +7151,12 @@
           </a:ln>
         </p:spPr>
         <p:txBody>
-          <a:bodyPr anchorCtr="0" anchor="t" bIns="91425" lIns="91425" spcFirstLastPara="1" rIns="91425" wrap="square" tIns="91425">
+          <a:bodyPr spcFirstLastPara="1" wrap="square" lIns="91425" tIns="91425" rIns="91425" bIns="91425" anchor="t" anchorCtr="0">
             <a:spAutoFit/>
           </a:bodyPr>
           <a:lstStyle/>
           <a:p>
-            <a:pPr indent="0" lvl="0" marL="0" rtl="0" algn="l">
+            <a:pPr marL="0" lvl="0" indent="0" algn="l" rtl="0">
               <a:spcBef>
                 <a:spcPts val="0"/>
               </a:spcBef>
@@ -7060,11 +7189,11 @@
 </file>
 
 <file path=ppt/slides/slide3.xml><?xml version="1.0" encoding="utf-8"?>
-<p:sld xmlns:a="http://schemas.openxmlformats.org/drawingml/2006/main" xmlns:r="http://schemas.openxmlformats.org/officeDocument/2006/relationships" xmlns:mc="http://schemas.openxmlformats.org/markup-compatibility/2006" xmlns:mv="urn:schemas-microsoft-com:mac:vml" xmlns:p="http://schemas.openxmlformats.org/presentationml/2006/main" xmlns:c="http://schemas.openxmlformats.org/drawingml/2006/chart" xmlns:dgm="http://schemas.openxmlformats.org/drawingml/2006/diagram" xmlns:o="urn:schemas-microsoft-com:office:office" xmlns:v="urn:schemas-microsoft-com:vml" xmlns:pvml="urn:schemas-microsoft-com:office:powerpoint" xmlns:com="http://schemas.openxmlformats.org/drawingml/2006/compatibility" xmlns:p14="http://schemas.microsoft.com/office/powerpoint/2010/main" xmlns:p15="http://schemas.microsoft.com/office/powerpoint/2012/main" xmlns:ahyp="http://schemas.microsoft.com/office/drawing/2018/hyperlinkcolor">
+<p:sld xmlns:a="http://schemas.openxmlformats.org/drawingml/2006/main" xmlns:r="http://schemas.openxmlformats.org/officeDocument/2006/relationships" xmlns:p="http://schemas.openxmlformats.org/presentationml/2006/main">
   <p:cSld>
     <p:spTree>
       <p:nvGrpSpPr>
-        <p:cNvPr id="85" name="Shape 85"/>
+        <p:cNvPr id="1" name="Shape 85"/>
         <p:cNvGrpSpPr/>
         <p:nvPr/>
       </p:nvGrpSpPr>
@@ -7086,7 +7215,7 @@
           <a:blip r:embed="rId3">
             <a:alphaModFix/>
           </a:blip>
-          <a:srcRect b="0" l="24842" r="24282" t="0"/>
+          <a:srcRect l="24842" r="24282"/>
           <a:stretch/>
         </p:blipFill>
         <p:spPr>
@@ -7113,7 +7242,7 @@
           <a:blip r:embed="rId4">
             <a:alphaModFix/>
           </a:blip>
-          <a:srcRect b="0" l="6303" r="7823" t="0"/>
+          <a:srcRect l="6303" r="7823"/>
           <a:stretch/>
         </p:blipFill>
         <p:spPr>
@@ -7140,12 +7269,12 @@
           <a:blip r:embed="rId5">
             <a:alphaModFix/>
           </a:blip>
-          <a:srcRect b="0" l="33271" r="33710" t="0"/>
+          <a:srcRect l="33271" r="33710"/>
           <a:stretch/>
         </p:blipFill>
         <p:spPr>
           <a:xfrm>
-            <a:off x="8165537" y="0"/>
+            <a:off x="8041688" y="22538"/>
             <a:ext cx="978450" cy="5143501"/>
           </a:xfrm>
           <a:prstGeom prst="rect">
@@ -7160,7 +7289,9 @@
       <p:sp>
         <p:nvSpPr>
           <p:cNvPr id="89" name="Google Shape;89;p15"/>
-          <p:cNvSpPr txBox="1"/>
+          <p:cNvSpPr txBox="1">
+            <a:spLocks noGrp="1"/>
+          </p:cNvSpPr>
           <p:nvPr>
             <p:ph type="title"/>
           </p:nvPr>
@@ -7175,12 +7306,12 @@
           </a:prstGeom>
         </p:spPr>
         <p:txBody>
-          <a:bodyPr anchorCtr="0" anchor="t" bIns="91425" lIns="91425" spcFirstLastPara="1" rIns="91425" wrap="square" tIns="91425">
+          <a:bodyPr spcFirstLastPara="1" wrap="square" lIns="91425" tIns="91425" rIns="91425" bIns="91425" anchor="t" anchorCtr="0">
             <a:normAutofit fontScale="90000"/>
           </a:bodyPr>
           <a:lstStyle/>
           <a:p>
-            <a:pPr indent="0" lvl="0" marL="0" rtl="0" algn="l">
+            <a:pPr marL="0" lvl="0" indent="0" algn="l" rtl="0">
               <a:spcBef>
                 <a:spcPts val="0"/>
               </a:spcBef>
@@ -7217,12 +7348,12 @@
           </a:ln>
         </p:spPr>
         <p:txBody>
-          <a:bodyPr anchorCtr="0" anchor="t" bIns="91425" lIns="91425" spcFirstLastPara="1" rIns="91425" wrap="square" tIns="91425">
+          <a:bodyPr spcFirstLastPara="1" wrap="square" lIns="91425" tIns="91425" rIns="91425" bIns="91425" anchor="t" anchorCtr="0">
             <a:spAutoFit/>
           </a:bodyPr>
           <a:lstStyle/>
           <a:p>
-            <a:pPr indent="0" lvl="0" marL="0" rtl="0" algn="l">
+            <a:pPr marL="0" lvl="0" indent="0" algn="l" rtl="0">
               <a:spcBef>
                 <a:spcPts val="0"/>
               </a:spcBef>
@@ -7261,12 +7392,12 @@
           </a:ln>
         </p:spPr>
         <p:txBody>
-          <a:bodyPr anchorCtr="0" anchor="t" bIns="91425" lIns="91425" spcFirstLastPara="1" rIns="91425" wrap="square" tIns="91425">
+          <a:bodyPr spcFirstLastPara="1" wrap="square" lIns="91425" tIns="91425" rIns="91425" bIns="91425" anchor="t" anchorCtr="0">
             <a:spAutoFit/>
           </a:bodyPr>
           <a:lstStyle/>
           <a:p>
-            <a:pPr indent="0" lvl="0" marL="0" rtl="0" algn="ctr">
+            <a:pPr marL="0" lvl="0" indent="0" algn="ctr" rtl="0">
               <a:spcBef>
                 <a:spcPts val="0"/>
               </a:spcBef>
@@ -7276,14 +7407,14 @@
               <a:buNone/>
             </a:pPr>
             <a:r>
-              <a:rPr b="1" lang="en" sz="600">
+              <a:rPr lang="en" sz="600" b="1">
                 <a:solidFill>
                   <a:schemeClr val="lt1"/>
                 </a:solidFill>
               </a:rPr>
               <a:t>← 414 px →</a:t>
             </a:r>
-            <a:endParaRPr b="1" sz="600">
+            <a:endParaRPr sz="600" b="1">
               <a:solidFill>
                 <a:schemeClr val="lt1"/>
               </a:solidFill>
@@ -7313,12 +7444,12 @@
           </a:ln>
         </p:spPr>
         <p:txBody>
-          <a:bodyPr anchorCtr="0" anchor="t" bIns="91425" lIns="91425" spcFirstLastPara="1" rIns="91425" wrap="square" tIns="91425">
+          <a:bodyPr spcFirstLastPara="1" wrap="square" lIns="91425" tIns="91425" rIns="91425" bIns="91425" anchor="t" anchorCtr="0">
             <a:spAutoFit/>
           </a:bodyPr>
           <a:lstStyle/>
           <a:p>
-            <a:pPr indent="0" lvl="0" marL="0" rtl="0" algn="ctr">
+            <a:pPr marL="0" lvl="0" indent="0" algn="ctr" rtl="0">
               <a:spcBef>
                 <a:spcPts val="0"/>
               </a:spcBef>
@@ -7328,14 +7459,14 @@
               <a:buNone/>
             </a:pPr>
             <a:r>
-              <a:rPr b="1" lang="en" sz="600">
+              <a:rPr lang="en" sz="600" b="1">
                 <a:solidFill>
                   <a:schemeClr val="lt1"/>
                 </a:solidFill>
               </a:rPr>
               <a:t>← 768 px →</a:t>
             </a:r>
-            <a:endParaRPr b="1" sz="600">
+            <a:endParaRPr sz="600" b="1">
               <a:solidFill>
                 <a:schemeClr val="lt1"/>
               </a:solidFill>
@@ -7365,12 +7496,12 @@
           </a:ln>
         </p:spPr>
         <p:txBody>
-          <a:bodyPr anchorCtr="0" anchor="t" bIns="91425" lIns="91425" spcFirstLastPara="1" rIns="91425" wrap="square" tIns="91425">
+          <a:bodyPr spcFirstLastPara="1" wrap="square" lIns="91425" tIns="91425" rIns="91425" bIns="91425" anchor="t" anchorCtr="0">
             <a:spAutoFit/>
           </a:bodyPr>
           <a:lstStyle/>
           <a:p>
-            <a:pPr indent="0" lvl="0" marL="0" rtl="0" algn="ctr">
+            <a:pPr marL="0" lvl="0" indent="0" algn="ctr" rtl="0">
               <a:spcBef>
                 <a:spcPts val="0"/>
               </a:spcBef>
@@ -7380,14 +7511,14 @@
               <a:buNone/>
             </a:pPr>
             <a:r>
-              <a:rPr b="1" lang="en" sz="600">
+              <a:rPr lang="en" sz="600" b="1">
                 <a:solidFill>
                   <a:schemeClr val="lt1"/>
                 </a:solidFill>
               </a:rPr>
               <a:t>← 1280 px →</a:t>
             </a:r>
-            <a:endParaRPr b="1" sz="600">
+            <a:endParaRPr sz="600" b="1">
               <a:solidFill>
                 <a:schemeClr val="lt1"/>
               </a:solidFill>
@@ -7404,11 +7535,11 @@
 </file>
 
 <file path=ppt/slides/slide4.xml><?xml version="1.0" encoding="utf-8"?>
-<p:sld xmlns:a="http://schemas.openxmlformats.org/drawingml/2006/main" xmlns:r="http://schemas.openxmlformats.org/officeDocument/2006/relationships" xmlns:mc="http://schemas.openxmlformats.org/markup-compatibility/2006" xmlns:mv="urn:schemas-microsoft-com:mac:vml" xmlns:p="http://schemas.openxmlformats.org/presentationml/2006/main" xmlns:c="http://schemas.openxmlformats.org/drawingml/2006/chart" xmlns:dgm="http://schemas.openxmlformats.org/drawingml/2006/diagram" xmlns:o="urn:schemas-microsoft-com:office:office" xmlns:v="urn:schemas-microsoft-com:vml" xmlns:pvml="urn:schemas-microsoft-com:office:powerpoint" xmlns:com="http://schemas.openxmlformats.org/drawingml/2006/compatibility" xmlns:p14="http://schemas.microsoft.com/office/powerpoint/2010/main" xmlns:p15="http://schemas.microsoft.com/office/powerpoint/2012/main" xmlns:ahyp="http://schemas.microsoft.com/office/drawing/2018/hyperlinkcolor">
+<p:sld xmlns:a="http://schemas.openxmlformats.org/drawingml/2006/main" xmlns:r="http://schemas.openxmlformats.org/officeDocument/2006/relationships" xmlns:p="http://schemas.openxmlformats.org/presentationml/2006/main">
   <p:cSld>
     <p:spTree>
       <p:nvGrpSpPr>
-        <p:cNvPr id="97" name="Shape 97"/>
+        <p:cNvPr id="1" name="Shape 97"/>
         <p:cNvGrpSpPr/>
         <p:nvPr/>
       </p:nvGrpSpPr>
@@ -7423,7 +7554,9 @@
       <p:sp>
         <p:nvSpPr>
           <p:cNvPr id="98" name="Google Shape;98;p16"/>
-          <p:cNvSpPr txBox="1"/>
+          <p:cNvSpPr txBox="1">
+            <a:spLocks noGrp="1"/>
+          </p:cNvSpPr>
           <p:nvPr>
             <p:ph type="title"/>
           </p:nvPr>
@@ -7438,12 +7571,12 @@
           </a:prstGeom>
         </p:spPr>
         <p:txBody>
-          <a:bodyPr anchorCtr="0" anchor="t" bIns="91425" lIns="91425" spcFirstLastPara="1" rIns="91425" wrap="square" tIns="91425">
+          <a:bodyPr spcFirstLastPara="1" wrap="square" lIns="91425" tIns="91425" rIns="91425" bIns="91425" anchor="t" anchorCtr="0">
             <a:normAutofit fontScale="90000"/>
           </a:bodyPr>
           <a:lstStyle/>
           <a:p>
-            <a:pPr indent="0" lvl="0" marL="0" rtl="0" algn="l">
+            <a:pPr marL="0" lvl="0" indent="0" algn="l" rtl="0">
               <a:spcBef>
                 <a:spcPts val="0"/>
               </a:spcBef>
@@ -7470,7 +7603,7 @@
           <a:blip r:embed="rId3">
             <a:alphaModFix/>
           </a:blip>
-          <a:srcRect b="0" l="6303" r="7823" t="0"/>
+          <a:srcRect l="6303" r="7823"/>
           <a:stretch/>
         </p:blipFill>
         <p:spPr>
@@ -7507,12 +7640,12 @@
           </a:ln>
         </p:spPr>
         <p:txBody>
-          <a:bodyPr anchorCtr="0" anchor="t" bIns="91425" lIns="91425" spcFirstLastPara="1" rIns="91425" wrap="square" tIns="91425">
+          <a:bodyPr spcFirstLastPara="1" wrap="square" lIns="91425" tIns="91425" rIns="91425" bIns="91425" anchor="t" anchorCtr="0">
             <a:spAutoFit/>
           </a:bodyPr>
           <a:lstStyle/>
           <a:p>
-            <a:pPr indent="0" lvl="0" marL="0" rtl="0" algn="l">
+            <a:pPr marL="0" lvl="0" indent="0" algn="l" rtl="0">
               <a:spcBef>
                 <a:spcPts val="0"/>
               </a:spcBef>
@@ -7522,10 +7655,10 @@
               <a:buNone/>
             </a:pPr>
             <a:r>
-              <a:rPr lang="en" sz="1100"/>
+              <a:rPr lang="en" sz="1100" dirty="0"/>
               <a:t>* Our discipline doesn’t include server-side actions, so any content that requires it to function (sign in, form, star ratings), we’ll only to the front-end part. </a:t>
             </a:r>
-            <a:endParaRPr sz="1100"/>
+            <a:endParaRPr sz="1100" dirty="0"/>
           </a:p>
         </p:txBody>
       </p:sp>
@@ -7538,11 +7671,11 @@
 </file>
 
 <file path=ppt/slides/slide5.xml><?xml version="1.0" encoding="utf-8"?>
-<p:sld xmlns:a="http://schemas.openxmlformats.org/drawingml/2006/main" xmlns:r="http://schemas.openxmlformats.org/officeDocument/2006/relationships" xmlns:mc="http://schemas.openxmlformats.org/markup-compatibility/2006" xmlns:mv="urn:schemas-microsoft-com:mac:vml" xmlns:p="http://schemas.openxmlformats.org/presentationml/2006/main" xmlns:c="http://schemas.openxmlformats.org/drawingml/2006/chart" xmlns:dgm="http://schemas.openxmlformats.org/drawingml/2006/diagram" xmlns:o="urn:schemas-microsoft-com:office:office" xmlns:v="urn:schemas-microsoft-com:vml" xmlns:pvml="urn:schemas-microsoft-com:office:powerpoint" xmlns:com="http://schemas.openxmlformats.org/drawingml/2006/compatibility" xmlns:p14="http://schemas.microsoft.com/office/powerpoint/2010/main" xmlns:p15="http://schemas.microsoft.com/office/powerpoint/2012/main" xmlns:ahyp="http://schemas.microsoft.com/office/drawing/2018/hyperlinkcolor">
+<p:sld xmlns:a="http://schemas.openxmlformats.org/drawingml/2006/main" xmlns:r="http://schemas.openxmlformats.org/officeDocument/2006/relationships" xmlns:p="http://schemas.openxmlformats.org/presentationml/2006/main">
   <p:cSld>
     <p:spTree>
       <p:nvGrpSpPr>
-        <p:cNvPr id="104" name="Shape 104"/>
+        <p:cNvPr id="1" name="Shape 104"/>
         <p:cNvGrpSpPr/>
         <p:nvPr/>
       </p:nvGrpSpPr>
@@ -7564,12 +7697,12 @@
           <a:blip r:embed="rId3">
             <a:alphaModFix/>
           </a:blip>
-          <a:srcRect b="0" l="24842" r="24282" t="0"/>
+          <a:srcRect l="24842" r="24282"/>
           <a:stretch/>
         </p:blipFill>
         <p:spPr>
           <a:xfrm>
-            <a:off x="5077762" y="0"/>
+            <a:off x="4929078" y="-3"/>
             <a:ext cx="1745348" cy="5143501"/>
           </a:xfrm>
           <a:prstGeom prst="rect">
@@ -7591,12 +7724,12 @@
           <a:blip r:embed="rId4">
             <a:alphaModFix/>
           </a:blip>
-          <a:srcRect b="0" l="6303" r="7823" t="0"/>
+          <a:srcRect l="6303" r="7823"/>
           <a:stretch/>
         </p:blipFill>
         <p:spPr>
           <a:xfrm>
-            <a:off x="1631212" y="0"/>
+            <a:off x="1547075" y="-2"/>
             <a:ext cx="3332051" cy="5143501"/>
           </a:xfrm>
           <a:prstGeom prst="rect">
@@ -7618,12 +7751,12 @@
           <a:blip r:embed="rId5">
             <a:alphaModFix/>
           </a:blip>
-          <a:srcRect b="0" l="33271" r="33710" t="0"/>
+          <a:srcRect l="33271" r="33710"/>
           <a:stretch/>
         </p:blipFill>
         <p:spPr>
           <a:xfrm>
-            <a:off x="8165537" y="0"/>
+            <a:off x="8125500" y="-1"/>
             <a:ext cx="978450" cy="5143501"/>
           </a:xfrm>
           <a:prstGeom prst="rect">
@@ -7638,7 +7771,9 @@
       <p:sp>
         <p:nvSpPr>
           <p:cNvPr id="108" name="Google Shape;108;p17"/>
-          <p:cNvSpPr txBox="1"/>
+          <p:cNvSpPr txBox="1">
+            <a:spLocks noGrp="1"/>
+          </p:cNvSpPr>
           <p:nvPr>
             <p:ph type="title"/>
           </p:nvPr>
@@ -7653,12 +7788,12 @@
           </a:prstGeom>
         </p:spPr>
         <p:txBody>
-          <a:bodyPr anchorCtr="0" anchor="t" bIns="91425" lIns="91425" spcFirstLastPara="1" rIns="91425" wrap="square" tIns="91425">
+          <a:bodyPr spcFirstLastPara="1" wrap="square" lIns="91425" tIns="91425" rIns="91425" bIns="91425" anchor="t" anchorCtr="0">
             <a:normAutofit fontScale="90000"/>
           </a:bodyPr>
           <a:lstStyle/>
           <a:p>
-            <a:pPr indent="0" lvl="0" marL="0" rtl="0" algn="l">
+            <a:pPr marL="0" lvl="0" indent="0" algn="l" rtl="0">
               <a:spcBef>
                 <a:spcPts val="0"/>
               </a:spcBef>
@@ -7695,12 +7830,12 @@
           </a:ln>
         </p:spPr>
         <p:txBody>
-          <a:bodyPr anchorCtr="0" anchor="t" bIns="91425" lIns="91425" spcFirstLastPara="1" rIns="91425" wrap="square" tIns="91425">
+          <a:bodyPr spcFirstLastPara="1" wrap="square" lIns="91425" tIns="91425" rIns="91425" bIns="91425" anchor="t" anchorCtr="0">
             <a:spAutoFit/>
           </a:bodyPr>
           <a:lstStyle/>
           <a:p>
-            <a:pPr indent="0" lvl="0" marL="0" rtl="0" algn="l">
+            <a:pPr marL="0" lvl="0" indent="0" algn="l" rtl="0">
               <a:spcBef>
                 <a:spcPts val="0"/>
               </a:spcBef>
@@ -7710,13 +7845,13 @@
               <a:buNone/>
             </a:pPr>
             <a:r>
-              <a:rPr lang="en" sz="1000"/>
+              <a:rPr lang="en" sz="1000" dirty="0"/>
               <a:t>&lt;menu&gt;</a:t>
             </a:r>
-            <a:endParaRPr sz="1000"/>
+            <a:endParaRPr sz="1000" dirty="0"/>
           </a:p>
           <a:p>
-            <a:pPr indent="0" lvl="0" marL="0" rtl="0" algn="l">
+            <a:pPr marL="0" lvl="0" indent="0" algn="l" rtl="0">
               <a:spcBef>
                 <a:spcPts val="0"/>
               </a:spcBef>
@@ -7726,7 +7861,7 @@
               <a:buNone/>
             </a:pPr>
             <a:r>
-              <a:rPr lang="en" sz="700" u="sng">
+              <a:rPr lang="en" sz="700" u="sng" dirty="0">
                 <a:solidFill>
                   <a:schemeClr val="hlink"/>
                 </a:solidFill>
@@ -7735,10 +7870,10 @@
               <a:t>https://developer.mozilla.org/en-US/docs/Web/HTML/Element/menu</a:t>
             </a:r>
             <a:r>
-              <a:rPr lang="en" sz="700"/>
+              <a:rPr lang="en" sz="700" dirty="0"/>
               <a:t> </a:t>
             </a:r>
-            <a:endParaRPr sz="700"/>
+            <a:endParaRPr sz="700" dirty="0"/>
           </a:p>
         </p:txBody>
       </p:sp>
@@ -7759,14 +7894,14 @@
             <a:avLst/>
           </a:prstGeom>
           <a:noFill/>
-          <a:ln cap="flat" cmpd="sng" w="9525">
+          <a:ln w="9525" cap="flat" cmpd="sng">
             <a:solidFill>
               <a:schemeClr val="dk2"/>
             </a:solidFill>
             <a:prstDash val="solid"/>
             <a:round/>
-            <a:headEnd len="med" w="med" type="none"/>
-            <a:tailEnd len="med" w="med" type="triangle"/>
+            <a:headEnd type="none" w="med" len="med"/>
+            <a:tailEnd type="triangle" w="med" len="med"/>
           </a:ln>
         </p:spPr>
       </p:cxnSp>
@@ -7790,12 +7925,12 @@
           </a:ln>
         </p:spPr>
         <p:txBody>
-          <a:bodyPr anchorCtr="0" anchor="t" bIns="91425" lIns="91425" spcFirstLastPara="1" rIns="91425" wrap="square" tIns="91425">
+          <a:bodyPr spcFirstLastPara="1" wrap="square" lIns="91425" tIns="91425" rIns="91425" bIns="91425" anchor="t" anchorCtr="0">
             <a:spAutoFit/>
           </a:bodyPr>
           <a:lstStyle/>
           <a:p>
-            <a:pPr indent="0" lvl="0" marL="0" rtl="0" algn="l">
+            <a:pPr marL="0" lvl="0" indent="0" algn="l" rtl="0">
               <a:spcBef>
                 <a:spcPts val="0"/>
               </a:spcBef>
@@ -7821,7 +7956,7 @@
           <p:nvPr/>
         </p:nvCxnSpPr>
         <p:spPr>
-          <a:xfrm flipH="1" rot="10800000">
+          <a:xfrm rot="10800000" flipH="1">
             <a:off x="8125500" y="132300"/>
             <a:ext cx="224400" cy="267900"/>
           </a:xfrm>
@@ -7829,14 +7964,14 @@
             <a:avLst/>
           </a:prstGeom>
           <a:noFill/>
-          <a:ln cap="flat" cmpd="sng" w="9525">
+          <a:ln w="9525" cap="flat" cmpd="sng">
             <a:solidFill>
               <a:schemeClr val="dk2"/>
             </a:solidFill>
             <a:prstDash val="solid"/>
             <a:round/>
-            <a:headEnd len="med" w="med" type="none"/>
-            <a:tailEnd len="med" w="med" type="triangle"/>
+            <a:headEnd type="none" w="med" len="med"/>
+            <a:tailEnd type="triangle" w="med" len="med"/>
           </a:ln>
         </p:spPr>
       </p:cxnSp>
@@ -7860,12 +7995,12 @@
           </a:ln>
         </p:spPr>
         <p:txBody>
-          <a:bodyPr anchorCtr="0" anchor="t" bIns="91425" lIns="91425" spcFirstLastPara="1" rIns="91425" wrap="square" tIns="91425">
+          <a:bodyPr spcFirstLastPara="1" wrap="square" lIns="91425" tIns="91425" rIns="91425" bIns="91425" anchor="t" anchorCtr="0">
             <a:spAutoFit/>
           </a:bodyPr>
           <a:lstStyle/>
           <a:p>
-            <a:pPr indent="0" lvl="0" marL="0" rtl="0" algn="l">
+            <a:pPr marL="0" lvl="0" indent="0" algn="l" rtl="0">
               <a:spcBef>
                 <a:spcPts val="0"/>
               </a:spcBef>
@@ -7875,13 +8010,13 @@
               <a:buNone/>
             </a:pPr>
             <a:r>
-              <a:rPr lang="en" sz="1000"/>
+              <a:rPr lang="en" sz="1000" dirty="0"/>
               <a:t>Search Form</a:t>
             </a:r>
-            <a:endParaRPr sz="1000"/>
+            <a:endParaRPr sz="1000" dirty="0"/>
           </a:p>
           <a:p>
-            <a:pPr indent="0" lvl="0" marL="0" rtl="0" algn="l">
+            <a:pPr marL="0" lvl="0" indent="0" algn="l" rtl="0">
               <a:spcBef>
                 <a:spcPts val="0"/>
               </a:spcBef>
@@ -7891,7 +8026,7 @@
               <a:buNone/>
             </a:pPr>
             <a:r>
-              <a:rPr lang="en" sz="700" u="sng">
+              <a:rPr lang="en" sz="700" u="sng" dirty="0">
                 <a:solidFill>
                   <a:schemeClr val="hlink"/>
                 </a:solidFill>
@@ -7900,10 +8035,10 @@
               <a:t>https://developer.mozilla.org/en-US/docs/Web/HTML/Element/input/search</a:t>
             </a:r>
             <a:r>
-              <a:rPr lang="en" sz="700"/>
+              <a:rPr lang="en" sz="700" dirty="0"/>
               <a:t> </a:t>
             </a:r>
-            <a:endParaRPr sz="700"/>
+            <a:endParaRPr sz="700" dirty="0"/>
           </a:p>
         </p:txBody>
       </p:sp>
@@ -7916,7 +8051,7 @@
           <p:nvPr/>
         </p:nvCxnSpPr>
         <p:spPr>
-          <a:xfrm flipH="1" rot="10800000">
+          <a:xfrm rot="10800000" flipH="1">
             <a:off x="7570350" y="266225"/>
             <a:ext cx="826200" cy="751500"/>
           </a:xfrm>
@@ -7924,14 +8059,14 @@
             <a:avLst/>
           </a:prstGeom>
           <a:noFill/>
-          <a:ln cap="flat" cmpd="sng" w="9525">
+          <a:ln w="9525" cap="flat" cmpd="sng">
             <a:solidFill>
               <a:schemeClr val="dk2"/>
             </a:solidFill>
             <a:prstDash val="solid"/>
             <a:round/>
-            <a:headEnd len="med" w="med" type="none"/>
-            <a:tailEnd len="med" w="med" type="triangle"/>
+            <a:headEnd type="none" w="med" len="med"/>
+            <a:tailEnd type="triangle" w="med" len="med"/>
           </a:ln>
         </p:spPr>
       </p:cxnSp>
@@ -7955,12 +8090,12 @@
           </a:ln>
         </p:spPr>
         <p:txBody>
-          <a:bodyPr anchorCtr="0" anchor="t" bIns="91425" lIns="91425" spcFirstLastPara="1" rIns="91425" wrap="square" tIns="91425">
+          <a:bodyPr spcFirstLastPara="1" wrap="square" lIns="91425" tIns="91425" rIns="91425" bIns="91425" anchor="t" anchorCtr="0">
             <a:spAutoFit/>
           </a:bodyPr>
           <a:lstStyle/>
           <a:p>
-            <a:pPr indent="-292100" lvl="0" marL="457200" rtl="0" algn="l">
+            <a:pPr marL="457200" lvl="0" indent="-292100" algn="l" rtl="0">
               <a:lnSpc>
                 <a:spcPct val="115000"/>
               </a:lnSpc>
@@ -7974,13 +8109,13 @@
               <a:buChar char="●"/>
             </a:pPr>
             <a:r>
-              <a:rPr lang="en" sz="1000"/>
+              <a:rPr lang="en" sz="1000" dirty="0"/>
               <a:t>No floats were used</a:t>
             </a:r>
-            <a:endParaRPr sz="1000"/>
+            <a:endParaRPr sz="1000" dirty="0"/>
           </a:p>
           <a:p>
-            <a:pPr indent="-292100" lvl="0" marL="457200" rtl="0" algn="l">
+            <a:pPr marL="457200" lvl="0" indent="-292100" algn="l" rtl="0">
               <a:lnSpc>
                 <a:spcPct val="115000"/>
               </a:lnSpc>
@@ -7994,17 +8129,13 @@
               <a:buChar char="●"/>
             </a:pPr>
             <a:r>
-              <a:rPr lang="en" sz="1000"/>
-              <a:t>&lt;div&gt; IS used a few times to group things for style reasons which is how it is </a:t>
+              <a:rPr lang="en" sz="1000" dirty="0"/>
+              <a:t>&lt;div&gt; IS used a few times to group things for style reasons which is how it is intended</a:t>
             </a:r>
-            <a:r>
-              <a:rPr lang="en" sz="1000"/>
-              <a:t>intended</a:t>
-            </a:r>
-            <a:endParaRPr sz="1000"/>
+            <a:endParaRPr sz="1000" dirty="0"/>
           </a:p>
           <a:p>
-            <a:pPr indent="-292100" lvl="0" marL="457200" rtl="0" algn="l">
+            <a:pPr marL="457200" lvl="0" indent="-292100" algn="l" rtl="0">
               <a:lnSpc>
                 <a:spcPct val="115000"/>
               </a:lnSpc>
@@ -8018,10 +8149,10 @@
               <a:buChar char="●"/>
             </a:pPr>
             <a:r>
-              <a:rPr lang="en" sz="1000"/>
+              <a:rPr lang="en" sz="1000" dirty="0"/>
               <a:t>There’s about 500 lines of CSS code</a:t>
             </a:r>
-            <a:endParaRPr sz="1000"/>
+            <a:endParaRPr sz="1000" dirty="0"/>
           </a:p>
         </p:txBody>
       </p:sp>
@@ -8034,7 +8165,288 @@
 </file>
 
 <file path=ppt/theme/theme1.xml><?xml version="1.0" encoding="utf-8"?>
-<a:theme xmlns:a="http://schemas.openxmlformats.org/drawingml/2006/main" xmlns:r="http://schemas.openxmlformats.org/officeDocument/2006/relationships">
+<a:theme xmlns:a="http://schemas.openxmlformats.org/drawingml/2006/main" name="Simple Light">
+  <a:themeElements>
+    <a:clrScheme name="Simple Light">
+      <a:dk1>
+        <a:srgbClr val="000000"/>
+      </a:dk1>
+      <a:lt1>
+        <a:srgbClr val="FFFFFF"/>
+      </a:lt1>
+      <a:dk2>
+        <a:srgbClr val="595959"/>
+      </a:dk2>
+      <a:lt2>
+        <a:srgbClr val="EEEEEE"/>
+      </a:lt2>
+      <a:accent1>
+        <a:srgbClr val="4285F4"/>
+      </a:accent1>
+      <a:accent2>
+        <a:srgbClr val="212121"/>
+      </a:accent2>
+      <a:accent3>
+        <a:srgbClr val="78909C"/>
+      </a:accent3>
+      <a:accent4>
+        <a:srgbClr val="FFAB40"/>
+      </a:accent4>
+      <a:accent5>
+        <a:srgbClr val="0097A7"/>
+      </a:accent5>
+      <a:accent6>
+        <a:srgbClr val="EEFF41"/>
+      </a:accent6>
+      <a:hlink>
+        <a:srgbClr val="0097A7"/>
+      </a:hlink>
+      <a:folHlink>
+        <a:srgbClr val="0097A7"/>
+      </a:folHlink>
+    </a:clrScheme>
+    <a:fontScheme name="Office">
+      <a:majorFont>
+        <a:latin typeface="Arial"/>
+        <a:ea typeface=""/>
+        <a:cs typeface=""/>
+        <a:font script="Jpan" typeface="ＭＳ Ｐゴシック"/>
+        <a:font script="Hang" typeface="맑은 고딕"/>
+        <a:font script="Hans" typeface="宋体"/>
+        <a:font script="Hant" typeface="新細明體"/>
+        <a:font script="Arab" typeface="Times New Roman"/>
+        <a:font script="Hebr" typeface="Times New Roman"/>
+        <a:font script="Thai" typeface="Angsana New"/>
+        <a:font script="Ethi" typeface="Nyala"/>
+        <a:font script="Beng" typeface="Vrinda"/>
+        <a:font script="Gujr" typeface="Shruti"/>
+        <a:font script="Khmr" typeface="MoolBoran"/>
+        <a:font script="Knda" typeface="Tunga"/>
+        <a:font script="Guru" typeface="Raavi"/>
+        <a:font script="Cans" typeface="Euphemia"/>
+        <a:font script="Cher" typeface="Plantagenet Cherokee"/>
+        <a:font script="Yiii" typeface="Microsoft Yi Baiti"/>
+        <a:font script="Tibt" typeface="Microsoft Himalaya"/>
+        <a:font script="Thaa" typeface="MV Boli"/>
+        <a:font script="Deva" typeface="Mangal"/>
+        <a:font script="Telu" typeface="Gautami"/>
+        <a:font script="Taml" typeface="Latha"/>
+        <a:font script="Syrc" typeface="Estrangelo Edessa"/>
+        <a:font script="Orya" typeface="Kalinga"/>
+        <a:font script="Mlym" typeface="Kartika"/>
+        <a:font script="Laoo" typeface="DokChampa"/>
+        <a:font script="Sinh" typeface="Iskoola Pota"/>
+        <a:font script="Mong" typeface="Mongolian Baiti"/>
+        <a:font script="Viet" typeface="Times New Roman"/>
+        <a:font script="Uigh" typeface="Microsoft Uighur"/>
+        <a:font script="Geor" typeface="Sylfaen"/>
+      </a:majorFont>
+      <a:minorFont>
+        <a:latin typeface="Arial"/>
+        <a:ea typeface=""/>
+        <a:cs typeface=""/>
+        <a:font script="Jpan" typeface="ＭＳ Ｐゴシック"/>
+        <a:font script="Hang" typeface="맑은 고딕"/>
+        <a:font script="Hans" typeface="宋体"/>
+        <a:font script="Hant" typeface="新細明體"/>
+        <a:font script="Arab" typeface="Arial"/>
+        <a:font script="Hebr" typeface="Arial"/>
+        <a:font script="Thai" typeface="Cordia New"/>
+        <a:font script="Ethi" typeface="Nyala"/>
+        <a:font script="Beng" typeface="Vrinda"/>
+        <a:font script="Gujr" typeface="Shruti"/>
+        <a:font script="Khmr" typeface="DaunPenh"/>
+        <a:font script="Knda" typeface="Tunga"/>
+        <a:font script="Guru" typeface="Raavi"/>
+        <a:font script="Cans" typeface="Euphemia"/>
+        <a:font script="Cher" typeface="Plantagenet Cherokee"/>
+        <a:font script="Yiii" typeface="Microsoft Yi Baiti"/>
+        <a:font script="Tibt" typeface="Microsoft Himalaya"/>
+        <a:font script="Thaa" typeface="MV Boli"/>
+        <a:font script="Deva" typeface="Mangal"/>
+        <a:font script="Telu" typeface="Gautami"/>
+        <a:font script="Taml" typeface="Latha"/>
+        <a:font script="Syrc" typeface="Estrangelo Edessa"/>
+        <a:font script="Orya" typeface="Kalinga"/>
+        <a:font script="Mlym" typeface="Kartika"/>
+        <a:font script="Laoo" typeface="DokChampa"/>
+        <a:font script="Sinh" typeface="Iskoola Pota"/>
+        <a:font script="Mong" typeface="Mongolian Baiti"/>
+        <a:font script="Viet" typeface="Arial"/>
+        <a:font script="Uigh" typeface="Microsoft Uighur"/>
+        <a:font script="Geor" typeface="Sylfaen"/>
+      </a:minorFont>
+    </a:fontScheme>
+    <a:fmtScheme name="Office">
+      <a:fillStyleLst>
+        <a:solidFill>
+          <a:schemeClr val="phClr"/>
+        </a:solidFill>
+        <a:gradFill rotWithShape="1">
+          <a:gsLst>
+            <a:gs pos="0">
+              <a:schemeClr val="phClr">
+                <a:tint val="50000"/>
+                <a:satMod val="300000"/>
+              </a:schemeClr>
+            </a:gs>
+            <a:gs pos="35000">
+              <a:schemeClr val="phClr">
+                <a:tint val="37000"/>
+                <a:satMod val="300000"/>
+              </a:schemeClr>
+            </a:gs>
+            <a:gs pos="100000">
+              <a:schemeClr val="phClr">
+                <a:tint val="15000"/>
+                <a:satMod val="350000"/>
+              </a:schemeClr>
+            </a:gs>
+          </a:gsLst>
+          <a:lin ang="16200000" scaled="1"/>
+        </a:gradFill>
+        <a:gradFill rotWithShape="1">
+          <a:gsLst>
+            <a:gs pos="0">
+              <a:schemeClr val="phClr">
+                <a:tint val="100000"/>
+                <a:shade val="100000"/>
+                <a:satMod val="130000"/>
+              </a:schemeClr>
+            </a:gs>
+            <a:gs pos="100000">
+              <a:schemeClr val="phClr">
+                <a:tint val="50000"/>
+                <a:shade val="100000"/>
+                <a:satMod val="350000"/>
+              </a:schemeClr>
+            </a:gs>
+          </a:gsLst>
+          <a:lin ang="16200000" scaled="0"/>
+        </a:gradFill>
+      </a:fillStyleLst>
+      <a:lnStyleLst>
+        <a:ln w="9525" cap="flat" cmpd="sng" algn="ctr">
+          <a:solidFill>
+            <a:schemeClr val="phClr">
+              <a:shade val="95000"/>
+              <a:satMod val="105000"/>
+            </a:schemeClr>
+          </a:solidFill>
+          <a:prstDash val="solid"/>
+        </a:ln>
+        <a:ln w="25400" cap="flat" cmpd="sng" algn="ctr">
+          <a:solidFill>
+            <a:schemeClr val="phClr"/>
+          </a:solidFill>
+          <a:prstDash val="solid"/>
+        </a:ln>
+        <a:ln w="38100" cap="flat" cmpd="sng" algn="ctr">
+          <a:solidFill>
+            <a:schemeClr val="phClr"/>
+          </a:solidFill>
+          <a:prstDash val="solid"/>
+        </a:ln>
+      </a:lnStyleLst>
+      <a:effectStyleLst>
+        <a:effectStyle>
+          <a:effectLst>
+            <a:outerShdw blurRad="40000" dist="20000" dir="5400000" rotWithShape="0">
+              <a:srgbClr val="000000">
+                <a:alpha val="38000"/>
+              </a:srgbClr>
+            </a:outerShdw>
+          </a:effectLst>
+        </a:effectStyle>
+        <a:effectStyle>
+          <a:effectLst>
+            <a:outerShdw blurRad="40000" dist="23000" dir="5400000" rotWithShape="0">
+              <a:srgbClr val="000000">
+                <a:alpha val="35000"/>
+              </a:srgbClr>
+            </a:outerShdw>
+          </a:effectLst>
+        </a:effectStyle>
+        <a:effectStyle>
+          <a:effectLst>
+            <a:outerShdw blurRad="40000" dist="23000" dir="5400000" rotWithShape="0">
+              <a:srgbClr val="000000">
+                <a:alpha val="35000"/>
+              </a:srgbClr>
+            </a:outerShdw>
+          </a:effectLst>
+          <a:scene3d>
+            <a:camera prst="orthographicFront">
+              <a:rot lat="0" lon="0" rev="0"/>
+            </a:camera>
+            <a:lightRig rig="threePt" dir="t">
+              <a:rot lat="0" lon="0" rev="1200000"/>
+            </a:lightRig>
+          </a:scene3d>
+          <a:sp3d>
+            <a:bevelT w="63500" h="25400"/>
+          </a:sp3d>
+        </a:effectStyle>
+      </a:effectStyleLst>
+      <a:bgFillStyleLst>
+        <a:solidFill>
+          <a:schemeClr val="phClr"/>
+        </a:solidFill>
+        <a:gradFill rotWithShape="1">
+          <a:gsLst>
+            <a:gs pos="0">
+              <a:schemeClr val="phClr">
+                <a:tint val="40000"/>
+                <a:satMod val="350000"/>
+              </a:schemeClr>
+            </a:gs>
+            <a:gs pos="40000">
+              <a:schemeClr val="phClr">
+                <a:tint val="45000"/>
+                <a:shade val="99000"/>
+                <a:satMod val="350000"/>
+              </a:schemeClr>
+            </a:gs>
+            <a:gs pos="100000">
+              <a:schemeClr val="phClr">
+                <a:shade val="20000"/>
+                <a:satMod val="255000"/>
+              </a:schemeClr>
+            </a:gs>
+          </a:gsLst>
+          <a:path path="circle">
+            <a:fillToRect l="50000" t="-80000" r="50000" b="180000"/>
+          </a:path>
+        </a:gradFill>
+        <a:gradFill rotWithShape="1">
+          <a:gsLst>
+            <a:gs pos="0">
+              <a:schemeClr val="phClr">
+                <a:tint val="80000"/>
+                <a:satMod val="300000"/>
+              </a:schemeClr>
+            </a:gs>
+            <a:gs pos="100000">
+              <a:schemeClr val="phClr">
+                <a:shade val="30000"/>
+                <a:satMod val="200000"/>
+              </a:schemeClr>
+            </a:gs>
+          </a:gsLst>
+          <a:path path="circle">
+            <a:fillToRect l="50000" t="50000" r="50000" b="50000"/>
+          </a:path>
+        </a:gradFill>
+      </a:bgFillStyleLst>
+    </a:fmtScheme>
+  </a:themeElements>
+  <a:objectDefaults/>
+  <a:extraClrSchemeLst/>
+</a:theme>
+</file>
+
+<file path=ppt/theme/theme2.xml><?xml version="1.0" encoding="utf-8"?>
+<a:theme xmlns:a="http://schemas.openxmlformats.org/drawingml/2006/main">
   <a:themeElements>
     <a:clrScheme name="Default">
       <a:dk1>
@@ -8309,284 +8721,7 @@
       </a:bgFillStyleLst>
     </a:fmtScheme>
   </a:themeElements>
-</a:theme>
-</file>
-
-<file path=ppt/theme/theme2.xml><?xml version="1.0" encoding="utf-8"?>
-<a:theme xmlns:a="http://schemas.openxmlformats.org/drawingml/2006/main" xmlns:r="http://schemas.openxmlformats.org/officeDocument/2006/relationships" name="Simple Light">
-  <a:themeElements>
-    <a:clrScheme name="Simple Light">
-      <a:dk1>
-        <a:srgbClr val="000000"/>
-      </a:dk1>
-      <a:lt1>
-        <a:srgbClr val="FFFFFF"/>
-      </a:lt1>
-      <a:dk2>
-        <a:srgbClr val="595959"/>
-      </a:dk2>
-      <a:lt2>
-        <a:srgbClr val="EEEEEE"/>
-      </a:lt2>
-      <a:accent1>
-        <a:srgbClr val="4285F4"/>
-      </a:accent1>
-      <a:accent2>
-        <a:srgbClr val="212121"/>
-      </a:accent2>
-      <a:accent3>
-        <a:srgbClr val="78909C"/>
-      </a:accent3>
-      <a:accent4>
-        <a:srgbClr val="FFAB40"/>
-      </a:accent4>
-      <a:accent5>
-        <a:srgbClr val="0097A7"/>
-      </a:accent5>
-      <a:accent6>
-        <a:srgbClr val="EEFF41"/>
-      </a:accent6>
-      <a:hlink>
-        <a:srgbClr val="0097A7"/>
-      </a:hlink>
-      <a:folHlink>
-        <a:srgbClr val="0097A7"/>
-      </a:folHlink>
-    </a:clrScheme>
-    <a:fontScheme name="Office">
-      <a:majorFont>
-        <a:latin typeface="Arial"/>
-        <a:ea typeface=""/>
-        <a:cs typeface=""/>
-        <a:font script="Jpan" typeface="ＭＳ Ｐゴシック"/>
-        <a:font script="Hang" typeface="맑은 고딕"/>
-        <a:font script="Hans" typeface="宋体"/>
-        <a:font script="Hant" typeface="新細明體"/>
-        <a:font script="Arab" typeface="Times New Roman"/>
-        <a:font script="Hebr" typeface="Times New Roman"/>
-        <a:font script="Thai" typeface="Angsana New"/>
-        <a:font script="Ethi" typeface="Nyala"/>
-        <a:font script="Beng" typeface="Vrinda"/>
-        <a:font script="Gujr" typeface="Shruti"/>
-        <a:font script="Khmr" typeface="MoolBoran"/>
-        <a:font script="Knda" typeface="Tunga"/>
-        <a:font script="Guru" typeface="Raavi"/>
-        <a:font script="Cans" typeface="Euphemia"/>
-        <a:font script="Cher" typeface="Plantagenet Cherokee"/>
-        <a:font script="Yiii" typeface="Microsoft Yi Baiti"/>
-        <a:font script="Tibt" typeface="Microsoft Himalaya"/>
-        <a:font script="Thaa" typeface="MV Boli"/>
-        <a:font script="Deva" typeface="Mangal"/>
-        <a:font script="Telu" typeface="Gautami"/>
-        <a:font script="Taml" typeface="Latha"/>
-        <a:font script="Syrc" typeface="Estrangelo Edessa"/>
-        <a:font script="Orya" typeface="Kalinga"/>
-        <a:font script="Mlym" typeface="Kartika"/>
-        <a:font script="Laoo" typeface="DokChampa"/>
-        <a:font script="Sinh" typeface="Iskoola Pota"/>
-        <a:font script="Mong" typeface="Mongolian Baiti"/>
-        <a:font script="Viet" typeface="Times New Roman"/>
-        <a:font script="Uigh" typeface="Microsoft Uighur"/>
-        <a:font script="Geor" typeface="Sylfaen"/>
-      </a:majorFont>
-      <a:minorFont>
-        <a:latin typeface="Arial"/>
-        <a:ea typeface=""/>
-        <a:cs typeface=""/>
-        <a:font script="Jpan" typeface="ＭＳ Ｐゴシック"/>
-        <a:font script="Hang" typeface="맑은 고딕"/>
-        <a:font script="Hans" typeface="宋体"/>
-        <a:font script="Hant" typeface="新細明體"/>
-        <a:font script="Arab" typeface="Arial"/>
-        <a:font script="Hebr" typeface="Arial"/>
-        <a:font script="Thai" typeface="Cordia New"/>
-        <a:font script="Ethi" typeface="Nyala"/>
-        <a:font script="Beng" typeface="Vrinda"/>
-        <a:font script="Gujr" typeface="Shruti"/>
-        <a:font script="Khmr" typeface="DaunPenh"/>
-        <a:font script="Knda" typeface="Tunga"/>
-        <a:font script="Guru" typeface="Raavi"/>
-        <a:font script="Cans" typeface="Euphemia"/>
-        <a:font script="Cher" typeface="Plantagenet Cherokee"/>
-        <a:font script="Yiii" typeface="Microsoft Yi Baiti"/>
-        <a:font script="Tibt" typeface="Microsoft Himalaya"/>
-        <a:font script="Thaa" typeface="MV Boli"/>
-        <a:font script="Deva" typeface="Mangal"/>
-        <a:font script="Telu" typeface="Gautami"/>
-        <a:font script="Taml" typeface="Latha"/>
-        <a:font script="Syrc" typeface="Estrangelo Edessa"/>
-        <a:font script="Orya" typeface="Kalinga"/>
-        <a:font script="Mlym" typeface="Kartika"/>
-        <a:font script="Laoo" typeface="DokChampa"/>
-        <a:font script="Sinh" typeface="Iskoola Pota"/>
-        <a:font script="Mong" typeface="Mongolian Baiti"/>
-        <a:font script="Viet" typeface="Arial"/>
-        <a:font script="Uigh" typeface="Microsoft Uighur"/>
-        <a:font script="Geor" typeface="Sylfaen"/>
-      </a:minorFont>
-    </a:fontScheme>
-    <a:fmtScheme name="Office">
-      <a:fillStyleLst>
-        <a:solidFill>
-          <a:schemeClr val="phClr"/>
-        </a:solidFill>
-        <a:gradFill rotWithShape="1">
-          <a:gsLst>
-            <a:gs pos="0">
-              <a:schemeClr val="phClr">
-                <a:tint val="50000"/>
-                <a:satMod val="300000"/>
-              </a:schemeClr>
-            </a:gs>
-            <a:gs pos="35000">
-              <a:schemeClr val="phClr">
-                <a:tint val="37000"/>
-                <a:satMod val="300000"/>
-              </a:schemeClr>
-            </a:gs>
-            <a:gs pos="100000">
-              <a:schemeClr val="phClr">
-                <a:tint val="15000"/>
-                <a:satMod val="350000"/>
-              </a:schemeClr>
-            </a:gs>
-          </a:gsLst>
-          <a:lin ang="16200000" scaled="1"/>
-        </a:gradFill>
-        <a:gradFill rotWithShape="1">
-          <a:gsLst>
-            <a:gs pos="0">
-              <a:schemeClr val="phClr">
-                <a:tint val="100000"/>
-                <a:shade val="100000"/>
-                <a:satMod val="130000"/>
-              </a:schemeClr>
-            </a:gs>
-            <a:gs pos="100000">
-              <a:schemeClr val="phClr">
-                <a:tint val="50000"/>
-                <a:shade val="100000"/>
-                <a:satMod val="350000"/>
-              </a:schemeClr>
-            </a:gs>
-          </a:gsLst>
-          <a:lin ang="16200000" scaled="0"/>
-        </a:gradFill>
-      </a:fillStyleLst>
-      <a:lnStyleLst>
-        <a:ln w="9525" cap="flat" cmpd="sng" algn="ctr">
-          <a:solidFill>
-            <a:schemeClr val="phClr">
-              <a:shade val="95000"/>
-              <a:satMod val="105000"/>
-            </a:schemeClr>
-          </a:solidFill>
-          <a:prstDash val="solid"/>
-        </a:ln>
-        <a:ln w="25400" cap="flat" cmpd="sng" algn="ctr">
-          <a:solidFill>
-            <a:schemeClr val="phClr"/>
-          </a:solidFill>
-          <a:prstDash val="solid"/>
-        </a:ln>
-        <a:ln w="38100" cap="flat" cmpd="sng" algn="ctr">
-          <a:solidFill>
-            <a:schemeClr val="phClr"/>
-          </a:solidFill>
-          <a:prstDash val="solid"/>
-        </a:ln>
-      </a:lnStyleLst>
-      <a:effectStyleLst>
-        <a:effectStyle>
-          <a:effectLst>
-            <a:outerShdw blurRad="40000" dist="20000" dir="5400000" rotWithShape="0">
-              <a:srgbClr val="000000">
-                <a:alpha val="38000"/>
-              </a:srgbClr>
-            </a:outerShdw>
-          </a:effectLst>
-        </a:effectStyle>
-        <a:effectStyle>
-          <a:effectLst>
-            <a:outerShdw blurRad="40000" dist="23000" dir="5400000" rotWithShape="0">
-              <a:srgbClr val="000000">
-                <a:alpha val="35000"/>
-              </a:srgbClr>
-            </a:outerShdw>
-          </a:effectLst>
-        </a:effectStyle>
-        <a:effectStyle>
-          <a:effectLst>
-            <a:outerShdw blurRad="40000" dist="23000" dir="5400000" rotWithShape="0">
-              <a:srgbClr val="000000">
-                <a:alpha val="35000"/>
-              </a:srgbClr>
-            </a:outerShdw>
-          </a:effectLst>
-          <a:scene3d>
-            <a:camera prst="orthographicFront">
-              <a:rot lat="0" lon="0" rev="0"/>
-            </a:camera>
-            <a:lightRig rig="threePt" dir="t">
-              <a:rot lat="0" lon="0" rev="1200000"/>
-            </a:lightRig>
-          </a:scene3d>
-          <a:sp3d>
-            <a:bevelT w="63500" h="25400"/>
-          </a:sp3d>
-        </a:effectStyle>
-      </a:effectStyleLst>
-      <a:bgFillStyleLst>
-        <a:solidFill>
-          <a:schemeClr val="phClr"/>
-        </a:solidFill>
-        <a:gradFill rotWithShape="1">
-          <a:gsLst>
-            <a:gs pos="0">
-              <a:schemeClr val="phClr">
-                <a:tint val="40000"/>
-                <a:satMod val="350000"/>
-              </a:schemeClr>
-            </a:gs>
-            <a:gs pos="40000">
-              <a:schemeClr val="phClr">
-                <a:tint val="45000"/>
-                <a:shade val="99000"/>
-                <a:satMod val="350000"/>
-              </a:schemeClr>
-            </a:gs>
-            <a:gs pos="100000">
-              <a:schemeClr val="phClr">
-                <a:shade val="20000"/>
-                <a:satMod val="255000"/>
-              </a:schemeClr>
-            </a:gs>
-          </a:gsLst>
-          <a:path path="circle">
-            <a:fillToRect l="50000" t="-80000" r="50000" b="180000"/>
-          </a:path>
-        </a:gradFill>
-        <a:gradFill rotWithShape="1">
-          <a:gsLst>
-            <a:gs pos="0">
-              <a:schemeClr val="phClr">
-                <a:tint val="80000"/>
-                <a:satMod val="300000"/>
-              </a:schemeClr>
-            </a:gs>
-            <a:gs pos="100000">
-              <a:schemeClr val="phClr">
-                <a:shade val="30000"/>
-                <a:satMod val="200000"/>
-              </a:schemeClr>
-            </a:gs>
-          </a:gsLst>
-          <a:path path="circle">
-            <a:fillToRect l="50000" t="50000" r="50000" b="50000"/>
-          </a:path>
-        </a:gradFill>
-      </a:bgFillStyleLst>
-    </a:fmtScheme>
-  </a:themeElements>
+  <a:objectDefaults/>
+  <a:extraClrSchemeLst/>
 </a:theme>
 </file>